--- a/EH-figures.pptx
+++ b/EH-figures.pptx
@@ -31772,8 +31772,8 @@
         </p:nvCxnSpPr>
         <p:spPr>
           <a:xfrm>
-            <a:off x="5195364" y="2367739"/>
-            <a:ext cx="1324120" cy="0"/>
+            <a:off x="5184995" y="2367739"/>
+            <a:ext cx="1334489" cy="0"/>
           </a:xfrm>
           <a:prstGeom prst="straightConnector1">
             <a:avLst/>
@@ -31889,7 +31889,7 @@
       </p:sp>
       <p:sp>
         <p:nvSpPr>
-          <p:cNvPr id="163" name="Rounded Rectangle 162">
+          <p:cNvPr id="163" name="Rectangle 162">
             <a:extLst>
               <a:ext uri="{FF2B5EF4-FFF2-40B4-BE49-F238E27FC236}">
                 <a16:creationId xmlns:a16="http://schemas.microsoft.com/office/drawing/2014/main" id="{B1C5534C-B6F0-18D7-D292-E7C814D8AF15}"/>
@@ -31901,10 +31901,10 @@
         </p:nvSpPr>
         <p:spPr>
           <a:xfrm>
-            <a:off x="5790967" y="1483994"/>
+            <a:off x="5790446" y="1472092"/>
             <a:ext cx="343492" cy="164278"/>
           </a:xfrm>
-          <a:prstGeom prst="roundRect">
+          <a:prstGeom prst="rect">
             <a:avLst/>
           </a:prstGeom>
           <a:noFill/>
@@ -32030,7 +32030,7 @@
       </p:cxnSp>
       <p:sp>
         <p:nvSpPr>
-          <p:cNvPr id="188" name="Rounded Rectangle 187">
+          <p:cNvPr id="188" name="Rectangle 187">
             <a:extLst>
               <a:ext uri="{FF2B5EF4-FFF2-40B4-BE49-F238E27FC236}">
                 <a16:creationId xmlns:a16="http://schemas.microsoft.com/office/drawing/2014/main" id="{D4E9557A-FAB5-04A2-45D3-AC51095A5D10}"/>
@@ -32042,10 +32042,10 @@
         </p:nvSpPr>
         <p:spPr>
           <a:xfrm>
-            <a:off x="6140502" y="1487945"/>
+            <a:off x="6132939" y="1472092"/>
             <a:ext cx="343492" cy="164278"/>
           </a:xfrm>
-          <a:prstGeom prst="roundRect">
+          <a:prstGeom prst="rect">
             <a:avLst/>
           </a:prstGeom>
           <a:noFill/>
@@ -32084,7 +32084,7 @@
       </p:sp>
       <p:sp>
         <p:nvSpPr>
-          <p:cNvPr id="189" name="Rounded Rectangle 188">
+          <p:cNvPr id="189" name="Rectangle 188">
             <a:extLst>
               <a:ext uri="{FF2B5EF4-FFF2-40B4-BE49-F238E27FC236}">
                 <a16:creationId xmlns:a16="http://schemas.microsoft.com/office/drawing/2014/main" id="{C88A6C87-B005-B557-2A63-F1183DB10C29}"/>
@@ -32096,10 +32096,10 @@
         </p:nvSpPr>
         <p:spPr>
           <a:xfrm>
-            <a:off x="6483994" y="1484639"/>
+            <a:off x="6477661" y="1472092"/>
             <a:ext cx="343492" cy="164278"/>
           </a:xfrm>
-          <a:prstGeom prst="roundRect">
+          <a:prstGeom prst="rect">
             <a:avLst/>
           </a:prstGeom>
           <a:noFill/>
@@ -32142,7 +32142,7 @@
       </p:sp>
       <p:sp>
         <p:nvSpPr>
-          <p:cNvPr id="190" name="Rounded Rectangle 189">
+          <p:cNvPr id="190" name="Rectangle 189">
             <a:extLst>
               <a:ext uri="{FF2B5EF4-FFF2-40B4-BE49-F238E27FC236}">
                 <a16:creationId xmlns:a16="http://schemas.microsoft.com/office/drawing/2014/main" id="{D4571CCA-20A2-76A1-C61A-546457D720CE}"/>
@@ -32154,10 +32154,10 @@
         </p:nvSpPr>
         <p:spPr>
           <a:xfrm>
-            <a:off x="6827486" y="1490009"/>
+            <a:off x="6818841" y="1472092"/>
             <a:ext cx="343492" cy="164278"/>
           </a:xfrm>
-          <a:prstGeom prst="roundRect">
+          <a:prstGeom prst="rect">
             <a:avLst/>
           </a:prstGeom>
           <a:noFill/>
@@ -32196,58 +32196,22 @@
       </p:sp>
       <p:sp>
         <p:nvSpPr>
-          <p:cNvPr id="191" name="TextBox 190">
-            <a:extLst>
-              <a:ext uri="{FF2B5EF4-FFF2-40B4-BE49-F238E27FC236}">
-                <a16:creationId xmlns:a16="http://schemas.microsoft.com/office/drawing/2014/main" id="{DAC659D8-1625-FD48-C468-39CDE3329EEC}"/>
-              </a:ext>
-            </a:extLst>
-          </p:cNvPr>
-          <p:cNvSpPr txBox="1"/>
+          <p:cNvPr id="192" name="Rectangle 191">
+            <a:extLst>
+              <a:ext uri="{FF2B5EF4-FFF2-40B4-BE49-F238E27FC236}">
+                <a16:creationId xmlns:a16="http://schemas.microsoft.com/office/drawing/2014/main" id="{472A2666-35EB-B53C-5164-CD0E53BD3626}"/>
+              </a:ext>
+            </a:extLst>
+          </p:cNvPr>
+          <p:cNvSpPr/>
           <p:nvPr/>
         </p:nvSpPr>
         <p:spPr>
           <a:xfrm>
-            <a:off x="6148774" y="1323612"/>
-            <a:ext cx="343364" cy="369332"/>
+            <a:off x="7162333" y="1472092"/>
+            <a:ext cx="343492" cy="164278"/>
           </a:xfrm>
           <a:prstGeom prst="rect">
-            <a:avLst/>
-          </a:prstGeom>
-          <a:noFill/>
-        </p:spPr>
-        <p:txBody>
-          <a:bodyPr wrap="none" rtlCol="0">
-            <a:spAutoFit/>
-          </a:bodyPr>
-          <a:lstStyle/>
-          <a:p>
-            <a:r>
-              <a:rPr lang="en-US" altLang="zh-CN" dirty="0"/>
-              <a:t>…</a:t>
-            </a:r>
-            <a:endParaRPr lang="en-US" dirty="0"/>
-          </a:p>
-        </p:txBody>
-      </p:sp>
-      <p:sp>
-        <p:nvSpPr>
-          <p:cNvPr id="192" name="Rounded Rectangle 191">
-            <a:extLst>
-              <a:ext uri="{FF2B5EF4-FFF2-40B4-BE49-F238E27FC236}">
-                <a16:creationId xmlns:a16="http://schemas.microsoft.com/office/drawing/2014/main" id="{472A2666-35EB-B53C-5164-CD0E53BD3626}"/>
-              </a:ext>
-            </a:extLst>
-          </p:cNvPr>
-          <p:cNvSpPr/>
-          <p:nvPr/>
-        </p:nvSpPr>
-        <p:spPr>
-          <a:xfrm>
-            <a:off x="7164935" y="1483994"/>
-            <a:ext cx="343492" cy="164278"/>
-          </a:xfrm>
-          <a:prstGeom prst="roundRect">
             <a:avLst/>
           </a:prstGeom>
           <a:noFill/>
@@ -32302,7 +32266,7 @@
         </p:nvSpPr>
         <p:spPr>
           <a:xfrm>
-            <a:off x="6820076" y="1323612"/>
+            <a:off x="6822243" y="1311815"/>
             <a:ext cx="343364" cy="369332"/>
           </a:xfrm>
           <a:prstGeom prst="rect">
@@ -32389,15 +32353,14 @@
           </p:cNvPr>
           <p:cNvCxnSpPr>
             <a:cxnSpLocks/>
-            <a:stCxn id="192" idx="0"/>
             <a:endCxn id="197" idx="2"/>
           </p:cNvCxnSpPr>
           <p:nvPr/>
         </p:nvCxnSpPr>
         <p:spPr>
-          <a:xfrm flipV="1">
-            <a:off x="7336681" y="1265183"/>
-            <a:ext cx="3089" cy="218811"/>
+          <a:xfrm flipH="1" flipV="1">
+            <a:off x="7339770" y="1265183"/>
+            <a:ext cx="4044" cy="206909"/>
           </a:xfrm>
           <a:prstGeom prst="straightConnector1">
             <a:avLst/>
@@ -32435,8 +32398,8 @@
         </p:nvSpPr>
         <p:spPr>
           <a:xfrm>
-            <a:off x="4665261" y="1627704"/>
-            <a:ext cx="1988045" cy="253916"/>
+            <a:off x="4713044" y="1280629"/>
+            <a:ext cx="1080745" cy="400110"/>
           </a:xfrm>
           <a:prstGeom prst="rect">
             <a:avLst/>
@@ -32449,35 +32412,40 @@
           </a:bodyPr>
           <a:lstStyle/>
           <a:p>
-            <a:r>
-              <a:rPr lang="en-US" altLang="zh-CN" sz="1050" dirty="0"/>
+            <a:pPr algn="ctr"/>
+            <a:r>
+              <a:rPr lang="en-US" altLang="zh-CN" sz="1000" dirty="0"/>
               <a:t>distribution</a:t>
             </a:r>
             <a:r>
-              <a:rPr lang="zh-CN" altLang="en-US" sz="1050" dirty="0"/>
+              <a:rPr lang="zh-CN" altLang="en-US" sz="1000" dirty="0"/>
               <a:t> </a:t>
             </a:r>
             <a:r>
-              <a:rPr lang="en-US" altLang="zh-CN" sz="1050" dirty="0"/>
+              <a:rPr lang="en-US" altLang="zh-CN" sz="1000" dirty="0"/>
               <a:t>over</a:t>
             </a:r>
             <a:r>
-              <a:rPr lang="zh-CN" altLang="en-US" sz="1050" dirty="0"/>
+              <a:rPr lang="zh-CN" altLang="en-US" sz="1000" dirty="0"/>
               <a:t> </a:t>
             </a:r>
-            <a:r>
-              <a:rPr lang="en-US" altLang="zh-CN" sz="1050" dirty="0"/>
+            <a:endParaRPr lang="en-US" altLang="zh-CN" sz="1000" dirty="0"/>
+          </a:p>
+          <a:p>
+            <a:pPr algn="ctr"/>
+            <a:r>
+              <a:rPr lang="en-US" altLang="zh-CN" sz="1000" dirty="0"/>
               <a:t>exception</a:t>
             </a:r>
             <a:r>
-              <a:rPr lang="zh-CN" altLang="en-US" sz="1050" dirty="0"/>
+              <a:rPr lang="zh-CN" altLang="en-US" sz="1000" dirty="0"/>
               <a:t> </a:t>
             </a:r>
             <a:r>
-              <a:rPr lang="en-US" altLang="zh-CN" sz="1050" dirty="0"/>
+              <a:rPr lang="en-US" altLang="zh-CN" sz="1000" dirty="0"/>
               <a:t>types</a:t>
             </a:r>
-            <a:endParaRPr lang="en-US" sz="1050" dirty="0"/>
+            <a:endParaRPr lang="en-US" sz="1000" dirty="0"/>
           </a:p>
         </p:txBody>
       </p:sp>
@@ -32521,6 +32489,319 @@
               <a:rPr lang="en-US" sz="2800" dirty="0"/>
               <a:t> Figure</a:t>
             </a:r>
+          </a:p>
+        </p:txBody>
+      </p:sp>
+      <p:sp>
+        <p:nvSpPr>
+          <p:cNvPr id="3" name="TextBox 2">
+            <a:extLst>
+              <a:ext uri="{FF2B5EF4-FFF2-40B4-BE49-F238E27FC236}">
+                <a16:creationId xmlns:a16="http://schemas.microsoft.com/office/drawing/2014/main" id="{03CBB256-2171-2228-7579-9ED817C4CEC6}"/>
+              </a:ext>
+            </a:extLst>
+          </p:cNvPr>
+          <p:cNvSpPr txBox="1"/>
+          <p:nvPr/>
+        </p:nvSpPr>
+        <p:spPr>
+          <a:xfrm>
+            <a:off x="8190866" y="2087290"/>
+            <a:ext cx="1334489" cy="553998"/>
+          </a:xfrm>
+          <a:prstGeom prst="wedgeRectCallout">
+            <a:avLst/>
+          </a:prstGeom>
+          <a:solidFill>
+            <a:srgbClr val="A8A8A8"/>
+          </a:solidFill>
+          <a:ln>
+            <a:headEnd type="none" w="med" len="med"/>
+            <a:tailEnd type="none" w="med" len="med"/>
+            <a:extLst>
+              <a:ext uri="{C807C97D-BFC1-408E-A445-0C87EB9F89A2}">
+                <ask:lineSketchStyleProps xmlns:ask="http://schemas.microsoft.com/office/drawing/2018/sketchyshapes" sd="1219033472">
+                  <a:custGeom>
+                    <a:avLst/>
+                    <a:gdLst>
+                      <a:gd name="connsiteX0" fmla="*/ 0 w 1334489"/>
+                      <a:gd name="connsiteY0" fmla="*/ 0 h 553998"/>
+                      <a:gd name="connsiteX1" fmla="*/ 222415 w 1334489"/>
+                      <a:gd name="connsiteY1" fmla="*/ 0 h 553998"/>
+                      <a:gd name="connsiteX2" fmla="*/ 222415 w 1334489"/>
+                      <a:gd name="connsiteY2" fmla="*/ 0 h 553998"/>
+                      <a:gd name="connsiteX3" fmla="*/ 556037 w 1334489"/>
+                      <a:gd name="connsiteY3" fmla="*/ 0 h 553998"/>
+                      <a:gd name="connsiteX4" fmla="*/ 960832 w 1334489"/>
+                      <a:gd name="connsiteY4" fmla="*/ 0 h 553998"/>
+                      <a:gd name="connsiteX5" fmla="*/ 1334489 w 1334489"/>
+                      <a:gd name="connsiteY5" fmla="*/ 0 h 553998"/>
+                      <a:gd name="connsiteX6" fmla="*/ 1334489 w 1334489"/>
+                      <a:gd name="connsiteY6" fmla="*/ 323166 h 553998"/>
+                      <a:gd name="connsiteX7" fmla="*/ 1334489 w 1334489"/>
+                      <a:gd name="connsiteY7" fmla="*/ 323166 h 553998"/>
+                      <a:gd name="connsiteX8" fmla="*/ 1334489 w 1334489"/>
+                      <a:gd name="connsiteY8" fmla="*/ 461665 h 553998"/>
+                      <a:gd name="connsiteX9" fmla="*/ 1334489 w 1334489"/>
+                      <a:gd name="connsiteY9" fmla="*/ 553998 h 553998"/>
+                      <a:gd name="connsiteX10" fmla="*/ 945263 w 1334489"/>
+                      <a:gd name="connsiteY10" fmla="*/ 553998 h 553998"/>
+                      <a:gd name="connsiteX11" fmla="*/ 556037 w 1334489"/>
+                      <a:gd name="connsiteY11" fmla="*/ 553998 h 553998"/>
+                      <a:gd name="connsiteX12" fmla="*/ 389230 w 1334489"/>
+                      <a:gd name="connsiteY12" fmla="*/ 623248 h 553998"/>
+                      <a:gd name="connsiteX13" fmla="*/ 222415 w 1334489"/>
+                      <a:gd name="connsiteY13" fmla="*/ 553998 h 553998"/>
+                      <a:gd name="connsiteX14" fmla="*/ 0 w 1334489"/>
+                      <a:gd name="connsiteY14" fmla="*/ 553998 h 553998"/>
+                      <a:gd name="connsiteX15" fmla="*/ 0 w 1334489"/>
+                      <a:gd name="connsiteY15" fmla="*/ 461665 h 553998"/>
+                      <a:gd name="connsiteX16" fmla="*/ 0 w 1334489"/>
+                      <a:gd name="connsiteY16" fmla="*/ 323166 h 553998"/>
+                      <a:gd name="connsiteX17" fmla="*/ 0 w 1334489"/>
+                      <a:gd name="connsiteY17" fmla="*/ 323166 h 553998"/>
+                      <a:gd name="connsiteX18" fmla="*/ 0 w 1334489"/>
+                      <a:gd name="connsiteY18" fmla="*/ 0 h 553998"/>
+                    </a:gdLst>
+                    <a:ahLst/>
+                    <a:cxnLst>
+                      <a:cxn ang="0">
+                        <a:pos x="connsiteX0" y="connsiteY0"/>
+                      </a:cxn>
+                      <a:cxn ang="0">
+                        <a:pos x="connsiteX1" y="connsiteY1"/>
+                      </a:cxn>
+                      <a:cxn ang="0">
+                        <a:pos x="connsiteX2" y="connsiteY2"/>
+                      </a:cxn>
+                      <a:cxn ang="0">
+                        <a:pos x="connsiteX3" y="connsiteY3"/>
+                      </a:cxn>
+                      <a:cxn ang="0">
+                        <a:pos x="connsiteX4" y="connsiteY4"/>
+                      </a:cxn>
+                      <a:cxn ang="0">
+                        <a:pos x="connsiteX5" y="connsiteY5"/>
+                      </a:cxn>
+                      <a:cxn ang="0">
+                        <a:pos x="connsiteX6" y="connsiteY6"/>
+                      </a:cxn>
+                      <a:cxn ang="0">
+                        <a:pos x="connsiteX7" y="connsiteY7"/>
+                      </a:cxn>
+                      <a:cxn ang="0">
+                        <a:pos x="connsiteX8" y="connsiteY8"/>
+                      </a:cxn>
+                      <a:cxn ang="0">
+                        <a:pos x="connsiteX9" y="connsiteY9"/>
+                      </a:cxn>
+                      <a:cxn ang="0">
+                        <a:pos x="connsiteX10" y="connsiteY10"/>
+                      </a:cxn>
+                      <a:cxn ang="0">
+                        <a:pos x="connsiteX11" y="connsiteY11"/>
+                      </a:cxn>
+                      <a:cxn ang="0">
+                        <a:pos x="connsiteX12" y="connsiteY12"/>
+                      </a:cxn>
+                      <a:cxn ang="0">
+                        <a:pos x="connsiteX13" y="connsiteY13"/>
+                      </a:cxn>
+                      <a:cxn ang="0">
+                        <a:pos x="connsiteX14" y="connsiteY14"/>
+                      </a:cxn>
+                      <a:cxn ang="0">
+                        <a:pos x="connsiteX15" y="connsiteY15"/>
+                      </a:cxn>
+                      <a:cxn ang="0">
+                        <a:pos x="connsiteX16" y="connsiteY16"/>
+                      </a:cxn>
+                      <a:cxn ang="0">
+                        <a:pos x="connsiteX17" y="connsiteY17"/>
+                      </a:cxn>
+                      <a:cxn ang="0">
+                        <a:pos x="connsiteX18" y="connsiteY18"/>
+                      </a:cxn>
+                    </a:cxnLst>
+                    <a:rect l="l" t="t" r="r" b="b"/>
+                    <a:pathLst>
+                      <a:path w="1334489" h="553998" extrusionOk="0">
+                        <a:moveTo>
+                          <a:pt x="0" y="0"/>
+                        </a:moveTo>
+                        <a:cubicBezTo>
+                          <a:pt x="93004" y="-12631"/>
+                          <a:pt x="163668" y="2001"/>
+                          <a:pt x="222415" y="0"/>
+                        </a:cubicBezTo>
+                        <a:lnTo>
+                          <a:pt x="222415" y="0"/>
+                        </a:lnTo>
+                        <a:cubicBezTo>
+                          <a:pt x="351234" y="-9434"/>
+                          <a:pt x="469498" y="30974"/>
+                          <a:pt x="556037" y="0"/>
+                        </a:cubicBezTo>
+                        <a:cubicBezTo>
+                          <a:pt x="656433" y="-11521"/>
+                          <a:pt x="761572" y="35048"/>
+                          <a:pt x="960832" y="0"/>
+                        </a:cubicBezTo>
+                        <a:cubicBezTo>
+                          <a:pt x="1160093" y="-35048"/>
+                          <a:pt x="1253471" y="41796"/>
+                          <a:pt x="1334489" y="0"/>
+                        </a:cubicBezTo>
+                        <a:cubicBezTo>
+                          <a:pt x="1359534" y="93467"/>
+                          <a:pt x="1308148" y="186430"/>
+                          <a:pt x="1334489" y="323166"/>
+                        </a:cubicBezTo>
+                        <a:lnTo>
+                          <a:pt x="1334489" y="323166"/>
+                        </a:lnTo>
+                        <a:cubicBezTo>
+                          <a:pt x="1334649" y="386985"/>
+                          <a:pt x="1318926" y="396771"/>
+                          <a:pt x="1334489" y="461665"/>
+                        </a:cubicBezTo>
+                        <a:cubicBezTo>
+                          <a:pt x="1340940" y="505007"/>
+                          <a:pt x="1330798" y="523243"/>
+                          <a:pt x="1334489" y="553998"/>
+                        </a:cubicBezTo>
+                        <a:cubicBezTo>
+                          <a:pt x="1250183" y="565748"/>
+                          <a:pt x="1061390" y="534568"/>
+                          <a:pt x="945263" y="553998"/>
+                        </a:cubicBezTo>
+                        <a:cubicBezTo>
+                          <a:pt x="829136" y="573428"/>
+                          <a:pt x="705371" y="538193"/>
+                          <a:pt x="556037" y="553998"/>
+                        </a:cubicBezTo>
+                        <a:cubicBezTo>
+                          <a:pt x="503506" y="575896"/>
+                          <a:pt x="460142" y="582171"/>
+                          <a:pt x="389230" y="623248"/>
+                        </a:cubicBezTo>
+                        <a:cubicBezTo>
+                          <a:pt x="307248" y="610925"/>
+                          <a:pt x="257033" y="567633"/>
+                          <a:pt x="222415" y="553998"/>
+                        </a:cubicBezTo>
+                        <a:cubicBezTo>
+                          <a:pt x="177885" y="555227"/>
+                          <a:pt x="53983" y="527823"/>
+                          <a:pt x="0" y="553998"/>
+                        </a:cubicBezTo>
+                        <a:cubicBezTo>
+                          <a:pt x="-9184" y="511161"/>
+                          <a:pt x="7421" y="484730"/>
+                          <a:pt x="0" y="461665"/>
+                        </a:cubicBezTo>
+                        <a:cubicBezTo>
+                          <a:pt x="-4861" y="403268"/>
+                          <a:pt x="2088" y="365844"/>
+                          <a:pt x="0" y="323166"/>
+                        </a:cubicBezTo>
+                        <a:lnTo>
+                          <a:pt x="0" y="323166"/>
+                        </a:lnTo>
+                        <a:cubicBezTo>
+                          <a:pt x="-28918" y="234945"/>
+                          <a:pt x="29638" y="112758"/>
+                          <a:pt x="0" y="0"/>
+                        </a:cubicBezTo>
+                        <a:close/>
+                      </a:path>
+                    </a:pathLst>
+                  </a:custGeom>
+                  <ask:type>
+                    <ask:lineSketchNone/>
+                  </ask:type>
+                </ask:lineSketchStyleProps>
+              </a:ext>
+            </a:extLst>
+          </a:ln>
+        </p:spPr>
+        <p:style>
+          <a:lnRef idx="2">
+            <a:schemeClr val="dk1"/>
+          </a:lnRef>
+          <a:fillRef idx="1">
+            <a:schemeClr val="lt1"/>
+          </a:fillRef>
+          <a:effectRef idx="0">
+            <a:schemeClr val="dk1"/>
+          </a:effectRef>
+          <a:fontRef idx="minor">
+            <a:schemeClr val="dk1"/>
+          </a:fontRef>
+        </p:style>
+        <p:txBody>
+          <a:bodyPr wrap="square" rtlCol="0">
+            <a:spAutoFit/>
+          </a:bodyPr>
+          <a:lstStyle/>
+          <a:p>
+            <a:r>
+              <a:rPr lang="en-US" sz="1000" dirty="0">
+                <a:solidFill>
+                  <a:schemeClr val="tx1"/>
+                </a:solidFill>
+              </a:rPr>
+              <a:t>During prediction, the predicted label comes from </a:t>
+            </a:r>
+            <a:r>
+              <a:rPr lang="en-US" sz="1000" dirty="0" err="1">
+                <a:solidFill>
+                  <a:schemeClr val="tx1"/>
+                </a:solidFill>
+              </a:rPr>
+              <a:t>XState</a:t>
+            </a:r>
+            <a:endParaRPr lang="en-US" sz="1000" dirty="0">
+              <a:solidFill>
+                <a:schemeClr val="tx1"/>
+              </a:solidFill>
+            </a:endParaRPr>
+          </a:p>
+        </p:txBody>
+      </p:sp>
+      <p:sp>
+        <p:nvSpPr>
+          <p:cNvPr id="105" name="TextBox 104">
+            <a:extLst>
+              <a:ext uri="{FF2B5EF4-FFF2-40B4-BE49-F238E27FC236}">
+                <a16:creationId xmlns:a16="http://schemas.microsoft.com/office/drawing/2014/main" id="{24393C03-0218-1974-B8A9-C5DDF446B8C9}"/>
+              </a:ext>
+            </a:extLst>
+          </p:cNvPr>
+          <p:cNvSpPr txBox="1"/>
+          <p:nvPr/>
+        </p:nvSpPr>
+        <p:spPr>
+          <a:xfrm>
+            <a:off x="6135789" y="1310947"/>
+            <a:ext cx="343364" cy="369332"/>
+          </a:xfrm>
+          <a:prstGeom prst="rect">
+            <a:avLst/>
+          </a:prstGeom>
+          <a:noFill/>
+        </p:spPr>
+        <p:txBody>
+          <a:bodyPr wrap="none" rtlCol="0">
+            <a:spAutoFit/>
+          </a:bodyPr>
+          <a:lstStyle/>
+          <a:p>
+            <a:r>
+              <a:rPr lang="en-US" altLang="zh-CN" dirty="0"/>
+              <a:t>…</a:t>
+            </a:r>
+            <a:endParaRPr lang="en-US" dirty="0"/>
           </a:p>
         </p:txBody>
       </p:sp>

--- a/EH-figures.pptx
+++ b/EH-figures.pptx
@@ -31939,7 +31939,7 @@
             <a:pPr algn="ctr"/>
             <a:r>
               <a:rPr lang="en-US" altLang="zh-CN" sz="800" dirty="0"/>
-              <a:t>0.3</a:t>
+              <a:t>0.5</a:t>
             </a:r>
             <a:endParaRPr lang="en-US" sz="800" dirty="0"/>
           </a:p>
@@ -32246,7 +32246,7 @@
             <a:pPr algn="ctr"/>
             <a:r>
               <a:rPr lang="en-US" altLang="zh-CN" sz="800" dirty="0"/>
-              <a:t>0.5</a:t>
+              <a:t>0.3</a:t>
             </a:r>
             <a:endParaRPr lang="en-US" sz="800" dirty="0"/>
           </a:p>
@@ -32302,7 +32302,7 @@
         </p:nvSpPr>
         <p:spPr>
           <a:xfrm>
-            <a:off x="6991758" y="1049739"/>
+            <a:off x="5602239" y="1049371"/>
             <a:ext cx="696024" cy="215444"/>
           </a:xfrm>
           <a:prstGeom prst="rect">
@@ -32359,7 +32359,7 @@
         </p:nvCxnSpPr>
         <p:spPr>
           <a:xfrm flipH="1" flipV="1">
-            <a:off x="7339770" y="1265183"/>
+            <a:off x="5950251" y="1264815"/>
             <a:ext cx="4044" cy="206909"/>
           </a:xfrm>
           <a:prstGeom prst="straightConnector1">

--- a/EH-figures.pptx
+++ b/EH-figures.pptx
@@ -32506,7 +32506,7 @@
         </p:nvSpPr>
         <p:spPr>
           <a:xfrm>
-            <a:off x="8190866" y="2087290"/>
+            <a:off x="2455852" y="2097942"/>
             <a:ext cx="1334489" cy="553998"/>
           </a:xfrm>
           <a:prstGeom prst="wedgeRectCallout">
@@ -32802,6 +32802,41 @@
               <a:t>…</a:t>
             </a:r>
             <a:endParaRPr lang="en-US" dirty="0"/>
+          </a:p>
+        </p:txBody>
+      </p:sp>
+      <p:sp>
+        <p:nvSpPr>
+          <p:cNvPr id="106" name="TextBox 105">
+            <a:extLst>
+              <a:ext uri="{FF2B5EF4-FFF2-40B4-BE49-F238E27FC236}">
+                <a16:creationId xmlns:a16="http://schemas.microsoft.com/office/drawing/2014/main" id="{9251B89B-9C80-2537-2408-421105D3C377}"/>
+              </a:ext>
+            </a:extLst>
+          </p:cNvPr>
+          <p:cNvSpPr txBox="1"/>
+          <p:nvPr/>
+        </p:nvSpPr>
+        <p:spPr>
+          <a:xfrm>
+            <a:off x="6441579" y="2450095"/>
+            <a:ext cx="404278" cy="246221"/>
+          </a:xfrm>
+          <a:prstGeom prst="rect">
+            <a:avLst/>
+          </a:prstGeom>
+          <a:noFill/>
+        </p:spPr>
+        <p:txBody>
+          <a:bodyPr wrap="none" rtlCol="0">
+            <a:spAutoFit/>
+          </a:bodyPr>
+          <a:lstStyle/>
+          <a:p>
+            <a:r>
+              <a:rPr lang="en-US" sz="1000" dirty="0"/>
+              <a:t>sum</a:t>
+            </a:r>
           </a:p>
         </p:txBody>
       </p:sp>

--- a/EH-figures.pptx
+++ b/EH-figures.pptx
@@ -31939,7 +31939,7 @@
             <a:pPr algn="ctr"/>
             <a:r>
               <a:rPr lang="en-US" altLang="zh-CN" sz="800" dirty="0"/>
-              <a:t>0.5</a:t>
+              <a:t>0.8</a:t>
             </a:r>
             <a:endParaRPr lang="en-US" sz="800" dirty="0"/>
           </a:p>
@@ -32302,8 +32302,8 @@
         </p:nvSpPr>
         <p:spPr>
           <a:xfrm>
-            <a:off x="5602239" y="1049371"/>
-            <a:ext cx="696024" cy="215444"/>
+            <a:off x="5646546" y="1119970"/>
+            <a:ext cx="623889" cy="200055"/>
           </a:xfrm>
           <a:prstGeom prst="rect">
             <a:avLst/>
@@ -32317,7 +32317,7 @@
           <a:lstStyle/>
           <a:p>
             <a:r>
-              <a:rPr lang="en-US" altLang="zh-CN" sz="800" dirty="0" err="1">
+              <a:rPr lang="en-US" altLang="zh-CN" sz="700" dirty="0" err="1">
                 <a:ln w="0"/>
                 <a:effectLst>
                   <a:outerShdw blurRad="38100" dist="19050" dir="2700000" algn="tl" rotWithShape="0">
@@ -32329,7 +32329,7 @@
               </a:rPr>
               <a:t>IOException</a:t>
             </a:r>
-            <a:endParaRPr lang="en-US" sz="800" dirty="0">
+            <a:endParaRPr lang="en-US" sz="700" dirty="0">
               <a:ln w="0"/>
               <a:effectLst>
                 <a:outerShdw blurRad="38100" dist="19050" dir="2700000" algn="tl" rotWithShape="0">
@@ -32353,14 +32353,15 @@
           </p:cNvPr>
           <p:cNvCxnSpPr>
             <a:cxnSpLocks/>
+            <a:stCxn id="163" idx="0"/>
             <a:endCxn id="197" idx="2"/>
           </p:cNvCxnSpPr>
           <p:nvPr/>
         </p:nvCxnSpPr>
         <p:spPr>
           <a:xfrm flipH="1" flipV="1">
-            <a:off x="5950251" y="1264815"/>
-            <a:ext cx="4044" cy="206909"/>
+            <a:off x="5958491" y="1320025"/>
+            <a:ext cx="3701" cy="152067"/>
           </a:xfrm>
           <a:prstGeom prst="straightConnector1">
             <a:avLst/>
@@ -32384,71 +32385,6 @@
           </a:fontRef>
         </p:style>
       </p:cxnSp>
-      <p:sp>
-        <p:nvSpPr>
-          <p:cNvPr id="204" name="TextBox 203">
-            <a:extLst>
-              <a:ext uri="{FF2B5EF4-FFF2-40B4-BE49-F238E27FC236}">
-                <a16:creationId xmlns:a16="http://schemas.microsoft.com/office/drawing/2014/main" id="{C5946EBD-B676-F478-F49F-FB83B4E8445C}"/>
-              </a:ext>
-            </a:extLst>
-          </p:cNvPr>
-          <p:cNvSpPr txBox="1"/>
-          <p:nvPr/>
-        </p:nvSpPr>
-        <p:spPr>
-          <a:xfrm>
-            <a:off x="4713044" y="1280629"/>
-            <a:ext cx="1080745" cy="400110"/>
-          </a:xfrm>
-          <a:prstGeom prst="rect">
-            <a:avLst/>
-          </a:prstGeom>
-          <a:noFill/>
-        </p:spPr>
-        <p:txBody>
-          <a:bodyPr wrap="none" rtlCol="0">
-            <a:spAutoFit/>
-          </a:bodyPr>
-          <a:lstStyle/>
-          <a:p>
-            <a:pPr algn="ctr"/>
-            <a:r>
-              <a:rPr lang="en-US" altLang="zh-CN" sz="1000" dirty="0"/>
-              <a:t>distribution</a:t>
-            </a:r>
-            <a:r>
-              <a:rPr lang="zh-CN" altLang="en-US" sz="1000" dirty="0"/>
-              <a:t> </a:t>
-            </a:r>
-            <a:r>
-              <a:rPr lang="en-US" altLang="zh-CN" sz="1000" dirty="0"/>
-              <a:t>over</a:t>
-            </a:r>
-            <a:r>
-              <a:rPr lang="zh-CN" altLang="en-US" sz="1000" dirty="0"/>
-              <a:t> </a:t>
-            </a:r>
-            <a:endParaRPr lang="en-US" altLang="zh-CN" sz="1000" dirty="0"/>
-          </a:p>
-          <a:p>
-            <a:pPr algn="ctr"/>
-            <a:r>
-              <a:rPr lang="en-US" altLang="zh-CN" sz="1000" dirty="0"/>
-              <a:t>exception</a:t>
-            </a:r>
-            <a:r>
-              <a:rPr lang="zh-CN" altLang="en-US" sz="1000" dirty="0"/>
-              <a:t> </a:t>
-            </a:r>
-            <a:r>
-              <a:rPr lang="en-US" altLang="zh-CN" sz="1000" dirty="0"/>
-              <a:t>types</a:t>
-            </a:r>
-            <a:endParaRPr lang="en-US" sz="1000" dirty="0"/>
-          </a:p>
-        </p:txBody>
-      </p:sp>
       <p:sp>
         <p:nvSpPr>
           <p:cNvPr id="205" name="TextBox 204">
@@ -32840,6 +32776,200 @@
           </a:p>
         </p:txBody>
       </p:sp>
+      <p:sp>
+        <p:nvSpPr>
+          <p:cNvPr id="108" name="TextBox 107">
+            <a:extLst>
+              <a:ext uri="{FF2B5EF4-FFF2-40B4-BE49-F238E27FC236}">
+                <a16:creationId xmlns:a16="http://schemas.microsoft.com/office/drawing/2014/main" id="{293370D2-B0BB-EDF9-B0E0-43E5A1B6CA16}"/>
+              </a:ext>
+            </a:extLst>
+          </p:cNvPr>
+          <p:cNvSpPr txBox="1"/>
+          <p:nvPr/>
+        </p:nvSpPr>
+        <p:spPr>
+          <a:xfrm>
+            <a:off x="6304685" y="1122905"/>
+            <a:ext cx="683200" cy="200055"/>
+          </a:xfrm>
+          <a:prstGeom prst="rect">
+            <a:avLst/>
+          </a:prstGeom>
+          <a:noFill/>
+        </p:spPr>
+        <p:txBody>
+          <a:bodyPr wrap="none" rtlCol="0">
+            <a:spAutoFit/>
+          </a:bodyPr>
+          <a:lstStyle/>
+          <a:p>
+            <a:r>
+              <a:rPr lang="en-US" altLang="zh-CN" sz="700" dirty="0" err="1">
+                <a:ln w="0"/>
+                <a:effectLst>
+                  <a:outerShdw blurRad="38100" dist="19050" dir="2700000" algn="tl" rotWithShape="0">
+                    <a:schemeClr val="dk1">
+                      <a:alpha val="40000"/>
+                    </a:schemeClr>
+                  </a:outerShdw>
+                </a:effectLst>
+              </a:rPr>
+              <a:t>SQLException</a:t>
+            </a:r>
+            <a:endParaRPr lang="en-US" sz="700" dirty="0">
+              <a:ln w="0"/>
+              <a:effectLst>
+                <a:outerShdw blurRad="38100" dist="19050" dir="2700000" algn="tl" rotWithShape="0">
+                  <a:schemeClr val="dk1">
+                    <a:alpha val="40000"/>
+                  </a:schemeClr>
+                </a:outerShdw>
+              </a:effectLst>
+            </a:endParaRPr>
+          </a:p>
+        </p:txBody>
+      </p:sp>
+      <p:cxnSp>
+        <p:nvCxnSpPr>
+          <p:cNvPr id="109" name="Straight Arrow Connector 108">
+            <a:extLst>
+              <a:ext uri="{FF2B5EF4-FFF2-40B4-BE49-F238E27FC236}">
+                <a16:creationId xmlns:a16="http://schemas.microsoft.com/office/drawing/2014/main" id="{FE5A9180-9D4A-6563-B863-F03E5BC35F73}"/>
+              </a:ext>
+            </a:extLst>
+          </p:cNvPr>
+          <p:cNvCxnSpPr>
+            <a:cxnSpLocks/>
+            <a:stCxn id="189" idx="0"/>
+            <a:endCxn id="108" idx="2"/>
+          </p:cNvCxnSpPr>
+          <p:nvPr/>
+        </p:nvCxnSpPr>
+        <p:spPr>
+          <a:xfrm flipH="1" flipV="1">
+            <a:off x="6646285" y="1322960"/>
+            <a:ext cx="3122" cy="149132"/>
+          </a:xfrm>
+          <a:prstGeom prst="straightConnector1">
+            <a:avLst/>
+          </a:prstGeom>
+          <a:ln>
+            <a:tailEnd type="triangle"/>
+          </a:ln>
+        </p:spPr>
+        <p:style>
+          <a:lnRef idx="1">
+            <a:schemeClr val="dk1"/>
+          </a:lnRef>
+          <a:fillRef idx="0">
+            <a:schemeClr val="dk1"/>
+          </a:fillRef>
+          <a:effectRef idx="0">
+            <a:schemeClr val="dk1"/>
+          </a:effectRef>
+          <a:fontRef idx="minor">
+            <a:schemeClr val="tx1"/>
+          </a:fontRef>
+        </p:style>
+      </p:cxnSp>
+      <p:sp>
+        <p:nvSpPr>
+          <p:cNvPr id="110" name="TextBox 109">
+            <a:extLst>
+              <a:ext uri="{FF2B5EF4-FFF2-40B4-BE49-F238E27FC236}">
+                <a16:creationId xmlns:a16="http://schemas.microsoft.com/office/drawing/2014/main" id="{C1AAC98A-6772-44CD-5345-84AFEBD58C1C}"/>
+              </a:ext>
+            </a:extLst>
+          </p:cNvPr>
+          <p:cNvSpPr txBox="1"/>
+          <p:nvPr/>
+        </p:nvSpPr>
+        <p:spPr>
+          <a:xfrm>
+            <a:off x="6855631" y="1126365"/>
+            <a:ext cx="957313" cy="200055"/>
+          </a:xfrm>
+          <a:prstGeom prst="rect">
+            <a:avLst/>
+          </a:prstGeom>
+          <a:noFill/>
+        </p:spPr>
+        <p:txBody>
+          <a:bodyPr wrap="none" rtlCol="0">
+            <a:spAutoFit/>
+          </a:bodyPr>
+          <a:lstStyle/>
+          <a:p>
+            <a:r>
+              <a:rPr lang="en-US" altLang="zh-CN" sz="700" dirty="0" err="1">
+                <a:ln w="0"/>
+                <a:effectLst>
+                  <a:outerShdw blurRad="38100" dist="19050" dir="2700000" algn="tl" rotWithShape="0">
+                    <a:schemeClr val="dk1">
+                      <a:alpha val="40000"/>
+                    </a:schemeClr>
+                  </a:outerShdw>
+                </a:effectLst>
+              </a:rPr>
+              <a:t>NullPointerException</a:t>
+            </a:r>
+            <a:endParaRPr lang="en-US" sz="700" dirty="0">
+              <a:ln w="0"/>
+              <a:effectLst>
+                <a:outerShdw blurRad="38100" dist="19050" dir="2700000" algn="tl" rotWithShape="0">
+                  <a:schemeClr val="dk1">
+                    <a:alpha val="40000"/>
+                  </a:schemeClr>
+                </a:outerShdw>
+              </a:effectLst>
+            </a:endParaRPr>
+          </a:p>
+        </p:txBody>
+      </p:sp>
+      <p:cxnSp>
+        <p:nvCxnSpPr>
+          <p:cNvPr id="111" name="Straight Arrow Connector 110">
+            <a:extLst>
+              <a:ext uri="{FF2B5EF4-FFF2-40B4-BE49-F238E27FC236}">
+                <a16:creationId xmlns:a16="http://schemas.microsoft.com/office/drawing/2014/main" id="{CFD16A1E-DBBE-480C-DE41-DBA263FA1D9B}"/>
+              </a:ext>
+            </a:extLst>
+          </p:cNvPr>
+          <p:cNvCxnSpPr>
+            <a:cxnSpLocks/>
+            <a:stCxn id="192" idx="0"/>
+            <a:endCxn id="110" idx="2"/>
+          </p:cNvCxnSpPr>
+          <p:nvPr/>
+        </p:nvCxnSpPr>
+        <p:spPr>
+          <a:xfrm flipV="1">
+            <a:off x="7334079" y="1326420"/>
+            <a:ext cx="209" cy="145672"/>
+          </a:xfrm>
+          <a:prstGeom prst="straightConnector1">
+            <a:avLst/>
+          </a:prstGeom>
+          <a:ln>
+            <a:tailEnd type="triangle"/>
+          </a:ln>
+        </p:spPr>
+        <p:style>
+          <a:lnRef idx="1">
+            <a:schemeClr val="dk1"/>
+          </a:lnRef>
+          <a:fillRef idx="0">
+            <a:schemeClr val="dk1"/>
+          </a:fillRef>
+          <a:effectRef idx="0">
+            <a:schemeClr val="dk1"/>
+          </a:effectRef>
+          <a:fontRef idx="minor">
+            <a:schemeClr val="tx1"/>
+          </a:fontRef>
+        </p:style>
+      </p:cxnSp>
     </p:spTree>
     <p:extLst>
       <p:ext uri="{BB962C8B-B14F-4D97-AF65-F5344CB8AC3E}">

--- a/EH-figures.pptx
+++ b/EH-figures.pptx
@@ -32442,15 +32442,12 @@
         </p:nvSpPr>
         <p:spPr>
           <a:xfrm>
-            <a:off x="2455852" y="2097942"/>
-            <a:ext cx="1334489" cy="553998"/>
-          </a:xfrm>
-          <a:prstGeom prst="wedgeRectCallout">
-            <a:avLst/>
-          </a:prstGeom>
-          <a:solidFill>
-            <a:srgbClr val="A8A8A8"/>
-          </a:solidFill>
+            <a:off x="3045821" y="1726755"/>
+            <a:ext cx="1334489" cy="687943"/>
+          </a:xfrm>
+          <a:prstGeom prst="flowChartDocument">
+            <a:avLst/>
+          </a:prstGeom>
           <a:ln>
             <a:headEnd type="none" w="med" len="med"/>
             <a:tailEnd type="none" w="med" len="med"/>
@@ -32663,13 +32660,13 @@
         </p:spPr>
         <p:style>
           <a:lnRef idx="2">
-            <a:schemeClr val="dk1"/>
+            <a:schemeClr val="accent3"/>
           </a:lnRef>
           <a:fillRef idx="1">
             <a:schemeClr val="lt1"/>
           </a:fillRef>
           <a:effectRef idx="0">
-            <a:schemeClr val="dk1"/>
+            <a:schemeClr val="accent3"/>
           </a:effectRef>
           <a:fontRef idx="minor">
             <a:schemeClr val="dk1"/>

--- a/EH-figures.pptx
+++ b/EH-figures.pptx
@@ -31477,13 +31477,8 @@
             <a:pPr algn="ctr"/>
             <a:r>
               <a:rPr lang="en-US" sz="1000" dirty="0"/>
-              <a:t>FFNN + </a:t>
+              <a:t>FFNN + Sigmoid</a:t>
             </a:r>
-            <a:r>
-              <a:rPr lang="en-US" sz="1000" dirty="0" err="1"/>
-              <a:t>Softmax</a:t>
-            </a:r>
-            <a:endParaRPr lang="en-US" sz="1000" dirty="0"/>
           </a:p>
         </p:txBody>
       </p:sp>

--- a/EH-figures.pptx
+++ b/EH-figures.pptx
@@ -9,13 +9,15 @@
     <p:sldId id="264" r:id="rId3"/>
     <p:sldId id="266" r:id="rId4"/>
     <p:sldId id="267" r:id="rId5"/>
-    <p:sldId id="265" r:id="rId6"/>
-    <p:sldId id="261" r:id="rId7"/>
-    <p:sldId id="262" r:id="rId8"/>
-    <p:sldId id="263" r:id="rId9"/>
-    <p:sldId id="258" r:id="rId10"/>
-    <p:sldId id="259" r:id="rId11"/>
-    <p:sldId id="260" r:id="rId12"/>
+    <p:sldId id="269" r:id="rId6"/>
+    <p:sldId id="265" r:id="rId7"/>
+    <p:sldId id="268" r:id="rId8"/>
+    <p:sldId id="261" r:id="rId9"/>
+    <p:sldId id="262" r:id="rId10"/>
+    <p:sldId id="263" r:id="rId11"/>
+    <p:sldId id="258" r:id="rId12"/>
+    <p:sldId id="259" r:id="rId13"/>
+    <p:sldId id="260" r:id="rId14"/>
   </p:sldIdLst>
   <p:sldSz cx="12192000" cy="6858000"/>
   <p:notesSz cx="6858000" cy="9144000"/>
@@ -116,7 +118,18 @@
   </p:defaultTextStyle>
   <p:extLst>
     <p:ext uri="{EFAFB233-063F-42B5-8137-9DF3F51BA10A}">
-      <p15:sldGuideLst xmlns:p15="http://schemas.microsoft.com/office/powerpoint/2012/main"/>
+      <p15:sldGuideLst xmlns:p15="http://schemas.microsoft.com/office/powerpoint/2012/main">
+        <p15:guide id="1" orient="horz" pos="3504" userDrawn="1">
+          <p15:clr>
+            <a:srgbClr val="A4A3A4"/>
+          </p15:clr>
+        </p15:guide>
+        <p15:guide id="2" pos="3024" userDrawn="1">
+          <p15:clr>
+            <a:srgbClr val="A4A3A4"/>
+          </p15:clr>
+        </p15:guide>
+      </p15:sldGuideLst>
     </p:ext>
   </p:extLst>
 </p:presentation>
@@ -4468,7 +4481,7 @@
           <a:p>
             <a:fld id="{711A52AB-304B-6D43-8E43-66AFF6089F47}" type="datetimeFigureOut">
               <a:rPr lang="en-US" smtClean="0"/>
-              <a:t>6/19/23</a:t>
+              <a:t>7/1/23</a:t>
             </a:fld>
             <a:endParaRPr lang="en-US"/>
           </a:p>
@@ -4666,7 +4679,7 @@
           <a:p>
             <a:fld id="{711A52AB-304B-6D43-8E43-66AFF6089F47}" type="datetimeFigureOut">
               <a:rPr lang="en-US" smtClean="0"/>
-              <a:t>6/19/23</a:t>
+              <a:t>7/1/23</a:t>
             </a:fld>
             <a:endParaRPr lang="en-US"/>
           </a:p>
@@ -4874,7 +4887,7 @@
           <a:p>
             <a:fld id="{711A52AB-304B-6D43-8E43-66AFF6089F47}" type="datetimeFigureOut">
               <a:rPr lang="en-US" smtClean="0"/>
-              <a:t>6/19/23</a:t>
+              <a:t>7/1/23</a:t>
             </a:fld>
             <a:endParaRPr lang="en-US"/>
           </a:p>
@@ -5072,7 +5085,7 @@
           <a:p>
             <a:fld id="{711A52AB-304B-6D43-8E43-66AFF6089F47}" type="datetimeFigureOut">
               <a:rPr lang="en-US" smtClean="0"/>
-              <a:t>6/19/23</a:t>
+              <a:t>7/1/23</a:t>
             </a:fld>
             <a:endParaRPr lang="en-US"/>
           </a:p>
@@ -5347,7 +5360,7 @@
           <a:p>
             <a:fld id="{711A52AB-304B-6D43-8E43-66AFF6089F47}" type="datetimeFigureOut">
               <a:rPr lang="en-US" smtClean="0"/>
-              <a:t>6/19/23</a:t>
+              <a:t>7/1/23</a:t>
             </a:fld>
             <a:endParaRPr lang="en-US"/>
           </a:p>
@@ -5612,7 +5625,7 @@
           <a:p>
             <a:fld id="{711A52AB-304B-6D43-8E43-66AFF6089F47}" type="datetimeFigureOut">
               <a:rPr lang="en-US" smtClean="0"/>
-              <a:t>6/19/23</a:t>
+              <a:t>7/1/23</a:t>
             </a:fld>
             <a:endParaRPr lang="en-US"/>
           </a:p>
@@ -6024,7 +6037,7 @@
           <a:p>
             <a:fld id="{711A52AB-304B-6D43-8E43-66AFF6089F47}" type="datetimeFigureOut">
               <a:rPr lang="en-US" smtClean="0"/>
-              <a:t>6/19/23</a:t>
+              <a:t>7/1/23</a:t>
             </a:fld>
             <a:endParaRPr lang="en-US"/>
           </a:p>
@@ -6165,7 +6178,7 @@
           <a:p>
             <a:fld id="{711A52AB-304B-6D43-8E43-66AFF6089F47}" type="datetimeFigureOut">
               <a:rPr lang="en-US" smtClean="0"/>
-              <a:t>6/19/23</a:t>
+              <a:t>7/1/23</a:t>
             </a:fld>
             <a:endParaRPr lang="en-US"/>
           </a:p>
@@ -6278,7 +6291,7 @@
           <a:p>
             <a:fld id="{711A52AB-304B-6D43-8E43-66AFF6089F47}" type="datetimeFigureOut">
               <a:rPr lang="en-US" smtClean="0"/>
-              <a:t>6/19/23</a:t>
+              <a:t>7/1/23</a:t>
             </a:fld>
             <a:endParaRPr lang="en-US"/>
           </a:p>
@@ -6589,7 +6602,7 @@
           <a:p>
             <a:fld id="{711A52AB-304B-6D43-8E43-66AFF6089F47}" type="datetimeFigureOut">
               <a:rPr lang="en-US" smtClean="0"/>
-              <a:t>6/19/23</a:t>
+              <a:t>7/1/23</a:t>
             </a:fld>
             <a:endParaRPr lang="en-US"/>
           </a:p>
@@ -6877,7 +6890,7 @@
           <a:p>
             <a:fld id="{711A52AB-304B-6D43-8E43-66AFF6089F47}" type="datetimeFigureOut">
               <a:rPr lang="en-US" smtClean="0"/>
-              <a:t>6/19/23</a:t>
+              <a:t>7/1/23</a:t>
             </a:fld>
             <a:endParaRPr lang="en-US"/>
           </a:p>
@@ -7118,7 +7131,7 @@
           <a:p>
             <a:fld id="{711A52AB-304B-6D43-8E43-66AFF6089F47}" type="datetimeFigureOut">
               <a:rPr lang="en-US" smtClean="0"/>
-              <a:t>6/19/23</a:t>
+              <a:t>7/1/23</a:t>
             </a:fld>
             <a:endParaRPr lang="en-US"/>
           </a:p>
@@ -8966,6 +8979,1925 @@
 </file>
 
 <file path=ppt/slides/slide10.xml><?xml version="1.0" encoding="utf-8"?>
+<p:sld xmlns:a="http://schemas.openxmlformats.org/drawingml/2006/main" xmlns:r="http://schemas.openxmlformats.org/officeDocument/2006/relationships" xmlns:p="http://schemas.openxmlformats.org/presentationml/2006/main">
+  <p:cSld>
+    <p:spTree>
+      <p:nvGrpSpPr>
+        <p:cNvPr id="1" name=""/>
+        <p:cNvGrpSpPr/>
+        <p:nvPr/>
+      </p:nvGrpSpPr>
+      <p:grpSpPr>
+        <a:xfrm>
+          <a:off x="0" y="0"/>
+          <a:ext cx="0" cy="0"/>
+          <a:chOff x="0" y="0"/>
+          <a:chExt cx="0" cy="0"/>
+        </a:xfrm>
+      </p:grpSpPr>
+      <p:sp>
+        <p:nvSpPr>
+          <p:cNvPr id="2" name="Title 1">
+            <a:extLst>
+              <a:ext uri="{FF2B5EF4-FFF2-40B4-BE49-F238E27FC236}">
+                <a16:creationId xmlns:a16="http://schemas.microsoft.com/office/drawing/2014/main" id="{C09DE15C-1E64-1B20-AB29-84DC33DE4D3D}"/>
+              </a:ext>
+            </a:extLst>
+          </p:cNvPr>
+          <p:cNvSpPr>
+            <a:spLocks noGrp="1"/>
+          </p:cNvSpPr>
+          <p:nvPr>
+            <p:ph type="title"/>
+          </p:nvPr>
+        </p:nvSpPr>
+        <p:spPr/>
+        <p:txBody>
+          <a:bodyPr/>
+          <a:lstStyle/>
+          <a:p>
+            <a:r>
+              <a:rPr lang="en-US" dirty="0"/>
+              <a:t>Task3</a:t>
+            </a:r>
+          </a:p>
+        </p:txBody>
+      </p:sp>
+      <p:pic>
+        <p:nvPicPr>
+          <p:cNvPr id="5" name="Content Placeholder 4" descr="A screenshot of a computer&#10;&#10;Description automatically generated with medium confidence">
+            <a:extLst>
+              <a:ext uri="{FF2B5EF4-FFF2-40B4-BE49-F238E27FC236}">
+                <a16:creationId xmlns:a16="http://schemas.microsoft.com/office/drawing/2014/main" id="{DEF280A6-4471-43CF-385C-FDDFF19C62C4}"/>
+              </a:ext>
+            </a:extLst>
+          </p:cNvPr>
+          <p:cNvPicPr>
+            <a:picLocks noGrp="1" noChangeAspect="1"/>
+          </p:cNvPicPr>
+          <p:nvPr>
+            <p:ph idx="1"/>
+          </p:nvPr>
+        </p:nvPicPr>
+        <p:blipFill>
+          <a:blip r:embed="rId2"/>
+          <a:stretch>
+            <a:fillRect/>
+          </a:stretch>
+        </p:blipFill>
+        <p:spPr>
+          <a:xfrm>
+            <a:off x="838200" y="1998323"/>
+            <a:ext cx="10515600" cy="4005942"/>
+          </a:xfrm>
+        </p:spPr>
+      </p:pic>
+    </p:spTree>
+    <p:extLst>
+      <p:ext uri="{BB962C8B-B14F-4D97-AF65-F5344CB8AC3E}">
+        <p14:creationId xmlns:p14="http://schemas.microsoft.com/office/powerpoint/2010/main" val="3130643905"/>
+      </p:ext>
+    </p:extLst>
+  </p:cSld>
+  <p:clrMapOvr>
+    <a:masterClrMapping/>
+  </p:clrMapOvr>
+</p:sld>
+</file>
+
+<file path=ppt/slides/slide11.xml><?xml version="1.0" encoding="utf-8"?>
+<p:sld xmlns:a="http://schemas.openxmlformats.org/drawingml/2006/main" xmlns:r="http://schemas.openxmlformats.org/officeDocument/2006/relationships" xmlns:p="http://schemas.openxmlformats.org/presentationml/2006/main">
+  <p:cSld>
+    <p:spTree>
+      <p:nvGrpSpPr>
+        <p:cNvPr id="1" name=""/>
+        <p:cNvGrpSpPr/>
+        <p:nvPr/>
+      </p:nvGrpSpPr>
+      <p:grpSpPr>
+        <a:xfrm>
+          <a:off x="0" y="0"/>
+          <a:ext cx="0" cy="0"/>
+          <a:chOff x="0" y="0"/>
+          <a:chExt cx="0" cy="0"/>
+        </a:xfrm>
+      </p:grpSpPr>
+      <p:sp>
+        <p:nvSpPr>
+          <p:cNvPr id="8" name="Rectangle 7">
+            <a:extLst>
+              <a:ext uri="{FF2B5EF4-FFF2-40B4-BE49-F238E27FC236}">
+                <a16:creationId xmlns:a16="http://schemas.microsoft.com/office/drawing/2014/main" id="{E0764D15-284F-D747-F86A-F78DF302AB8F}"/>
+              </a:ext>
+            </a:extLst>
+          </p:cNvPr>
+          <p:cNvSpPr/>
+          <p:nvPr/>
+        </p:nvSpPr>
+        <p:spPr>
+          <a:xfrm>
+            <a:off x="1058091" y="1132114"/>
+            <a:ext cx="9479281" cy="3762103"/>
+          </a:xfrm>
+          <a:prstGeom prst="rect">
+            <a:avLst/>
+          </a:prstGeom>
+        </p:spPr>
+        <p:style>
+          <a:lnRef idx="2">
+            <a:schemeClr val="dk1"/>
+          </a:lnRef>
+          <a:fillRef idx="1">
+            <a:schemeClr val="lt1"/>
+          </a:fillRef>
+          <a:effectRef idx="0">
+            <a:schemeClr val="dk1"/>
+          </a:effectRef>
+          <a:fontRef idx="minor">
+            <a:schemeClr val="dk1"/>
+          </a:fontRef>
+        </p:style>
+        <p:txBody>
+          <a:bodyPr rtlCol="0" anchor="ctr"/>
+          <a:lstStyle/>
+          <a:p>
+            <a:pPr algn="ctr"/>
+            <a:endParaRPr lang="en-US"/>
+          </a:p>
+        </p:txBody>
+      </p:sp>
+      <p:grpSp>
+        <p:nvGrpSpPr>
+          <p:cNvPr id="28" name="Group 27">
+            <a:extLst>
+              <a:ext uri="{FF2B5EF4-FFF2-40B4-BE49-F238E27FC236}">
+                <a16:creationId xmlns:a16="http://schemas.microsoft.com/office/drawing/2014/main" id="{6D968B27-6E59-16A0-632A-3B85F9FBC49D}"/>
+              </a:ext>
+            </a:extLst>
+          </p:cNvPr>
+          <p:cNvGrpSpPr/>
+          <p:nvPr/>
+        </p:nvGrpSpPr>
+        <p:grpSpPr>
+          <a:xfrm>
+            <a:off x="2263766" y="5093794"/>
+            <a:ext cx="183960" cy="12600"/>
+            <a:chOff x="2263766" y="5093794"/>
+            <a:chExt cx="183960" cy="12600"/>
+          </a:xfrm>
+        </p:grpSpPr>
+        <mc:AlternateContent xmlns:mc="http://schemas.openxmlformats.org/markup-compatibility/2006" xmlns:p14="http://schemas.microsoft.com/office/powerpoint/2010/main">
+          <mc:Choice Requires="p14">
+            <p:contentPart p14:bwMode="auto" r:id="rId2">
+              <p14:nvContentPartPr>
+                <p14:cNvPr id="14" name="Ink 13">
+                  <a:extLst>
+                    <a:ext uri="{FF2B5EF4-FFF2-40B4-BE49-F238E27FC236}">
+                      <a16:creationId xmlns:a16="http://schemas.microsoft.com/office/drawing/2014/main" id="{DB5735CC-1BBC-E10C-25D0-CF1DF3C92B26}"/>
+                    </a:ext>
+                  </a:extLst>
+                </p14:cNvPr>
+                <p14:cNvContentPartPr/>
+                <p14:nvPr/>
+              </p14:nvContentPartPr>
+              <p14:xfrm>
+                <a:off x="2263766" y="5093794"/>
+                <a:ext cx="55080" cy="12600"/>
+              </p14:xfrm>
+            </p:contentPart>
+          </mc:Choice>
+          <mc:Fallback xmlns="">
+            <p:pic>
+              <p:nvPicPr>
+                <p:cNvPr id="14" name="Ink 13">
+                  <a:extLst>
+                    <a:ext uri="{FF2B5EF4-FFF2-40B4-BE49-F238E27FC236}">
+                      <a16:creationId xmlns:a16="http://schemas.microsoft.com/office/drawing/2014/main" id="{DB5735CC-1BBC-E10C-25D0-CF1DF3C92B26}"/>
+                    </a:ext>
+                  </a:extLst>
+                </p:cNvPr>
+                <p:cNvPicPr/>
+                <p:nvPr/>
+              </p:nvPicPr>
+              <p:blipFill>
+                <a:blip r:embed="rId3"/>
+                <a:stretch>
+                  <a:fillRect/>
+                </a:stretch>
+              </p:blipFill>
+              <p:spPr>
+                <a:xfrm>
+                  <a:off x="2255126" y="5085154"/>
+                  <a:ext cx="72720" cy="30240"/>
+                </a:xfrm>
+                <a:prstGeom prst="rect">
+                  <a:avLst/>
+                </a:prstGeom>
+              </p:spPr>
+            </p:pic>
+          </mc:Fallback>
+        </mc:AlternateContent>
+        <mc:AlternateContent xmlns:mc="http://schemas.openxmlformats.org/markup-compatibility/2006" xmlns:p14="http://schemas.microsoft.com/office/powerpoint/2010/main">
+          <mc:Choice Requires="p14">
+            <p:contentPart p14:bwMode="auto" r:id="rId4">
+              <p14:nvContentPartPr>
+                <p14:cNvPr id="15" name="Ink 14">
+                  <a:extLst>
+                    <a:ext uri="{FF2B5EF4-FFF2-40B4-BE49-F238E27FC236}">
+                      <a16:creationId xmlns:a16="http://schemas.microsoft.com/office/drawing/2014/main" id="{7DB89137-F12A-1362-5BB6-B29617087904}"/>
+                    </a:ext>
+                  </a:extLst>
+                </p14:cNvPr>
+                <p14:cNvContentPartPr/>
+                <p14:nvPr/>
+              </p14:nvContentPartPr>
+              <p14:xfrm>
+                <a:off x="2395886" y="5099194"/>
+                <a:ext cx="51840" cy="2520"/>
+              </p14:xfrm>
+            </p:contentPart>
+          </mc:Choice>
+          <mc:Fallback xmlns="">
+            <p:pic>
+              <p:nvPicPr>
+                <p:cNvPr id="15" name="Ink 14">
+                  <a:extLst>
+                    <a:ext uri="{FF2B5EF4-FFF2-40B4-BE49-F238E27FC236}">
+                      <a16:creationId xmlns:a16="http://schemas.microsoft.com/office/drawing/2014/main" id="{7DB89137-F12A-1362-5BB6-B29617087904}"/>
+                    </a:ext>
+                  </a:extLst>
+                </p:cNvPr>
+                <p:cNvPicPr/>
+                <p:nvPr/>
+              </p:nvPicPr>
+              <p:blipFill>
+                <a:blip r:embed="rId5"/>
+                <a:stretch>
+                  <a:fillRect/>
+                </a:stretch>
+              </p:blipFill>
+              <p:spPr>
+                <a:xfrm>
+                  <a:off x="2387246" y="5090194"/>
+                  <a:ext cx="69480" cy="20160"/>
+                </a:xfrm>
+                <a:prstGeom prst="rect">
+                  <a:avLst/>
+                </a:prstGeom>
+              </p:spPr>
+            </p:pic>
+          </mc:Fallback>
+        </mc:AlternateContent>
+      </p:grpSp>
+      <mc:AlternateContent xmlns:mc="http://schemas.openxmlformats.org/markup-compatibility/2006" xmlns:p14="http://schemas.microsoft.com/office/powerpoint/2010/main">
+        <mc:Choice Requires="p14">
+          <p:contentPart p14:bwMode="auto" r:id="rId6">
+            <p14:nvContentPartPr>
+              <p14:cNvPr id="16" name="Ink 15">
+                <a:extLst>
+                  <a:ext uri="{FF2B5EF4-FFF2-40B4-BE49-F238E27FC236}">
+                    <a16:creationId xmlns:a16="http://schemas.microsoft.com/office/drawing/2014/main" id="{48D27BA2-E4A6-8CDA-EC5D-171C61A0C713}"/>
+                  </a:ext>
+                </a:extLst>
+              </p14:cNvPr>
+              <p14:cNvContentPartPr/>
+              <p14:nvPr/>
+            </p14:nvContentPartPr>
+            <p14:xfrm>
+              <a:off x="2618726" y="5074714"/>
+              <a:ext cx="70200" cy="19440"/>
+            </p14:xfrm>
+          </p:contentPart>
+        </mc:Choice>
+        <mc:Fallback xmlns="">
+          <p:pic>
+            <p:nvPicPr>
+              <p:cNvPr id="16" name="Ink 15">
+                <a:extLst>
+                  <a:ext uri="{FF2B5EF4-FFF2-40B4-BE49-F238E27FC236}">
+                    <a16:creationId xmlns:a16="http://schemas.microsoft.com/office/drawing/2014/main" id="{48D27BA2-E4A6-8CDA-EC5D-171C61A0C713}"/>
+                  </a:ext>
+                </a:extLst>
+              </p:cNvPr>
+              <p:cNvPicPr/>
+              <p:nvPr/>
+            </p:nvPicPr>
+            <p:blipFill>
+              <a:blip r:embed="rId7"/>
+              <a:stretch>
+                <a:fillRect/>
+              </a:stretch>
+            </p:blipFill>
+            <p:spPr>
+              <a:xfrm>
+                <a:off x="2609726" y="5066074"/>
+                <a:ext cx="87840" cy="37080"/>
+              </a:xfrm>
+              <a:prstGeom prst="rect">
+                <a:avLst/>
+              </a:prstGeom>
+            </p:spPr>
+          </p:pic>
+        </mc:Fallback>
+      </mc:AlternateContent>
+      <p:grpSp>
+        <p:nvGrpSpPr>
+          <p:cNvPr id="27" name="Group 26">
+            <a:extLst>
+              <a:ext uri="{FF2B5EF4-FFF2-40B4-BE49-F238E27FC236}">
+                <a16:creationId xmlns:a16="http://schemas.microsoft.com/office/drawing/2014/main" id="{6836ACAF-CDC6-D0E6-6FDD-6CB7D50B5016}"/>
+              </a:ext>
+            </a:extLst>
+          </p:cNvPr>
+          <p:cNvGrpSpPr/>
+          <p:nvPr/>
+        </p:nvGrpSpPr>
+        <p:grpSpPr>
+          <a:xfrm>
+            <a:off x="2956406" y="5046634"/>
+            <a:ext cx="455760" cy="152640"/>
+            <a:chOff x="2956406" y="5046634"/>
+            <a:chExt cx="455760" cy="152640"/>
+          </a:xfrm>
+        </p:grpSpPr>
+        <mc:AlternateContent xmlns:mc="http://schemas.openxmlformats.org/markup-compatibility/2006" xmlns:p14="http://schemas.microsoft.com/office/powerpoint/2010/main">
+          <mc:Choice Requires="p14">
+            <p:contentPart p14:bwMode="auto" r:id="rId8">
+              <p14:nvContentPartPr>
+                <p14:cNvPr id="17" name="Ink 16">
+                  <a:extLst>
+                    <a:ext uri="{FF2B5EF4-FFF2-40B4-BE49-F238E27FC236}">
+                      <a16:creationId xmlns:a16="http://schemas.microsoft.com/office/drawing/2014/main" id="{477DED46-39EA-2611-31C0-44281B32E94D}"/>
+                    </a:ext>
+                  </a:extLst>
+                </p14:cNvPr>
+                <p14:cNvContentPartPr/>
+                <p14:nvPr/>
+              </p14:nvContentPartPr>
+              <p14:xfrm>
+                <a:off x="2956406" y="5075434"/>
+                <a:ext cx="11520" cy="1080"/>
+              </p14:xfrm>
+            </p:contentPart>
+          </mc:Choice>
+          <mc:Fallback xmlns="">
+            <p:pic>
+              <p:nvPicPr>
+                <p:cNvPr id="17" name="Ink 16">
+                  <a:extLst>
+                    <a:ext uri="{FF2B5EF4-FFF2-40B4-BE49-F238E27FC236}">
+                      <a16:creationId xmlns:a16="http://schemas.microsoft.com/office/drawing/2014/main" id="{477DED46-39EA-2611-31C0-44281B32E94D}"/>
+                    </a:ext>
+                  </a:extLst>
+                </p:cNvPr>
+                <p:cNvPicPr/>
+                <p:nvPr/>
+              </p:nvPicPr>
+              <p:blipFill>
+                <a:blip r:embed="rId9"/>
+                <a:stretch>
+                  <a:fillRect/>
+                </a:stretch>
+              </p:blipFill>
+              <p:spPr>
+                <a:xfrm>
+                  <a:off x="2947406" y="5066434"/>
+                  <a:ext cx="29160" cy="18720"/>
+                </a:xfrm>
+                <a:prstGeom prst="rect">
+                  <a:avLst/>
+                </a:prstGeom>
+              </p:spPr>
+            </p:pic>
+          </mc:Fallback>
+        </mc:AlternateContent>
+        <mc:AlternateContent xmlns:mc="http://schemas.openxmlformats.org/markup-compatibility/2006" xmlns:p14="http://schemas.microsoft.com/office/powerpoint/2010/main">
+          <mc:Choice Requires="p14">
+            <p:contentPart p14:bwMode="auto" r:id="rId10">
+              <p14:nvContentPartPr>
+                <p14:cNvPr id="18" name="Ink 17">
+                  <a:extLst>
+                    <a:ext uri="{FF2B5EF4-FFF2-40B4-BE49-F238E27FC236}">
+                      <a16:creationId xmlns:a16="http://schemas.microsoft.com/office/drawing/2014/main" id="{B45E6A8B-6421-63DC-3CD4-5565AC1922E0}"/>
+                    </a:ext>
+                  </a:extLst>
+                </p14:cNvPr>
+                <p14:cNvContentPartPr/>
+                <p14:nvPr/>
+              </p14:nvContentPartPr>
+              <p14:xfrm>
+                <a:off x="3096086" y="5046634"/>
+                <a:ext cx="163080" cy="137520"/>
+              </p14:xfrm>
+            </p:contentPart>
+          </mc:Choice>
+          <mc:Fallback xmlns="">
+            <p:pic>
+              <p:nvPicPr>
+                <p:cNvPr id="18" name="Ink 17">
+                  <a:extLst>
+                    <a:ext uri="{FF2B5EF4-FFF2-40B4-BE49-F238E27FC236}">
+                      <a16:creationId xmlns:a16="http://schemas.microsoft.com/office/drawing/2014/main" id="{B45E6A8B-6421-63DC-3CD4-5565AC1922E0}"/>
+                    </a:ext>
+                  </a:extLst>
+                </p:cNvPr>
+                <p:cNvPicPr/>
+                <p:nvPr/>
+              </p:nvPicPr>
+              <p:blipFill>
+                <a:blip r:embed="rId11"/>
+                <a:stretch>
+                  <a:fillRect/>
+                </a:stretch>
+              </p:blipFill>
+              <p:spPr>
+                <a:xfrm>
+                  <a:off x="3087446" y="5037634"/>
+                  <a:ext cx="180720" cy="155160"/>
+                </a:xfrm>
+                <a:prstGeom prst="rect">
+                  <a:avLst/>
+                </a:prstGeom>
+              </p:spPr>
+            </p:pic>
+          </mc:Fallback>
+        </mc:AlternateContent>
+        <mc:AlternateContent xmlns:mc="http://schemas.openxmlformats.org/markup-compatibility/2006" xmlns:p14="http://schemas.microsoft.com/office/powerpoint/2010/main">
+          <mc:Choice Requires="p14">
+            <p:contentPart p14:bwMode="auto" r:id="rId12">
+              <p14:nvContentPartPr>
+                <p14:cNvPr id="19" name="Ink 18">
+                  <a:extLst>
+                    <a:ext uri="{FF2B5EF4-FFF2-40B4-BE49-F238E27FC236}">
+                      <a16:creationId xmlns:a16="http://schemas.microsoft.com/office/drawing/2014/main" id="{8581CE7B-AB1F-CD5E-427A-B3E9073B2509}"/>
+                    </a:ext>
+                  </a:extLst>
+                </p14:cNvPr>
+                <p14:cNvContentPartPr/>
+                <p14:nvPr/>
+              </p14:nvContentPartPr>
+              <p14:xfrm>
+                <a:off x="3355286" y="5052034"/>
+                <a:ext cx="56880" cy="147240"/>
+              </p14:xfrm>
+            </p:contentPart>
+          </mc:Choice>
+          <mc:Fallback xmlns="">
+            <p:pic>
+              <p:nvPicPr>
+                <p:cNvPr id="19" name="Ink 18">
+                  <a:extLst>
+                    <a:ext uri="{FF2B5EF4-FFF2-40B4-BE49-F238E27FC236}">
+                      <a16:creationId xmlns:a16="http://schemas.microsoft.com/office/drawing/2014/main" id="{8581CE7B-AB1F-CD5E-427A-B3E9073B2509}"/>
+                    </a:ext>
+                  </a:extLst>
+                </p:cNvPr>
+                <p:cNvPicPr/>
+                <p:nvPr/>
+              </p:nvPicPr>
+              <p:blipFill>
+                <a:blip r:embed="rId13"/>
+                <a:stretch>
+                  <a:fillRect/>
+                </a:stretch>
+              </p:blipFill>
+              <p:spPr>
+                <a:xfrm>
+                  <a:off x="3346286" y="5043394"/>
+                  <a:ext cx="74520" cy="164880"/>
+                </a:xfrm>
+                <a:prstGeom prst="rect">
+                  <a:avLst/>
+                </a:prstGeom>
+              </p:spPr>
+            </p:pic>
+          </mc:Fallback>
+        </mc:AlternateContent>
+      </p:grpSp>
+      <p:grpSp>
+        <p:nvGrpSpPr>
+          <p:cNvPr id="26" name="Group 25">
+            <a:extLst>
+              <a:ext uri="{FF2B5EF4-FFF2-40B4-BE49-F238E27FC236}">
+                <a16:creationId xmlns:a16="http://schemas.microsoft.com/office/drawing/2014/main" id="{6A2BF483-CA5D-4CEA-AD59-0C89750B4C5E}"/>
+              </a:ext>
+            </a:extLst>
+          </p:cNvPr>
+          <p:cNvGrpSpPr/>
+          <p:nvPr/>
+        </p:nvGrpSpPr>
+        <p:grpSpPr>
+          <a:xfrm>
+            <a:off x="3552566" y="5038714"/>
+            <a:ext cx="308160" cy="168120"/>
+            <a:chOff x="3552566" y="5038714"/>
+            <a:chExt cx="308160" cy="168120"/>
+          </a:xfrm>
+        </p:grpSpPr>
+        <mc:AlternateContent xmlns:mc="http://schemas.openxmlformats.org/markup-compatibility/2006" xmlns:p14="http://schemas.microsoft.com/office/powerpoint/2010/main">
+          <mc:Choice Requires="p14">
+            <p:contentPart p14:bwMode="auto" r:id="rId14">
+              <p14:nvContentPartPr>
+                <p14:cNvPr id="20" name="Ink 19">
+                  <a:extLst>
+                    <a:ext uri="{FF2B5EF4-FFF2-40B4-BE49-F238E27FC236}">
+                      <a16:creationId xmlns:a16="http://schemas.microsoft.com/office/drawing/2014/main" id="{FC5F905B-EB14-64F2-67C9-6AC0CE3568D6}"/>
+                    </a:ext>
+                  </a:extLst>
+                </p14:cNvPr>
+                <p14:cNvContentPartPr/>
+                <p14:nvPr/>
+              </p14:nvContentPartPr>
+              <p14:xfrm>
+                <a:off x="3552566" y="5038714"/>
+                <a:ext cx="101880" cy="131400"/>
+              </p14:xfrm>
+            </p:contentPart>
+          </mc:Choice>
+          <mc:Fallback xmlns="">
+            <p:pic>
+              <p:nvPicPr>
+                <p:cNvPr id="20" name="Ink 19">
+                  <a:extLst>
+                    <a:ext uri="{FF2B5EF4-FFF2-40B4-BE49-F238E27FC236}">
+                      <a16:creationId xmlns:a16="http://schemas.microsoft.com/office/drawing/2014/main" id="{FC5F905B-EB14-64F2-67C9-6AC0CE3568D6}"/>
+                    </a:ext>
+                  </a:extLst>
+                </p:cNvPr>
+                <p:cNvPicPr/>
+                <p:nvPr/>
+              </p:nvPicPr>
+              <p:blipFill>
+                <a:blip r:embed="rId15"/>
+                <a:stretch>
+                  <a:fillRect/>
+                </a:stretch>
+              </p:blipFill>
+              <p:spPr>
+                <a:xfrm>
+                  <a:off x="3543926" y="5030074"/>
+                  <a:ext cx="119520" cy="149040"/>
+                </a:xfrm>
+                <a:prstGeom prst="rect">
+                  <a:avLst/>
+                </a:prstGeom>
+              </p:spPr>
+            </p:pic>
+          </mc:Fallback>
+        </mc:AlternateContent>
+        <mc:AlternateContent xmlns:mc="http://schemas.openxmlformats.org/markup-compatibility/2006" xmlns:p14="http://schemas.microsoft.com/office/powerpoint/2010/main">
+          <mc:Choice Requires="p14">
+            <p:contentPart p14:bwMode="auto" r:id="rId16">
+              <p14:nvContentPartPr>
+                <p14:cNvPr id="21" name="Ink 20">
+                  <a:extLst>
+                    <a:ext uri="{FF2B5EF4-FFF2-40B4-BE49-F238E27FC236}">
+                      <a16:creationId xmlns:a16="http://schemas.microsoft.com/office/drawing/2014/main" id="{52E4067F-986D-CD36-5656-7378E9E6BBDF}"/>
+                    </a:ext>
+                  </a:extLst>
+                </p14:cNvPr>
+                <p14:cNvContentPartPr/>
+                <p14:nvPr/>
+              </p14:nvContentPartPr>
+              <p14:xfrm>
+                <a:off x="3782606" y="5053474"/>
+                <a:ext cx="78120" cy="153360"/>
+              </p14:xfrm>
+            </p:contentPart>
+          </mc:Choice>
+          <mc:Fallback xmlns="">
+            <p:pic>
+              <p:nvPicPr>
+                <p:cNvPr id="21" name="Ink 20">
+                  <a:extLst>
+                    <a:ext uri="{FF2B5EF4-FFF2-40B4-BE49-F238E27FC236}">
+                      <a16:creationId xmlns:a16="http://schemas.microsoft.com/office/drawing/2014/main" id="{52E4067F-986D-CD36-5656-7378E9E6BBDF}"/>
+                    </a:ext>
+                  </a:extLst>
+                </p:cNvPr>
+                <p:cNvPicPr/>
+                <p:nvPr/>
+              </p:nvPicPr>
+              <p:blipFill>
+                <a:blip r:embed="rId17"/>
+                <a:stretch>
+                  <a:fillRect/>
+                </a:stretch>
+              </p:blipFill>
+              <p:spPr>
+                <a:xfrm>
+                  <a:off x="3773606" y="5044474"/>
+                  <a:ext cx="95760" cy="171000"/>
+                </a:xfrm>
+                <a:prstGeom prst="rect">
+                  <a:avLst/>
+                </a:prstGeom>
+              </p:spPr>
+            </p:pic>
+          </mc:Fallback>
+        </mc:AlternateContent>
+      </p:grpSp>
+      <p:grpSp>
+        <p:nvGrpSpPr>
+          <p:cNvPr id="25" name="Group 24">
+            <a:extLst>
+              <a:ext uri="{FF2B5EF4-FFF2-40B4-BE49-F238E27FC236}">
+                <a16:creationId xmlns:a16="http://schemas.microsoft.com/office/drawing/2014/main" id="{63BFF0FD-3D15-A810-4D52-71542F6EBBC1}"/>
+              </a:ext>
+            </a:extLst>
+          </p:cNvPr>
+          <p:cNvGrpSpPr/>
+          <p:nvPr/>
+        </p:nvGrpSpPr>
+        <p:grpSpPr>
+          <a:xfrm>
+            <a:off x="1050566" y="4689874"/>
+            <a:ext cx="909360" cy="523800"/>
+            <a:chOff x="1050566" y="4689874"/>
+            <a:chExt cx="909360" cy="523800"/>
+          </a:xfrm>
+        </p:grpSpPr>
+        <mc:AlternateContent xmlns:mc="http://schemas.openxmlformats.org/markup-compatibility/2006" xmlns:p14="http://schemas.microsoft.com/office/powerpoint/2010/main">
+          <mc:Choice Requires="p14">
+            <p:contentPart p14:bwMode="auto" r:id="rId18">
+              <p14:nvContentPartPr>
+                <p14:cNvPr id="9" name="Ink 8">
+                  <a:extLst>
+                    <a:ext uri="{FF2B5EF4-FFF2-40B4-BE49-F238E27FC236}">
+                      <a16:creationId xmlns:a16="http://schemas.microsoft.com/office/drawing/2014/main" id="{4F64B4E5-EB54-3F2A-C8D6-0160B6D86014}"/>
+                    </a:ext>
+                  </a:extLst>
+                </p14:cNvPr>
+                <p14:cNvContentPartPr/>
+                <p14:nvPr/>
+              </p14:nvContentPartPr>
+              <p14:xfrm>
+                <a:off x="1050566" y="5009194"/>
+                <a:ext cx="199440" cy="204480"/>
+              </p14:xfrm>
+            </p:contentPart>
+          </mc:Choice>
+          <mc:Fallback xmlns="">
+            <p:pic>
+              <p:nvPicPr>
+                <p:cNvPr id="9" name="Ink 8">
+                  <a:extLst>
+                    <a:ext uri="{FF2B5EF4-FFF2-40B4-BE49-F238E27FC236}">
+                      <a16:creationId xmlns:a16="http://schemas.microsoft.com/office/drawing/2014/main" id="{4F64B4E5-EB54-3F2A-C8D6-0160B6D86014}"/>
+                    </a:ext>
+                  </a:extLst>
+                </p:cNvPr>
+                <p:cNvPicPr/>
+                <p:nvPr/>
+              </p:nvPicPr>
+              <p:blipFill>
+                <a:blip r:embed="rId19"/>
+                <a:stretch>
+                  <a:fillRect/>
+                </a:stretch>
+              </p:blipFill>
+              <p:spPr>
+                <a:xfrm>
+                  <a:off x="1041566" y="5000194"/>
+                  <a:ext cx="217080" cy="222120"/>
+                </a:xfrm>
+                <a:prstGeom prst="rect">
+                  <a:avLst/>
+                </a:prstGeom>
+              </p:spPr>
+            </p:pic>
+          </mc:Fallback>
+        </mc:AlternateContent>
+        <mc:AlternateContent xmlns:mc="http://schemas.openxmlformats.org/markup-compatibility/2006" xmlns:p14="http://schemas.microsoft.com/office/powerpoint/2010/main">
+          <mc:Choice Requires="p14">
+            <p:contentPart p14:bwMode="auto" r:id="rId20">
+              <p14:nvContentPartPr>
+                <p14:cNvPr id="10" name="Ink 9">
+                  <a:extLst>
+                    <a:ext uri="{FF2B5EF4-FFF2-40B4-BE49-F238E27FC236}">
+                      <a16:creationId xmlns:a16="http://schemas.microsoft.com/office/drawing/2014/main" id="{9AA190CE-B9AF-8013-7F94-D38387307064}"/>
+                    </a:ext>
+                  </a:extLst>
+                </p14:cNvPr>
+                <p14:cNvContentPartPr/>
+                <p14:nvPr/>
+              </p14:nvContentPartPr>
+              <p14:xfrm>
+                <a:off x="1312646" y="5060314"/>
+                <a:ext cx="54720" cy="85680"/>
+              </p14:xfrm>
+            </p:contentPart>
+          </mc:Choice>
+          <mc:Fallback xmlns="">
+            <p:pic>
+              <p:nvPicPr>
+                <p:cNvPr id="10" name="Ink 9">
+                  <a:extLst>
+                    <a:ext uri="{FF2B5EF4-FFF2-40B4-BE49-F238E27FC236}">
+                      <a16:creationId xmlns:a16="http://schemas.microsoft.com/office/drawing/2014/main" id="{9AA190CE-B9AF-8013-7F94-D38387307064}"/>
+                    </a:ext>
+                  </a:extLst>
+                </p:cNvPr>
+                <p:cNvPicPr/>
+                <p:nvPr/>
+              </p:nvPicPr>
+              <p:blipFill>
+                <a:blip r:embed="rId21"/>
+                <a:stretch>
+                  <a:fillRect/>
+                </a:stretch>
+              </p:blipFill>
+              <p:spPr>
+                <a:xfrm>
+                  <a:off x="1303646" y="5051674"/>
+                  <a:ext cx="72360" cy="103320"/>
+                </a:xfrm>
+                <a:prstGeom prst="rect">
+                  <a:avLst/>
+                </a:prstGeom>
+              </p:spPr>
+            </p:pic>
+          </mc:Fallback>
+        </mc:AlternateContent>
+        <mc:AlternateContent xmlns:mc="http://schemas.openxmlformats.org/markup-compatibility/2006" xmlns:p14="http://schemas.microsoft.com/office/powerpoint/2010/main">
+          <mc:Choice Requires="p14">
+            <p:contentPart p14:bwMode="auto" r:id="rId22">
+              <p14:nvContentPartPr>
+                <p14:cNvPr id="11" name="Ink 10">
+                  <a:extLst>
+                    <a:ext uri="{FF2B5EF4-FFF2-40B4-BE49-F238E27FC236}">
+                      <a16:creationId xmlns:a16="http://schemas.microsoft.com/office/drawing/2014/main" id="{EAA66E25-1559-E188-E235-85029A941EA3}"/>
+                    </a:ext>
+                  </a:extLst>
+                </p14:cNvPr>
+                <p14:cNvContentPartPr/>
+                <p14:nvPr/>
+              </p14:nvContentPartPr>
+              <p14:xfrm>
+                <a:off x="1436486" y="5049514"/>
+                <a:ext cx="149400" cy="74520"/>
+              </p14:xfrm>
+            </p:contentPart>
+          </mc:Choice>
+          <mc:Fallback xmlns="">
+            <p:pic>
+              <p:nvPicPr>
+                <p:cNvPr id="11" name="Ink 10">
+                  <a:extLst>
+                    <a:ext uri="{FF2B5EF4-FFF2-40B4-BE49-F238E27FC236}">
+                      <a16:creationId xmlns:a16="http://schemas.microsoft.com/office/drawing/2014/main" id="{EAA66E25-1559-E188-E235-85029A941EA3}"/>
+                    </a:ext>
+                  </a:extLst>
+                </p:cNvPr>
+                <p:cNvPicPr/>
+                <p:nvPr/>
+              </p:nvPicPr>
+              <p:blipFill>
+                <a:blip r:embed="rId23"/>
+                <a:stretch>
+                  <a:fillRect/>
+                </a:stretch>
+              </p:blipFill>
+              <p:spPr>
+                <a:xfrm>
+                  <a:off x="1427486" y="5040514"/>
+                  <a:ext cx="167040" cy="92160"/>
+                </a:xfrm>
+                <a:prstGeom prst="rect">
+                  <a:avLst/>
+                </a:prstGeom>
+              </p:spPr>
+            </p:pic>
+          </mc:Fallback>
+        </mc:AlternateContent>
+        <mc:AlternateContent xmlns:mc="http://schemas.openxmlformats.org/markup-compatibility/2006" xmlns:p14="http://schemas.microsoft.com/office/powerpoint/2010/main">
+          <mc:Choice Requires="p14">
+            <p:contentPart p14:bwMode="auto" r:id="rId24">
+              <p14:nvContentPartPr>
+                <p14:cNvPr id="12" name="Ink 11">
+                  <a:extLst>
+                    <a:ext uri="{FF2B5EF4-FFF2-40B4-BE49-F238E27FC236}">
+                      <a16:creationId xmlns:a16="http://schemas.microsoft.com/office/drawing/2014/main" id="{D62F3D9C-ACDF-F40E-36B4-031ED5BC5D3A}"/>
+                    </a:ext>
+                  </a:extLst>
+                </p14:cNvPr>
+                <p14:cNvContentPartPr/>
+                <p14:nvPr/>
+              </p14:nvContentPartPr>
+              <p14:xfrm>
+                <a:off x="1673006" y="4986874"/>
+                <a:ext cx="62640" cy="147240"/>
+              </p14:xfrm>
+            </p:contentPart>
+          </mc:Choice>
+          <mc:Fallback xmlns="">
+            <p:pic>
+              <p:nvPicPr>
+                <p:cNvPr id="12" name="Ink 11">
+                  <a:extLst>
+                    <a:ext uri="{FF2B5EF4-FFF2-40B4-BE49-F238E27FC236}">
+                      <a16:creationId xmlns:a16="http://schemas.microsoft.com/office/drawing/2014/main" id="{D62F3D9C-ACDF-F40E-36B4-031ED5BC5D3A}"/>
+                    </a:ext>
+                  </a:extLst>
+                </p:cNvPr>
+                <p:cNvPicPr/>
+                <p:nvPr/>
+              </p:nvPicPr>
+              <p:blipFill>
+                <a:blip r:embed="rId25"/>
+                <a:stretch>
+                  <a:fillRect/>
+                </a:stretch>
+              </p:blipFill>
+              <p:spPr>
+                <a:xfrm>
+                  <a:off x="1664006" y="4978234"/>
+                  <a:ext cx="80280" cy="164880"/>
+                </a:xfrm>
+                <a:prstGeom prst="rect">
+                  <a:avLst/>
+                </a:prstGeom>
+              </p:spPr>
+            </p:pic>
+          </mc:Fallback>
+        </mc:AlternateContent>
+        <mc:AlternateContent xmlns:mc="http://schemas.openxmlformats.org/markup-compatibility/2006" xmlns:p14="http://schemas.microsoft.com/office/powerpoint/2010/main">
+          <mc:Choice Requires="p14">
+            <p:contentPart p14:bwMode="auto" r:id="rId26">
+              <p14:nvContentPartPr>
+                <p14:cNvPr id="13" name="Ink 12">
+                  <a:extLst>
+                    <a:ext uri="{FF2B5EF4-FFF2-40B4-BE49-F238E27FC236}">
+                      <a16:creationId xmlns:a16="http://schemas.microsoft.com/office/drawing/2014/main" id="{72E51F6F-2D68-674C-8D9D-19510EB408C3}"/>
+                    </a:ext>
+                  </a:extLst>
+                </p14:cNvPr>
+                <p14:cNvContentPartPr/>
+                <p14:nvPr/>
+              </p14:nvContentPartPr>
+              <p14:xfrm>
+                <a:off x="1913486" y="5003434"/>
+                <a:ext cx="46440" cy="116640"/>
+              </p14:xfrm>
+            </p:contentPart>
+          </mc:Choice>
+          <mc:Fallback xmlns="">
+            <p:pic>
+              <p:nvPicPr>
+                <p:cNvPr id="13" name="Ink 12">
+                  <a:extLst>
+                    <a:ext uri="{FF2B5EF4-FFF2-40B4-BE49-F238E27FC236}">
+                      <a16:creationId xmlns:a16="http://schemas.microsoft.com/office/drawing/2014/main" id="{72E51F6F-2D68-674C-8D9D-19510EB408C3}"/>
+                    </a:ext>
+                  </a:extLst>
+                </p:cNvPr>
+                <p:cNvPicPr/>
+                <p:nvPr/>
+              </p:nvPicPr>
+              <p:blipFill>
+                <a:blip r:embed="rId27"/>
+                <a:stretch>
+                  <a:fillRect/>
+                </a:stretch>
+              </p:blipFill>
+              <p:spPr>
+                <a:xfrm>
+                  <a:off x="1904486" y="4994794"/>
+                  <a:ext cx="64080" cy="134280"/>
+                </a:xfrm>
+                <a:prstGeom prst="rect">
+                  <a:avLst/>
+                </a:prstGeom>
+              </p:spPr>
+            </p:pic>
+          </mc:Fallback>
+        </mc:AlternateContent>
+        <mc:AlternateContent xmlns:mc="http://schemas.openxmlformats.org/markup-compatibility/2006" xmlns:p14="http://schemas.microsoft.com/office/powerpoint/2010/main">
+          <mc:Choice Requires="p14">
+            <p:contentPart p14:bwMode="auto" r:id="rId28">
+              <p14:nvContentPartPr>
+                <p14:cNvPr id="22" name="Ink 21">
+                  <a:extLst>
+                    <a:ext uri="{FF2B5EF4-FFF2-40B4-BE49-F238E27FC236}">
+                      <a16:creationId xmlns:a16="http://schemas.microsoft.com/office/drawing/2014/main" id="{53A453C0-CE21-2A49-6303-4144871BA393}"/>
+                    </a:ext>
+                  </a:extLst>
+                </p14:cNvPr>
+                <p14:cNvContentPartPr/>
+                <p14:nvPr/>
+              </p14:nvContentPartPr>
+              <p14:xfrm>
+                <a:off x="1557086" y="4689874"/>
+                <a:ext cx="83160" cy="317880"/>
+              </p14:xfrm>
+            </p:contentPart>
+          </mc:Choice>
+          <mc:Fallback xmlns="">
+            <p:pic>
+              <p:nvPicPr>
+                <p:cNvPr id="22" name="Ink 21">
+                  <a:extLst>
+                    <a:ext uri="{FF2B5EF4-FFF2-40B4-BE49-F238E27FC236}">
+                      <a16:creationId xmlns:a16="http://schemas.microsoft.com/office/drawing/2014/main" id="{53A453C0-CE21-2A49-6303-4144871BA393}"/>
+                    </a:ext>
+                  </a:extLst>
+                </p:cNvPr>
+                <p:cNvPicPr/>
+                <p:nvPr/>
+              </p:nvPicPr>
+              <p:blipFill>
+                <a:blip r:embed="rId29"/>
+                <a:stretch>
+                  <a:fillRect/>
+                </a:stretch>
+              </p:blipFill>
+              <p:spPr>
+                <a:xfrm>
+                  <a:off x="1548086" y="4680874"/>
+                  <a:ext cx="100800" cy="335520"/>
+                </a:xfrm>
+                <a:prstGeom prst="rect">
+                  <a:avLst/>
+                </a:prstGeom>
+              </p:spPr>
+            </p:pic>
+          </mc:Fallback>
+        </mc:AlternateContent>
+        <mc:AlternateContent xmlns:mc="http://schemas.openxmlformats.org/markup-compatibility/2006" xmlns:p14="http://schemas.microsoft.com/office/powerpoint/2010/main">
+          <mc:Choice Requires="p14">
+            <p:contentPart p14:bwMode="auto" r:id="rId30">
+              <p14:nvContentPartPr>
+                <p14:cNvPr id="23" name="Ink 22">
+                  <a:extLst>
+                    <a:ext uri="{FF2B5EF4-FFF2-40B4-BE49-F238E27FC236}">
+                      <a16:creationId xmlns:a16="http://schemas.microsoft.com/office/drawing/2014/main" id="{DFF0CB6E-14F1-45C3-8B72-514412D8BD57}"/>
+                    </a:ext>
+                  </a:extLst>
+                </p14:cNvPr>
+                <p14:cNvContentPartPr/>
+                <p14:nvPr/>
+              </p14:nvContentPartPr>
+              <p14:xfrm>
+                <a:off x="1670486" y="4692394"/>
+                <a:ext cx="182880" cy="59760"/>
+              </p14:xfrm>
+            </p:contentPart>
+          </mc:Choice>
+          <mc:Fallback xmlns="">
+            <p:pic>
+              <p:nvPicPr>
+                <p:cNvPr id="23" name="Ink 22">
+                  <a:extLst>
+                    <a:ext uri="{FF2B5EF4-FFF2-40B4-BE49-F238E27FC236}">
+                      <a16:creationId xmlns:a16="http://schemas.microsoft.com/office/drawing/2014/main" id="{DFF0CB6E-14F1-45C3-8B72-514412D8BD57}"/>
+                    </a:ext>
+                  </a:extLst>
+                </p:cNvPr>
+                <p:cNvPicPr/>
+                <p:nvPr/>
+              </p:nvPicPr>
+              <p:blipFill>
+                <a:blip r:embed="rId31"/>
+                <a:stretch>
+                  <a:fillRect/>
+                </a:stretch>
+              </p:blipFill>
+              <p:spPr>
+                <a:xfrm>
+                  <a:off x="1661846" y="4683394"/>
+                  <a:ext cx="200520" cy="77400"/>
+                </a:xfrm>
+                <a:prstGeom prst="rect">
+                  <a:avLst/>
+                </a:prstGeom>
+              </p:spPr>
+            </p:pic>
+          </mc:Fallback>
+        </mc:AlternateContent>
+      </p:grpSp>
+      <mc:AlternateContent xmlns:mc="http://schemas.openxmlformats.org/markup-compatibility/2006" xmlns:p14="http://schemas.microsoft.com/office/powerpoint/2010/main">
+        <mc:Choice Requires="p14">
+          <p:contentPart p14:bwMode="auto" r:id="rId32">
+            <p14:nvContentPartPr>
+              <p14:cNvPr id="24" name="Ink 23">
+                <a:extLst>
+                  <a:ext uri="{FF2B5EF4-FFF2-40B4-BE49-F238E27FC236}">
+                    <a16:creationId xmlns:a16="http://schemas.microsoft.com/office/drawing/2014/main" id="{7F98725E-1A75-C517-5EEE-5B9DA49E41A6}"/>
+                  </a:ext>
+                </a:extLst>
+              </p14:cNvPr>
+              <p14:cNvContentPartPr/>
+              <p14:nvPr/>
+            </p14:nvContentPartPr>
+            <p14:xfrm>
+              <a:off x="3303086" y="4789594"/>
+              <a:ext cx="123120" cy="177840"/>
+            </p14:xfrm>
+          </p:contentPart>
+        </mc:Choice>
+        <mc:Fallback xmlns="">
+          <p:pic>
+            <p:nvPicPr>
+              <p:cNvPr id="24" name="Ink 23">
+                <a:extLst>
+                  <a:ext uri="{FF2B5EF4-FFF2-40B4-BE49-F238E27FC236}">
+                    <a16:creationId xmlns:a16="http://schemas.microsoft.com/office/drawing/2014/main" id="{7F98725E-1A75-C517-5EEE-5B9DA49E41A6}"/>
+                  </a:ext>
+                </a:extLst>
+              </p:cNvPr>
+              <p:cNvPicPr/>
+              <p:nvPr/>
+            </p:nvPicPr>
+            <p:blipFill>
+              <a:blip r:embed="rId33"/>
+              <a:stretch>
+                <a:fillRect/>
+              </a:stretch>
+            </p:blipFill>
+            <p:spPr>
+              <a:xfrm>
+                <a:off x="3294086" y="4780954"/>
+                <a:ext cx="140760" cy="195480"/>
+              </a:xfrm>
+              <a:prstGeom prst="rect">
+                <a:avLst/>
+              </a:prstGeom>
+            </p:spPr>
+          </p:pic>
+        </mc:Fallback>
+      </mc:AlternateContent>
+      <mc:AlternateContent xmlns:mc="http://schemas.openxmlformats.org/markup-compatibility/2006" xmlns:p14="http://schemas.microsoft.com/office/powerpoint/2010/main">
+        <mc:Choice Requires="p14">
+          <p:contentPart p14:bwMode="auto" r:id="rId34">
+            <p14:nvContentPartPr>
+              <p14:cNvPr id="31" name="Ink 30">
+                <a:extLst>
+                  <a:ext uri="{FF2B5EF4-FFF2-40B4-BE49-F238E27FC236}">
+                    <a16:creationId xmlns:a16="http://schemas.microsoft.com/office/drawing/2014/main" id="{518F5329-DA00-40C7-FDC0-AF4C89DD827C}"/>
+                  </a:ext>
+                </a:extLst>
+              </p14:cNvPr>
+              <p14:cNvContentPartPr/>
+              <p14:nvPr/>
+            </p14:nvContentPartPr>
+            <p14:xfrm>
+              <a:off x="3230366" y="1035154"/>
+              <a:ext cx="96480" cy="219240"/>
+            </p14:xfrm>
+          </p:contentPart>
+        </mc:Choice>
+        <mc:Fallback xmlns="">
+          <p:pic>
+            <p:nvPicPr>
+              <p:cNvPr id="31" name="Ink 30">
+                <a:extLst>
+                  <a:ext uri="{FF2B5EF4-FFF2-40B4-BE49-F238E27FC236}">
+                    <a16:creationId xmlns:a16="http://schemas.microsoft.com/office/drawing/2014/main" id="{518F5329-DA00-40C7-FDC0-AF4C89DD827C}"/>
+                  </a:ext>
+                </a:extLst>
+              </p:cNvPr>
+              <p:cNvPicPr/>
+              <p:nvPr/>
+            </p:nvPicPr>
+            <p:blipFill>
+              <a:blip r:embed="rId35"/>
+              <a:stretch>
+                <a:fillRect/>
+              </a:stretch>
+            </p:blipFill>
+            <p:spPr>
+              <a:xfrm>
+                <a:off x="3221366" y="1026154"/>
+                <a:ext cx="114120" cy="236880"/>
+              </a:xfrm>
+              <a:prstGeom prst="rect">
+                <a:avLst/>
+              </a:prstGeom>
+            </p:spPr>
+          </p:pic>
+        </mc:Fallback>
+      </mc:AlternateContent>
+      <mc:AlternateContent xmlns:mc="http://schemas.openxmlformats.org/markup-compatibility/2006" xmlns:p14="http://schemas.microsoft.com/office/powerpoint/2010/main">
+        <mc:Choice Requires="p14">
+          <p:contentPart p14:bwMode="auto" r:id="rId36">
+            <p14:nvContentPartPr>
+              <p14:cNvPr id="32" name="Ink 31">
+                <a:extLst>
+                  <a:ext uri="{FF2B5EF4-FFF2-40B4-BE49-F238E27FC236}">
+                    <a16:creationId xmlns:a16="http://schemas.microsoft.com/office/drawing/2014/main" id="{165F9865-B595-9F4E-452B-8791A9E2688D}"/>
+                  </a:ext>
+                </a:extLst>
+              </p14:cNvPr>
+              <p14:cNvContentPartPr/>
+              <p14:nvPr/>
+            </p14:nvContentPartPr>
+            <p14:xfrm>
+              <a:off x="3295886" y="1041634"/>
+              <a:ext cx="228600" cy="85320"/>
+            </p14:xfrm>
+          </p:contentPart>
+        </mc:Choice>
+        <mc:Fallback xmlns="">
+          <p:pic>
+            <p:nvPicPr>
+              <p:cNvPr id="32" name="Ink 31">
+                <a:extLst>
+                  <a:ext uri="{FF2B5EF4-FFF2-40B4-BE49-F238E27FC236}">
+                    <a16:creationId xmlns:a16="http://schemas.microsoft.com/office/drawing/2014/main" id="{165F9865-B595-9F4E-452B-8791A9E2688D}"/>
+                  </a:ext>
+                </a:extLst>
+              </p:cNvPr>
+              <p:cNvPicPr/>
+              <p:nvPr/>
+            </p:nvPicPr>
+            <p:blipFill>
+              <a:blip r:embed="rId37"/>
+              <a:stretch>
+                <a:fillRect/>
+              </a:stretch>
+            </p:blipFill>
+            <p:spPr>
+              <a:xfrm>
+                <a:off x="3287246" y="1032634"/>
+                <a:ext cx="246240" cy="102960"/>
+              </a:xfrm>
+              <a:prstGeom prst="rect">
+                <a:avLst/>
+              </a:prstGeom>
+            </p:spPr>
+          </p:pic>
+        </mc:Fallback>
+      </mc:AlternateContent>
+      <p:grpSp>
+        <p:nvGrpSpPr>
+          <p:cNvPr id="47" name="Group 46">
+            <a:extLst>
+              <a:ext uri="{FF2B5EF4-FFF2-40B4-BE49-F238E27FC236}">
+                <a16:creationId xmlns:a16="http://schemas.microsoft.com/office/drawing/2014/main" id="{3CE6CE0B-9BDD-66F9-FA81-C31F9E332BE8}"/>
+              </a:ext>
+            </a:extLst>
+          </p:cNvPr>
+          <p:cNvGrpSpPr/>
+          <p:nvPr/>
+        </p:nvGrpSpPr>
+        <p:grpSpPr>
+          <a:xfrm>
+            <a:off x="1233086" y="364834"/>
+            <a:ext cx="802800" cy="925200"/>
+            <a:chOff x="1233086" y="364834"/>
+            <a:chExt cx="802800" cy="925200"/>
+          </a:xfrm>
+        </p:grpSpPr>
+        <mc:AlternateContent xmlns:mc="http://schemas.openxmlformats.org/markup-compatibility/2006" xmlns:p14="http://schemas.microsoft.com/office/powerpoint/2010/main">
+          <mc:Choice Requires="p14">
+            <p:contentPart p14:bwMode="auto" r:id="rId38">
+              <p14:nvContentPartPr>
+                <p14:cNvPr id="29" name="Ink 28">
+                  <a:extLst>
+                    <a:ext uri="{FF2B5EF4-FFF2-40B4-BE49-F238E27FC236}">
+                      <a16:creationId xmlns:a16="http://schemas.microsoft.com/office/drawing/2014/main" id="{3F36606E-DB7C-9A01-742B-4A73B9146028}"/>
+                    </a:ext>
+                  </a:extLst>
+                </p14:cNvPr>
+                <p14:cNvContentPartPr/>
+                <p14:nvPr/>
+              </p14:nvContentPartPr>
+              <p14:xfrm>
+                <a:off x="1414166" y="1076194"/>
+                <a:ext cx="115560" cy="213840"/>
+              </p14:xfrm>
+            </p:contentPart>
+          </mc:Choice>
+          <mc:Fallback xmlns="">
+            <p:pic>
+              <p:nvPicPr>
+                <p:cNvPr id="29" name="Ink 28">
+                  <a:extLst>
+                    <a:ext uri="{FF2B5EF4-FFF2-40B4-BE49-F238E27FC236}">
+                      <a16:creationId xmlns:a16="http://schemas.microsoft.com/office/drawing/2014/main" id="{3F36606E-DB7C-9A01-742B-4A73B9146028}"/>
+                    </a:ext>
+                  </a:extLst>
+                </p:cNvPr>
+                <p:cNvPicPr/>
+                <p:nvPr/>
+              </p:nvPicPr>
+              <p:blipFill>
+                <a:blip r:embed="rId39"/>
+                <a:stretch>
+                  <a:fillRect/>
+                </a:stretch>
+              </p:blipFill>
+              <p:spPr>
+                <a:xfrm>
+                  <a:off x="1405166" y="1067194"/>
+                  <a:ext cx="133200" cy="231480"/>
+                </a:xfrm>
+                <a:prstGeom prst="rect">
+                  <a:avLst/>
+                </a:prstGeom>
+              </p:spPr>
+            </p:pic>
+          </mc:Fallback>
+        </mc:AlternateContent>
+        <mc:AlternateContent xmlns:mc="http://schemas.openxmlformats.org/markup-compatibility/2006" xmlns:p14="http://schemas.microsoft.com/office/powerpoint/2010/main">
+          <mc:Choice Requires="p14">
+            <p:contentPart p14:bwMode="auto" r:id="rId40">
+              <p14:nvContentPartPr>
+                <p14:cNvPr id="30" name="Ink 29">
+                  <a:extLst>
+                    <a:ext uri="{FF2B5EF4-FFF2-40B4-BE49-F238E27FC236}">
+                      <a16:creationId xmlns:a16="http://schemas.microsoft.com/office/drawing/2014/main" id="{68850487-EF2A-1AEB-EF47-EBFD2E6830F2}"/>
+                    </a:ext>
+                  </a:extLst>
+                </p14:cNvPr>
+                <p14:cNvContentPartPr/>
+                <p14:nvPr/>
+              </p14:nvContentPartPr>
+              <p14:xfrm>
+                <a:off x="1474286" y="1079074"/>
+                <a:ext cx="293040" cy="97920"/>
+              </p14:xfrm>
+            </p:contentPart>
+          </mc:Choice>
+          <mc:Fallback xmlns="">
+            <p:pic>
+              <p:nvPicPr>
+                <p:cNvPr id="30" name="Ink 29">
+                  <a:extLst>
+                    <a:ext uri="{FF2B5EF4-FFF2-40B4-BE49-F238E27FC236}">
+                      <a16:creationId xmlns:a16="http://schemas.microsoft.com/office/drawing/2014/main" id="{68850487-EF2A-1AEB-EF47-EBFD2E6830F2}"/>
+                    </a:ext>
+                  </a:extLst>
+                </p:cNvPr>
+                <p:cNvPicPr/>
+                <p:nvPr/>
+              </p:nvPicPr>
+              <p:blipFill>
+                <a:blip r:embed="rId41"/>
+                <a:stretch>
+                  <a:fillRect/>
+                </a:stretch>
+              </p:blipFill>
+              <p:spPr>
+                <a:xfrm>
+                  <a:off x="1465286" y="1070074"/>
+                  <a:ext cx="310680" cy="115560"/>
+                </a:xfrm>
+                <a:prstGeom prst="rect">
+                  <a:avLst/>
+                </a:prstGeom>
+              </p:spPr>
+            </p:pic>
+          </mc:Fallback>
+        </mc:AlternateContent>
+        <mc:AlternateContent xmlns:mc="http://schemas.openxmlformats.org/markup-compatibility/2006" xmlns:p14="http://schemas.microsoft.com/office/powerpoint/2010/main">
+          <mc:Choice Requires="p14">
+            <p:contentPart p14:bwMode="auto" r:id="rId42">
+              <p14:nvContentPartPr>
+                <p14:cNvPr id="39" name="Ink 38">
+                  <a:extLst>
+                    <a:ext uri="{FF2B5EF4-FFF2-40B4-BE49-F238E27FC236}">
+                      <a16:creationId xmlns:a16="http://schemas.microsoft.com/office/drawing/2014/main" id="{FB24C760-CAE8-1831-CB7F-45114743699B}"/>
+                    </a:ext>
+                  </a:extLst>
+                </p14:cNvPr>
+                <p14:cNvContentPartPr/>
+                <p14:nvPr/>
+              </p14:nvContentPartPr>
+              <p14:xfrm>
+                <a:off x="1379966" y="848674"/>
+                <a:ext cx="389520" cy="205200"/>
+              </p14:xfrm>
+            </p:contentPart>
+          </mc:Choice>
+          <mc:Fallback xmlns="">
+            <p:pic>
+              <p:nvPicPr>
+                <p:cNvPr id="39" name="Ink 38">
+                  <a:extLst>
+                    <a:ext uri="{FF2B5EF4-FFF2-40B4-BE49-F238E27FC236}">
+                      <a16:creationId xmlns:a16="http://schemas.microsoft.com/office/drawing/2014/main" id="{FB24C760-CAE8-1831-CB7F-45114743699B}"/>
+                    </a:ext>
+                  </a:extLst>
+                </p:cNvPr>
+                <p:cNvPicPr/>
+                <p:nvPr/>
+              </p:nvPicPr>
+              <p:blipFill>
+                <a:blip r:embed="rId43"/>
+                <a:stretch>
+                  <a:fillRect/>
+                </a:stretch>
+              </p:blipFill>
+              <p:spPr>
+                <a:xfrm>
+                  <a:off x="1371326" y="839674"/>
+                  <a:ext cx="407160" cy="222840"/>
+                </a:xfrm>
+                <a:prstGeom prst="rect">
+                  <a:avLst/>
+                </a:prstGeom>
+              </p:spPr>
+            </p:pic>
+          </mc:Fallback>
+        </mc:AlternateContent>
+        <mc:AlternateContent xmlns:mc="http://schemas.openxmlformats.org/markup-compatibility/2006" xmlns:p14="http://schemas.microsoft.com/office/powerpoint/2010/main">
+          <mc:Choice Requires="p14">
+            <p:contentPart p14:bwMode="auto" r:id="rId44">
+              <p14:nvContentPartPr>
+                <p14:cNvPr id="40" name="Ink 39">
+                  <a:extLst>
+                    <a:ext uri="{FF2B5EF4-FFF2-40B4-BE49-F238E27FC236}">
+                      <a16:creationId xmlns:a16="http://schemas.microsoft.com/office/drawing/2014/main" id="{93AF16BA-2562-69DA-06FF-A2E347D9C831}"/>
+                    </a:ext>
+                  </a:extLst>
+                </p14:cNvPr>
+                <p14:cNvContentPartPr/>
+                <p14:nvPr/>
+              </p14:nvContentPartPr>
+              <p14:xfrm>
+                <a:off x="1526846" y="806554"/>
+                <a:ext cx="88920" cy="246240"/>
+              </p14:xfrm>
+            </p:contentPart>
+          </mc:Choice>
+          <mc:Fallback xmlns="">
+            <p:pic>
+              <p:nvPicPr>
+                <p:cNvPr id="40" name="Ink 39">
+                  <a:extLst>
+                    <a:ext uri="{FF2B5EF4-FFF2-40B4-BE49-F238E27FC236}">
+                      <a16:creationId xmlns:a16="http://schemas.microsoft.com/office/drawing/2014/main" id="{93AF16BA-2562-69DA-06FF-A2E347D9C831}"/>
+                    </a:ext>
+                  </a:extLst>
+                </p:cNvPr>
+                <p:cNvPicPr/>
+                <p:nvPr/>
+              </p:nvPicPr>
+              <p:blipFill>
+                <a:blip r:embed="rId45"/>
+                <a:stretch>
+                  <a:fillRect/>
+                </a:stretch>
+              </p:blipFill>
+              <p:spPr>
+                <a:xfrm>
+                  <a:off x="1518206" y="797554"/>
+                  <a:ext cx="106560" cy="263880"/>
+                </a:xfrm>
+                <a:prstGeom prst="rect">
+                  <a:avLst/>
+                </a:prstGeom>
+              </p:spPr>
+            </p:pic>
+          </mc:Fallback>
+        </mc:AlternateContent>
+        <mc:AlternateContent xmlns:mc="http://schemas.openxmlformats.org/markup-compatibility/2006" xmlns:p14="http://schemas.microsoft.com/office/powerpoint/2010/main">
+          <mc:Choice Requires="p14">
+            <p:contentPart p14:bwMode="auto" r:id="rId46">
+              <p14:nvContentPartPr>
+                <p14:cNvPr id="41" name="Ink 40">
+                  <a:extLst>
+                    <a:ext uri="{FF2B5EF4-FFF2-40B4-BE49-F238E27FC236}">
+                      <a16:creationId xmlns:a16="http://schemas.microsoft.com/office/drawing/2014/main" id="{BB4B6BAC-AC10-4626-910E-4796ADDB2A01}"/>
+                    </a:ext>
+                  </a:extLst>
+                </p14:cNvPr>
+                <p14:cNvContentPartPr/>
+                <p14:nvPr/>
+              </p14:nvContentPartPr>
+              <p14:xfrm>
+                <a:off x="1687406" y="842914"/>
+                <a:ext cx="35280" cy="147240"/>
+              </p14:xfrm>
+            </p:contentPart>
+          </mc:Choice>
+          <mc:Fallback xmlns="">
+            <p:pic>
+              <p:nvPicPr>
+                <p:cNvPr id="41" name="Ink 40">
+                  <a:extLst>
+                    <a:ext uri="{FF2B5EF4-FFF2-40B4-BE49-F238E27FC236}">
+                      <a16:creationId xmlns:a16="http://schemas.microsoft.com/office/drawing/2014/main" id="{BB4B6BAC-AC10-4626-910E-4796ADDB2A01}"/>
+                    </a:ext>
+                  </a:extLst>
+                </p:cNvPr>
+                <p:cNvPicPr/>
+                <p:nvPr/>
+              </p:nvPicPr>
+              <p:blipFill>
+                <a:blip r:embed="rId47"/>
+                <a:stretch>
+                  <a:fillRect/>
+                </a:stretch>
+              </p:blipFill>
+              <p:spPr>
+                <a:xfrm>
+                  <a:off x="1678766" y="834274"/>
+                  <a:ext cx="52920" cy="164880"/>
+                </a:xfrm>
+                <a:prstGeom prst="rect">
+                  <a:avLst/>
+                </a:prstGeom>
+              </p:spPr>
+            </p:pic>
+          </mc:Fallback>
+        </mc:AlternateContent>
+        <mc:AlternateContent xmlns:mc="http://schemas.openxmlformats.org/markup-compatibility/2006" xmlns:p14="http://schemas.microsoft.com/office/powerpoint/2010/main">
+          <mc:Choice Requires="p14">
+            <p:contentPart p14:bwMode="auto" r:id="rId48">
+              <p14:nvContentPartPr>
+                <p14:cNvPr id="42" name="Ink 41">
+                  <a:extLst>
+                    <a:ext uri="{FF2B5EF4-FFF2-40B4-BE49-F238E27FC236}">
+                      <a16:creationId xmlns:a16="http://schemas.microsoft.com/office/drawing/2014/main" id="{31D5CDA1-A9FB-3D4A-D9EA-8468C1F72AD6}"/>
+                    </a:ext>
+                  </a:extLst>
+                </p14:cNvPr>
+                <p14:cNvContentPartPr/>
+                <p14:nvPr/>
+              </p14:nvContentPartPr>
+              <p14:xfrm>
+                <a:off x="1241726" y="532954"/>
+                <a:ext cx="107640" cy="209520"/>
+              </p14:xfrm>
+            </p:contentPart>
+          </mc:Choice>
+          <mc:Fallback xmlns="">
+            <p:pic>
+              <p:nvPicPr>
+                <p:cNvPr id="42" name="Ink 41">
+                  <a:extLst>
+                    <a:ext uri="{FF2B5EF4-FFF2-40B4-BE49-F238E27FC236}">
+                      <a16:creationId xmlns:a16="http://schemas.microsoft.com/office/drawing/2014/main" id="{31D5CDA1-A9FB-3D4A-D9EA-8468C1F72AD6}"/>
+                    </a:ext>
+                  </a:extLst>
+                </p:cNvPr>
+                <p:cNvPicPr/>
+                <p:nvPr/>
+              </p:nvPicPr>
+              <p:blipFill>
+                <a:blip r:embed="rId49"/>
+                <a:stretch>
+                  <a:fillRect/>
+                </a:stretch>
+              </p:blipFill>
+              <p:spPr>
+                <a:xfrm>
+                  <a:off x="1232726" y="523954"/>
+                  <a:ext cx="125280" cy="227160"/>
+                </a:xfrm>
+                <a:prstGeom prst="rect">
+                  <a:avLst/>
+                </a:prstGeom>
+              </p:spPr>
+            </p:pic>
+          </mc:Fallback>
+        </mc:AlternateContent>
+        <mc:AlternateContent xmlns:mc="http://schemas.openxmlformats.org/markup-compatibility/2006" xmlns:p14="http://schemas.microsoft.com/office/powerpoint/2010/main">
+          <mc:Choice Requires="p14">
+            <p:contentPart p14:bwMode="auto" r:id="rId50">
+              <p14:nvContentPartPr>
+                <p14:cNvPr id="43" name="Ink 42">
+                  <a:extLst>
+                    <a:ext uri="{FF2B5EF4-FFF2-40B4-BE49-F238E27FC236}">
+                      <a16:creationId xmlns:a16="http://schemas.microsoft.com/office/drawing/2014/main" id="{71DD90B2-7C6E-1215-7F79-189E3B5518A0}"/>
+                    </a:ext>
+                  </a:extLst>
+                </p14:cNvPr>
+                <p14:cNvContentPartPr/>
+                <p14:nvPr/>
+              </p14:nvContentPartPr>
+              <p14:xfrm>
+                <a:off x="1233086" y="541594"/>
+                <a:ext cx="42120" cy="137160"/>
+              </p14:xfrm>
+            </p:contentPart>
+          </mc:Choice>
+          <mc:Fallback xmlns="">
+            <p:pic>
+              <p:nvPicPr>
+                <p:cNvPr id="43" name="Ink 42">
+                  <a:extLst>
+                    <a:ext uri="{FF2B5EF4-FFF2-40B4-BE49-F238E27FC236}">
+                      <a16:creationId xmlns:a16="http://schemas.microsoft.com/office/drawing/2014/main" id="{71DD90B2-7C6E-1215-7F79-189E3B5518A0}"/>
+                    </a:ext>
+                  </a:extLst>
+                </p:cNvPr>
+                <p:cNvPicPr/>
+                <p:nvPr/>
+              </p:nvPicPr>
+              <p:blipFill>
+                <a:blip r:embed="rId51"/>
+                <a:stretch>
+                  <a:fillRect/>
+                </a:stretch>
+              </p:blipFill>
+              <p:spPr>
+                <a:xfrm>
+                  <a:off x="1224446" y="532594"/>
+                  <a:ext cx="59760" cy="154800"/>
+                </a:xfrm>
+                <a:prstGeom prst="rect">
+                  <a:avLst/>
+                </a:prstGeom>
+              </p:spPr>
+            </p:pic>
+          </mc:Fallback>
+        </mc:AlternateContent>
+        <mc:AlternateContent xmlns:mc="http://schemas.openxmlformats.org/markup-compatibility/2006" xmlns:p14="http://schemas.microsoft.com/office/powerpoint/2010/main">
+          <mc:Choice Requires="p14">
+            <p:contentPart p14:bwMode="auto" r:id="rId52">
+              <p14:nvContentPartPr>
+                <p14:cNvPr id="44" name="Ink 43">
+                  <a:extLst>
+                    <a:ext uri="{FF2B5EF4-FFF2-40B4-BE49-F238E27FC236}">
+                      <a16:creationId xmlns:a16="http://schemas.microsoft.com/office/drawing/2014/main" id="{C51D2085-89F5-B74D-F2E4-9B6914506BC1}"/>
+                    </a:ext>
+                  </a:extLst>
+                </p14:cNvPr>
+                <p14:cNvContentPartPr/>
+                <p14:nvPr/>
+              </p14:nvContentPartPr>
+              <p14:xfrm>
+                <a:off x="1275566" y="521434"/>
+                <a:ext cx="197280" cy="52920"/>
+              </p14:xfrm>
+            </p:contentPart>
+          </mc:Choice>
+          <mc:Fallback xmlns="">
+            <p:pic>
+              <p:nvPicPr>
+                <p:cNvPr id="44" name="Ink 43">
+                  <a:extLst>
+                    <a:ext uri="{FF2B5EF4-FFF2-40B4-BE49-F238E27FC236}">
+                      <a16:creationId xmlns:a16="http://schemas.microsoft.com/office/drawing/2014/main" id="{C51D2085-89F5-B74D-F2E4-9B6914506BC1}"/>
+                    </a:ext>
+                  </a:extLst>
+                </p:cNvPr>
+                <p:cNvPicPr/>
+                <p:nvPr/>
+              </p:nvPicPr>
+              <p:blipFill>
+                <a:blip r:embed="rId53"/>
+                <a:stretch>
+                  <a:fillRect/>
+                </a:stretch>
+              </p:blipFill>
+              <p:spPr>
+                <a:xfrm>
+                  <a:off x="1266566" y="512434"/>
+                  <a:ext cx="214920" cy="70560"/>
+                </a:xfrm>
+                <a:prstGeom prst="rect">
+                  <a:avLst/>
+                </a:prstGeom>
+              </p:spPr>
+            </p:pic>
+          </mc:Fallback>
+        </mc:AlternateContent>
+        <mc:AlternateContent xmlns:mc="http://schemas.openxmlformats.org/markup-compatibility/2006" xmlns:p14="http://schemas.microsoft.com/office/powerpoint/2010/main">
+          <mc:Choice Requires="p14">
+            <p:contentPart p14:bwMode="auto" r:id="rId54">
+              <p14:nvContentPartPr>
+                <p14:cNvPr id="45" name="Ink 44">
+                  <a:extLst>
+                    <a:ext uri="{FF2B5EF4-FFF2-40B4-BE49-F238E27FC236}">
+                      <a16:creationId xmlns:a16="http://schemas.microsoft.com/office/drawing/2014/main" id="{7B452254-60F8-5386-370F-36AFDC906A03}"/>
+                    </a:ext>
+                  </a:extLst>
+                </p14:cNvPr>
+                <p14:cNvContentPartPr/>
+                <p14:nvPr/>
+              </p14:nvContentPartPr>
+              <p14:xfrm>
+                <a:off x="1635566" y="370594"/>
+                <a:ext cx="336960" cy="412560"/>
+              </p14:xfrm>
+            </p:contentPart>
+          </mc:Choice>
+          <mc:Fallback xmlns="">
+            <p:pic>
+              <p:nvPicPr>
+                <p:cNvPr id="45" name="Ink 44">
+                  <a:extLst>
+                    <a:ext uri="{FF2B5EF4-FFF2-40B4-BE49-F238E27FC236}">
+                      <a16:creationId xmlns:a16="http://schemas.microsoft.com/office/drawing/2014/main" id="{7B452254-60F8-5386-370F-36AFDC906A03}"/>
+                    </a:ext>
+                  </a:extLst>
+                </p:cNvPr>
+                <p:cNvPicPr/>
+                <p:nvPr/>
+              </p:nvPicPr>
+              <p:blipFill>
+                <a:blip r:embed="rId55"/>
+                <a:stretch>
+                  <a:fillRect/>
+                </a:stretch>
+              </p:blipFill>
+              <p:spPr>
+                <a:xfrm>
+                  <a:off x="1626926" y="361954"/>
+                  <a:ext cx="354600" cy="430200"/>
+                </a:xfrm>
+                <a:prstGeom prst="rect">
+                  <a:avLst/>
+                </a:prstGeom>
+              </p:spPr>
+            </p:pic>
+          </mc:Fallback>
+        </mc:AlternateContent>
+        <mc:AlternateContent xmlns:mc="http://schemas.openxmlformats.org/markup-compatibility/2006" xmlns:p14="http://schemas.microsoft.com/office/powerpoint/2010/main">
+          <mc:Choice Requires="p14">
+            <p:contentPart p14:bwMode="auto" r:id="rId56">
+              <p14:nvContentPartPr>
+                <p14:cNvPr id="46" name="Ink 45">
+                  <a:extLst>
+                    <a:ext uri="{FF2B5EF4-FFF2-40B4-BE49-F238E27FC236}">
+                      <a16:creationId xmlns:a16="http://schemas.microsoft.com/office/drawing/2014/main" id="{14CA2337-D690-2C9B-AD87-5E3A642C87F7}"/>
+                    </a:ext>
+                  </a:extLst>
+                </p14:cNvPr>
+                <p14:cNvContentPartPr/>
+                <p14:nvPr/>
+              </p14:nvContentPartPr>
+              <p14:xfrm>
+                <a:off x="1884686" y="364834"/>
+                <a:ext cx="151200" cy="177120"/>
+              </p14:xfrm>
+            </p:contentPart>
+          </mc:Choice>
+          <mc:Fallback xmlns="">
+            <p:pic>
+              <p:nvPicPr>
+                <p:cNvPr id="46" name="Ink 45">
+                  <a:extLst>
+                    <a:ext uri="{FF2B5EF4-FFF2-40B4-BE49-F238E27FC236}">
+                      <a16:creationId xmlns:a16="http://schemas.microsoft.com/office/drawing/2014/main" id="{14CA2337-D690-2C9B-AD87-5E3A642C87F7}"/>
+                    </a:ext>
+                  </a:extLst>
+                </p:cNvPr>
+                <p:cNvPicPr/>
+                <p:nvPr/>
+              </p:nvPicPr>
+              <p:blipFill>
+                <a:blip r:embed="rId57"/>
+                <a:stretch>
+                  <a:fillRect/>
+                </a:stretch>
+              </p:blipFill>
+              <p:spPr>
+                <a:xfrm>
+                  <a:off x="1876046" y="356194"/>
+                  <a:ext cx="168840" cy="194760"/>
+                </a:xfrm>
+                <a:prstGeom prst="rect">
+                  <a:avLst/>
+                </a:prstGeom>
+              </p:spPr>
+            </p:pic>
+          </mc:Fallback>
+        </mc:AlternateContent>
+      </p:grpSp>
+      <p:grpSp>
+        <p:nvGrpSpPr>
+          <p:cNvPr id="52" name="Group 51">
+            <a:extLst>
+              <a:ext uri="{FF2B5EF4-FFF2-40B4-BE49-F238E27FC236}">
+                <a16:creationId xmlns:a16="http://schemas.microsoft.com/office/drawing/2014/main" id="{EDA1CB69-4BF4-2A94-8332-2C723A5FE304}"/>
+              </a:ext>
+            </a:extLst>
+          </p:cNvPr>
+          <p:cNvGrpSpPr/>
+          <p:nvPr/>
+        </p:nvGrpSpPr>
+        <p:grpSpPr>
+          <a:xfrm>
+            <a:off x="5778446" y="5090914"/>
+            <a:ext cx="580680" cy="200520"/>
+            <a:chOff x="5778446" y="5090914"/>
+            <a:chExt cx="580680" cy="200520"/>
+          </a:xfrm>
+        </p:grpSpPr>
+        <mc:AlternateContent xmlns:mc="http://schemas.openxmlformats.org/markup-compatibility/2006" xmlns:p14="http://schemas.microsoft.com/office/powerpoint/2010/main">
+          <mc:Choice Requires="p14">
+            <p:contentPart p14:bwMode="auto" r:id="rId58">
+              <p14:nvContentPartPr>
+                <p14:cNvPr id="48" name="Ink 47">
+                  <a:extLst>
+                    <a:ext uri="{FF2B5EF4-FFF2-40B4-BE49-F238E27FC236}">
+                      <a16:creationId xmlns:a16="http://schemas.microsoft.com/office/drawing/2014/main" id="{CF632D5D-768B-1564-4BFA-A5AC16E07EA7}"/>
+                    </a:ext>
+                  </a:extLst>
+                </p14:cNvPr>
+                <p14:cNvContentPartPr/>
+                <p14:nvPr/>
+              </p14:nvContentPartPr>
+              <p14:xfrm>
+                <a:off x="5778446" y="5109994"/>
+                <a:ext cx="178200" cy="181440"/>
+              </p14:xfrm>
+            </p:contentPart>
+          </mc:Choice>
+          <mc:Fallback xmlns="">
+            <p:pic>
+              <p:nvPicPr>
+                <p:cNvPr id="48" name="Ink 47">
+                  <a:extLst>
+                    <a:ext uri="{FF2B5EF4-FFF2-40B4-BE49-F238E27FC236}">
+                      <a16:creationId xmlns:a16="http://schemas.microsoft.com/office/drawing/2014/main" id="{CF632D5D-768B-1564-4BFA-A5AC16E07EA7}"/>
+                    </a:ext>
+                  </a:extLst>
+                </p:cNvPr>
+                <p:cNvPicPr/>
+                <p:nvPr/>
+              </p:nvPicPr>
+              <p:blipFill>
+                <a:blip r:embed="rId59"/>
+                <a:stretch>
+                  <a:fillRect/>
+                </a:stretch>
+              </p:blipFill>
+              <p:spPr>
+                <a:xfrm>
+                  <a:off x="5769446" y="5100994"/>
+                  <a:ext cx="195840" cy="199080"/>
+                </a:xfrm>
+                <a:prstGeom prst="rect">
+                  <a:avLst/>
+                </a:prstGeom>
+              </p:spPr>
+            </p:pic>
+          </mc:Fallback>
+        </mc:AlternateContent>
+        <mc:AlternateContent xmlns:mc="http://schemas.openxmlformats.org/markup-compatibility/2006" xmlns:p14="http://schemas.microsoft.com/office/powerpoint/2010/main">
+          <mc:Choice Requires="p14">
+            <p:contentPart p14:bwMode="auto" r:id="rId60">
+              <p14:nvContentPartPr>
+                <p14:cNvPr id="49" name="Ink 48">
+                  <a:extLst>
+                    <a:ext uri="{FF2B5EF4-FFF2-40B4-BE49-F238E27FC236}">
+                      <a16:creationId xmlns:a16="http://schemas.microsoft.com/office/drawing/2014/main" id="{F86E5D60-66A2-4DA7-D766-C539BAD41CFE}"/>
+                    </a:ext>
+                  </a:extLst>
+                </p14:cNvPr>
+                <p14:cNvContentPartPr/>
+                <p14:nvPr/>
+              </p14:nvContentPartPr>
+              <p14:xfrm>
+                <a:off x="5956286" y="5090914"/>
+                <a:ext cx="60840" cy="144720"/>
+              </p14:xfrm>
+            </p:contentPart>
+          </mc:Choice>
+          <mc:Fallback xmlns="">
+            <p:pic>
+              <p:nvPicPr>
+                <p:cNvPr id="49" name="Ink 48">
+                  <a:extLst>
+                    <a:ext uri="{FF2B5EF4-FFF2-40B4-BE49-F238E27FC236}">
+                      <a16:creationId xmlns:a16="http://schemas.microsoft.com/office/drawing/2014/main" id="{F86E5D60-66A2-4DA7-D766-C539BAD41CFE}"/>
+                    </a:ext>
+                  </a:extLst>
+                </p:cNvPr>
+                <p:cNvPicPr/>
+                <p:nvPr/>
+              </p:nvPicPr>
+              <p:blipFill>
+                <a:blip r:embed="rId61"/>
+                <a:stretch>
+                  <a:fillRect/>
+                </a:stretch>
+              </p:blipFill>
+              <p:spPr>
+                <a:xfrm>
+                  <a:off x="5947646" y="5081914"/>
+                  <a:ext cx="78480" cy="162360"/>
+                </a:xfrm>
+                <a:prstGeom prst="rect">
+                  <a:avLst/>
+                </a:prstGeom>
+              </p:spPr>
+            </p:pic>
+          </mc:Fallback>
+        </mc:AlternateContent>
+        <mc:AlternateContent xmlns:mc="http://schemas.openxmlformats.org/markup-compatibility/2006" xmlns:p14="http://schemas.microsoft.com/office/powerpoint/2010/main">
+          <mc:Choice Requires="p14">
+            <p:contentPart p14:bwMode="auto" r:id="rId62">
+              <p14:nvContentPartPr>
+                <p14:cNvPr id="50" name="Ink 49">
+                  <a:extLst>
+                    <a:ext uri="{FF2B5EF4-FFF2-40B4-BE49-F238E27FC236}">
+                      <a16:creationId xmlns:a16="http://schemas.microsoft.com/office/drawing/2014/main" id="{084C33E9-0646-5A98-5B9B-6E1EFE46CFA9}"/>
+                    </a:ext>
+                  </a:extLst>
+                </p14:cNvPr>
+                <p14:cNvContentPartPr/>
+                <p14:nvPr/>
+              </p14:nvContentPartPr>
+              <p14:xfrm>
+                <a:off x="6076886" y="5149954"/>
+                <a:ext cx="71280" cy="116280"/>
+              </p14:xfrm>
+            </p:contentPart>
+          </mc:Choice>
+          <mc:Fallback xmlns="">
+            <p:pic>
+              <p:nvPicPr>
+                <p:cNvPr id="50" name="Ink 49">
+                  <a:extLst>
+                    <a:ext uri="{FF2B5EF4-FFF2-40B4-BE49-F238E27FC236}">
+                      <a16:creationId xmlns:a16="http://schemas.microsoft.com/office/drawing/2014/main" id="{084C33E9-0646-5A98-5B9B-6E1EFE46CFA9}"/>
+                    </a:ext>
+                  </a:extLst>
+                </p:cNvPr>
+                <p:cNvPicPr/>
+                <p:nvPr/>
+              </p:nvPicPr>
+              <p:blipFill>
+                <a:blip r:embed="rId63"/>
+                <a:stretch>
+                  <a:fillRect/>
+                </a:stretch>
+              </p:blipFill>
+              <p:spPr>
+                <a:xfrm>
+                  <a:off x="6067886" y="5140954"/>
+                  <a:ext cx="88920" cy="133920"/>
+                </a:xfrm>
+                <a:prstGeom prst="rect">
+                  <a:avLst/>
+                </a:prstGeom>
+              </p:spPr>
+            </p:pic>
+          </mc:Fallback>
+        </mc:AlternateContent>
+        <mc:AlternateContent xmlns:mc="http://schemas.openxmlformats.org/markup-compatibility/2006" xmlns:p14="http://schemas.microsoft.com/office/powerpoint/2010/main">
+          <mc:Choice Requires="p14">
+            <p:contentPart p14:bwMode="auto" r:id="rId64">
+              <p14:nvContentPartPr>
+                <p14:cNvPr id="51" name="Ink 50">
+                  <a:extLst>
+                    <a:ext uri="{FF2B5EF4-FFF2-40B4-BE49-F238E27FC236}">
+                      <a16:creationId xmlns:a16="http://schemas.microsoft.com/office/drawing/2014/main" id="{06B07D77-CCEB-EBF3-58A9-4734C14BEF32}"/>
+                    </a:ext>
+                  </a:extLst>
+                </p14:cNvPr>
+                <p14:cNvContentPartPr/>
+                <p14:nvPr/>
+              </p14:nvContentPartPr>
+              <p14:xfrm>
+                <a:off x="6246806" y="5102074"/>
+                <a:ext cx="112320" cy="160920"/>
+              </p14:xfrm>
+            </p:contentPart>
+          </mc:Choice>
+          <mc:Fallback xmlns="">
+            <p:pic>
+              <p:nvPicPr>
+                <p:cNvPr id="51" name="Ink 50">
+                  <a:extLst>
+                    <a:ext uri="{FF2B5EF4-FFF2-40B4-BE49-F238E27FC236}">
+                      <a16:creationId xmlns:a16="http://schemas.microsoft.com/office/drawing/2014/main" id="{06B07D77-CCEB-EBF3-58A9-4734C14BEF32}"/>
+                    </a:ext>
+                  </a:extLst>
+                </p:cNvPr>
+                <p:cNvPicPr/>
+                <p:nvPr/>
+              </p:nvPicPr>
+              <p:blipFill>
+                <a:blip r:embed="rId65"/>
+                <a:stretch>
+                  <a:fillRect/>
+                </a:stretch>
+              </p:blipFill>
+              <p:spPr>
+                <a:xfrm>
+                  <a:off x="6237806" y="5093074"/>
+                  <a:ext cx="129960" cy="178560"/>
+                </a:xfrm>
+                <a:prstGeom prst="rect">
+                  <a:avLst/>
+                </a:prstGeom>
+              </p:spPr>
+            </p:pic>
+          </mc:Fallback>
+        </mc:AlternateContent>
+      </p:grpSp>
+    </p:spTree>
+    <p:extLst>
+      <p:ext uri="{BB962C8B-B14F-4D97-AF65-F5344CB8AC3E}">
+        <p14:creationId xmlns:p14="http://schemas.microsoft.com/office/powerpoint/2010/main" val="1490420219"/>
+      </p:ext>
+    </p:extLst>
+  </p:cSld>
+  <p:clrMapOvr>
+    <a:masterClrMapping/>
+  </p:clrMapOvr>
+</p:sld>
+</file>
+
+<file path=ppt/slides/slide12.xml><?xml version="1.0" encoding="utf-8"?>
 <p:sld xmlns:a="http://schemas.openxmlformats.org/drawingml/2006/main" xmlns:r="http://schemas.openxmlformats.org/officeDocument/2006/relationships" xmlns:p="http://schemas.openxmlformats.org/presentationml/2006/main">
   <p:cSld>
     <p:spTree>
@@ -12003,7 +13935,7 @@
 </p:sld>
 </file>
 
-<file path=ppt/slides/slide11.xml><?xml version="1.0" encoding="utf-8"?>
+<file path=ppt/slides/slide13.xml><?xml version="1.0" encoding="utf-8"?>
 <p:sld xmlns:a="http://schemas.openxmlformats.org/drawingml/2006/main" xmlns:r="http://schemas.openxmlformats.org/officeDocument/2006/relationships" xmlns:p="http://schemas.openxmlformats.org/presentationml/2006/main">
   <p:cSld>
     <p:spTree>
@@ -31446,7 +33378,7 @@
         </p:nvSpPr>
         <p:spPr>
           <a:xfrm>
-            <a:off x="6122437" y="1871256"/>
+            <a:off x="6134579" y="1871316"/>
             <a:ext cx="1042562" cy="164278"/>
           </a:xfrm>
           <a:prstGeom prst="roundRect">
@@ -32997,7 +34929,7 @@
           <p:cNvPr id="2" name="Title 1">
             <a:extLst>
               <a:ext uri="{FF2B5EF4-FFF2-40B4-BE49-F238E27FC236}">
-                <a16:creationId xmlns:a16="http://schemas.microsoft.com/office/drawing/2014/main" id="{9E2E3B79-5683-E7C9-480A-84281515BD11}"/>
+                <a16:creationId xmlns:a16="http://schemas.microsoft.com/office/drawing/2014/main" id="{FBA83F8F-5CE3-C50E-C76C-FED536C6DA5C}"/>
               </a:ext>
             </a:extLst>
           </p:cNvPr>
@@ -33010,17 +34942,18 @@
         </p:nvSpPr>
         <p:spPr>
           <a:xfrm>
-            <a:off x="4862146" y="2766218"/>
-            <a:ext cx="2467708" cy="1325563"/>
+            <a:off x="1221377" y="2766218"/>
+            <a:ext cx="10515600" cy="1325563"/>
           </a:xfrm>
         </p:spPr>
         <p:txBody>
           <a:bodyPr/>
           <a:lstStyle/>
           <a:p>
+            <a:pPr algn="ctr"/>
             <a:r>
               <a:rPr lang="en-US" dirty="0"/>
-              <a:t>Obsolete</a:t>
+              <a:t>Case Studies</a:t>
             </a:r>
           </a:p>
         </p:txBody>
@@ -33028,7 +34961,7 @@
     </p:spTree>
     <p:extLst>
       <p:ext uri="{BB962C8B-B14F-4D97-AF65-F5344CB8AC3E}">
-        <p14:creationId xmlns:p14="http://schemas.microsoft.com/office/powerpoint/2010/main" val="2696440679"/>
+        <p14:creationId xmlns:p14="http://schemas.microsoft.com/office/powerpoint/2010/main" val="3122083137"/>
       </p:ext>
     </p:extLst>
   </p:cSld>
@@ -33060,7 +34993,7 @@
           <p:cNvPr id="2" name="Title 1">
             <a:extLst>
               <a:ext uri="{FF2B5EF4-FFF2-40B4-BE49-F238E27FC236}">
-                <a16:creationId xmlns:a16="http://schemas.microsoft.com/office/drawing/2014/main" id="{940DF05C-5B2D-8994-4608-4D21659114C3}"/>
+                <a16:creationId xmlns:a16="http://schemas.microsoft.com/office/drawing/2014/main" id="{9E2E3B79-5683-E7C9-480A-84281515BD11}"/>
               </a:ext>
             </a:extLst>
           </p:cNvPr>
@@ -33071,51 +35004,27 @@
             <p:ph type="title"/>
           </p:nvPr>
         </p:nvSpPr>
-        <p:spPr/>
+        <p:spPr>
+          <a:xfrm>
+            <a:off x="4862146" y="2766218"/>
+            <a:ext cx="2467708" cy="1325563"/>
+          </a:xfrm>
+        </p:spPr>
         <p:txBody>
           <a:bodyPr/>
           <a:lstStyle/>
           <a:p>
             <a:r>
               <a:rPr lang="en-US" dirty="0"/>
-              <a:t>Task1</a:t>
+              <a:t>Obsolete</a:t>
             </a:r>
           </a:p>
         </p:txBody>
       </p:sp>
-      <p:pic>
-        <p:nvPicPr>
-          <p:cNvPr id="5" name="Content Placeholder 4" descr="A screenshot of a computer&#10;&#10;Description automatically generated with medium confidence">
-            <a:extLst>
-              <a:ext uri="{FF2B5EF4-FFF2-40B4-BE49-F238E27FC236}">
-                <a16:creationId xmlns:a16="http://schemas.microsoft.com/office/drawing/2014/main" id="{CA1C305C-FF0E-C043-287F-1584D687E86F}"/>
-              </a:ext>
-            </a:extLst>
-          </p:cNvPr>
-          <p:cNvPicPr>
-            <a:picLocks noGrp="1" noChangeAspect="1"/>
-          </p:cNvPicPr>
-          <p:nvPr>
-            <p:ph idx="1"/>
-          </p:nvPr>
-        </p:nvPicPr>
-        <p:blipFill>
-          <a:blip r:embed="rId2"/>
-          <a:stretch>
-            <a:fillRect/>
-          </a:stretch>
-        </p:blipFill>
-        <p:spPr>
-          <a:xfrm>
-            <a:off x="1377288" y="1825625"/>
-            <a:ext cx="9437423" cy="4351338"/>
-          </a:xfrm>
-        </p:spPr>
-      </p:pic>
     </p:spTree>
     <p:extLst>
       <p:ext uri="{BB962C8B-B14F-4D97-AF65-F5344CB8AC3E}">
-        <p14:creationId xmlns:p14="http://schemas.microsoft.com/office/powerpoint/2010/main" val="970385712"/>
+        <p14:creationId xmlns:p14="http://schemas.microsoft.com/office/powerpoint/2010/main" val="2696440679"/>
       </p:ext>
     </p:extLst>
   </p:cSld>
@@ -33144,10 +35053,10 @@
       </p:grpSpPr>
       <p:sp>
         <p:nvSpPr>
-          <p:cNvPr id="2" name="Title 1">
-            <a:extLst>
-              <a:ext uri="{FF2B5EF4-FFF2-40B4-BE49-F238E27FC236}">
-                <a16:creationId xmlns:a16="http://schemas.microsoft.com/office/drawing/2014/main" id="{C88AF574-F931-90FE-8B26-698B9339F0CE}"/>
+          <p:cNvPr id="3" name="Content Placeholder 2">
+            <a:extLst>
+              <a:ext uri="{FF2B5EF4-FFF2-40B4-BE49-F238E27FC236}">
+                <a16:creationId xmlns:a16="http://schemas.microsoft.com/office/drawing/2014/main" id="{763A1573-E99A-EC20-7712-F62772106247}"/>
               </a:ext>
             </a:extLst>
           </p:cNvPr>
@@ -33155,54 +35064,1444 @@
             <a:spLocks noGrp="1"/>
           </p:cNvSpPr>
           <p:nvPr>
-            <p:ph type="title"/>
+            <p:ph idx="1"/>
           </p:nvPr>
         </p:nvSpPr>
-        <p:spPr/>
+        <p:spPr>
+          <a:xfrm>
+            <a:off x="446314" y="424543"/>
+            <a:ext cx="10907486" cy="5752420"/>
+          </a:xfrm>
+        </p:spPr>
         <p:txBody>
-          <a:bodyPr/>
+          <a:bodyPr>
+            <a:normAutofit fontScale="92500" lnSpcReduction="20000"/>
+          </a:bodyPr>
           <a:lstStyle/>
           <a:p>
-            <a:r>
-              <a:rPr lang="en-US" dirty="0"/>
-              <a:t>Task2</a:t>
-            </a:r>
+            <a:pPr marL="0" indent="0" rtl="0">
+              <a:spcBef>
+                <a:spcPts val="0"/>
+              </a:spcBef>
+              <a:spcAft>
+                <a:spcPts val="1200"/>
+              </a:spcAft>
+              <a:buNone/>
+            </a:pPr>
+            <a:r>
+              <a:rPr lang="en-US" sz="1800" i="0" u="none" strike="noStrike" dirty="0">
+                <a:solidFill>
+                  <a:srgbClr val="595959"/>
+                </a:solidFill>
+                <a:effectLst/>
+                <a:latin typeface="Arial" panose="020B0604020202020204" pitchFamily="34" charset="0"/>
+              </a:rPr>
+              <a:t>protected Class &lt;&lt; ? &gt; </a:t>
+            </a:r>
+            <a:r>
+              <a:rPr lang="en-US" sz="1800" i="0" u="none" strike="noStrike" dirty="0" err="1">
+                <a:solidFill>
+                  <a:srgbClr val="595959"/>
+                </a:solidFill>
+                <a:effectLst/>
+                <a:latin typeface="Arial" panose="020B0604020202020204" pitchFamily="34" charset="0"/>
+              </a:rPr>
+              <a:t>loadClass</a:t>
+            </a:r>
+            <a:r>
+              <a:rPr lang="en-US" sz="1800" i="0" u="none" strike="noStrike" dirty="0">
+                <a:solidFill>
+                  <a:srgbClr val="595959"/>
+                </a:solidFill>
+                <a:effectLst/>
+                <a:latin typeface="Arial" panose="020B0604020202020204" pitchFamily="34" charset="0"/>
+              </a:rPr>
+              <a:t>(String name, </a:t>
+            </a:r>
+            <a:r>
+              <a:rPr lang="en-US" sz="1800" i="0" u="none" strike="noStrike" dirty="0" err="1">
+                <a:solidFill>
+                  <a:srgbClr val="595959"/>
+                </a:solidFill>
+                <a:effectLst/>
+                <a:latin typeface="Arial" panose="020B0604020202020204" pitchFamily="34" charset="0"/>
+              </a:rPr>
+              <a:t>boolean</a:t>
+            </a:r>
+            <a:r>
+              <a:rPr lang="en-US" sz="1800" i="0" u="none" strike="noStrike" dirty="0">
+                <a:solidFill>
+                  <a:srgbClr val="595959"/>
+                </a:solidFill>
+                <a:effectLst/>
+                <a:latin typeface="Arial" panose="020B0604020202020204" pitchFamily="34" charset="0"/>
+              </a:rPr>
+              <a:t> resolve) throws </a:t>
+            </a:r>
+            <a:r>
+              <a:rPr lang="en-US" sz="1800" i="0" u="none" strike="noStrike" dirty="0" err="1">
+                <a:solidFill>
+                  <a:srgbClr val="595959"/>
+                </a:solidFill>
+                <a:effectLst/>
+                <a:latin typeface="Arial" panose="020B0604020202020204" pitchFamily="34" charset="0"/>
+              </a:rPr>
+              <a:t>ClassNotFoundException</a:t>
+            </a:r>
+            <a:r>
+              <a:rPr lang="en-US" sz="1800" i="0" u="none" strike="noStrike" dirty="0">
+                <a:solidFill>
+                  <a:srgbClr val="595959"/>
+                </a:solidFill>
+                <a:effectLst/>
+                <a:latin typeface="Arial" panose="020B0604020202020204" pitchFamily="34" charset="0"/>
+              </a:rPr>
+              <a:t> {</a:t>
+            </a:r>
+            <a:endParaRPr lang="en-US" dirty="0">
+              <a:effectLst/>
+            </a:endParaRPr>
+          </a:p>
+          <a:p>
+            <a:pPr marL="0" indent="0" rtl="0">
+              <a:spcBef>
+                <a:spcPts val="0"/>
+              </a:spcBef>
+              <a:spcAft>
+                <a:spcPts val="1200"/>
+              </a:spcAft>
+              <a:buNone/>
+            </a:pPr>
+            <a:r>
+              <a:rPr lang="en-US" sz="1800" i="0" u="none" strike="noStrike" dirty="0">
+                <a:solidFill>
+                  <a:srgbClr val="595959"/>
+                </a:solidFill>
+                <a:effectLst/>
+                <a:latin typeface="Arial" panose="020B0604020202020204" pitchFamily="34" charset="0"/>
+              </a:rPr>
+              <a:t>   </a:t>
+            </a:r>
+            <a:r>
+              <a:rPr lang="en-US" sz="1800" i="0" u="none" strike="noStrike" dirty="0">
+                <a:solidFill>
+                  <a:srgbClr val="4285F4"/>
+                </a:solidFill>
+                <a:effectLst/>
+                <a:latin typeface="Arial" panose="020B0604020202020204" pitchFamily="34" charset="0"/>
+              </a:rPr>
+              <a:t> if (</a:t>
+            </a:r>
+            <a:r>
+              <a:rPr lang="en-US" sz="1800" i="0" u="none" strike="noStrike" dirty="0" err="1">
+                <a:solidFill>
+                  <a:srgbClr val="4285F4"/>
+                </a:solidFill>
+                <a:effectLst/>
+                <a:latin typeface="Arial" panose="020B0604020202020204" pitchFamily="34" charset="0"/>
+              </a:rPr>
+              <a:t>name.startsWith</a:t>
+            </a:r>
+            <a:r>
+              <a:rPr lang="en-US" sz="1800" i="0" u="none" strike="noStrike" dirty="0">
+                <a:solidFill>
+                  <a:srgbClr val="4285F4"/>
+                </a:solidFill>
+                <a:effectLst/>
+                <a:latin typeface="Arial" panose="020B0604020202020204" pitchFamily="34" charset="0"/>
+              </a:rPr>
+              <a:t>(Test.class.getName())) {</a:t>
+            </a:r>
+            <a:endParaRPr lang="en-US" dirty="0">
+              <a:effectLst/>
+            </a:endParaRPr>
+          </a:p>
+          <a:p>
+            <a:pPr marL="0" indent="0" rtl="0">
+              <a:spcBef>
+                <a:spcPts val="0"/>
+              </a:spcBef>
+              <a:spcAft>
+                <a:spcPts val="1200"/>
+              </a:spcAft>
+              <a:buNone/>
+            </a:pPr>
+            <a:r>
+              <a:rPr lang="en-US" sz="1800" i="0" u="none" strike="noStrike" dirty="0">
+                <a:solidFill>
+                  <a:srgbClr val="595959"/>
+                </a:solidFill>
+                <a:effectLst/>
+                <a:latin typeface="Arial" panose="020B0604020202020204" pitchFamily="34" charset="0"/>
+              </a:rPr>
+              <a:t>        </a:t>
+            </a:r>
+            <a:r>
+              <a:rPr lang="en-US" sz="1800" i="0" u="none" strike="noStrike" dirty="0">
+                <a:solidFill>
+                  <a:srgbClr val="4285F4"/>
+                </a:solidFill>
+                <a:effectLst/>
+                <a:latin typeface="Arial" panose="020B0604020202020204" pitchFamily="34" charset="0"/>
+              </a:rPr>
+              <a:t>Class &lt;&lt; ? &gt; c = </a:t>
+            </a:r>
+            <a:r>
+              <a:rPr lang="en-US" sz="1800" i="0" u="none" strike="noStrike" dirty="0" err="1">
+                <a:solidFill>
+                  <a:srgbClr val="4285F4"/>
+                </a:solidFill>
+                <a:effectLst/>
+                <a:latin typeface="Arial" panose="020B0604020202020204" pitchFamily="34" charset="0"/>
+              </a:rPr>
+              <a:t>findLoadedClass</a:t>
+            </a:r>
+            <a:r>
+              <a:rPr lang="en-US" sz="1800" i="0" u="none" strike="noStrike" dirty="0">
+                <a:solidFill>
+                  <a:srgbClr val="4285F4"/>
+                </a:solidFill>
+                <a:effectLst/>
+                <a:latin typeface="Arial" panose="020B0604020202020204" pitchFamily="34" charset="0"/>
+              </a:rPr>
+              <a:t>(name);</a:t>
+            </a:r>
+            <a:endParaRPr lang="en-US" dirty="0">
+              <a:effectLst/>
+            </a:endParaRPr>
+          </a:p>
+          <a:p>
+            <a:pPr marL="0" indent="0" rtl="0">
+              <a:spcBef>
+                <a:spcPts val="0"/>
+              </a:spcBef>
+              <a:spcAft>
+                <a:spcPts val="1200"/>
+              </a:spcAft>
+              <a:buNone/>
+            </a:pPr>
+            <a:r>
+              <a:rPr lang="en-US" sz="1800" i="0" u="none" strike="noStrike" dirty="0">
+                <a:solidFill>
+                  <a:srgbClr val="595959"/>
+                </a:solidFill>
+                <a:effectLst/>
+                <a:latin typeface="Arial" panose="020B0604020202020204" pitchFamily="34" charset="0"/>
+              </a:rPr>
+              <a:t>      </a:t>
+            </a:r>
+            <a:r>
+              <a:rPr lang="en-US" sz="1800" i="0" u="none" strike="noStrike" dirty="0">
+                <a:solidFill>
+                  <a:srgbClr val="4285F4"/>
+                </a:solidFill>
+                <a:effectLst/>
+                <a:latin typeface="Arial" panose="020B0604020202020204" pitchFamily="34" charset="0"/>
+              </a:rPr>
+              <a:t>  if (c != null) {</a:t>
+            </a:r>
+            <a:endParaRPr lang="en-US" dirty="0">
+              <a:effectLst/>
+            </a:endParaRPr>
+          </a:p>
+          <a:p>
+            <a:pPr marL="0" indent="0" rtl="0">
+              <a:spcBef>
+                <a:spcPts val="0"/>
+              </a:spcBef>
+              <a:spcAft>
+                <a:spcPts val="1200"/>
+              </a:spcAft>
+              <a:buNone/>
+            </a:pPr>
+            <a:r>
+              <a:rPr lang="en-US" sz="1800" i="0" u="none" strike="noStrike" dirty="0">
+                <a:solidFill>
+                  <a:srgbClr val="595959"/>
+                </a:solidFill>
+                <a:effectLst/>
+                <a:latin typeface="Arial" panose="020B0604020202020204" pitchFamily="34" charset="0"/>
+              </a:rPr>
+              <a:t>            </a:t>
+            </a:r>
+            <a:r>
+              <a:rPr lang="en-US" sz="1800" i="0" u="none" strike="noStrike" dirty="0">
+                <a:solidFill>
+                  <a:srgbClr val="4285F4"/>
+                </a:solidFill>
+                <a:effectLst/>
+                <a:latin typeface="Arial" panose="020B0604020202020204" pitchFamily="34" charset="0"/>
+              </a:rPr>
+              <a:t>return c;</a:t>
+            </a:r>
+            <a:endParaRPr lang="en-US" dirty="0">
+              <a:effectLst/>
+            </a:endParaRPr>
+          </a:p>
+          <a:p>
+            <a:pPr marL="0" indent="0" rtl="0">
+              <a:spcBef>
+                <a:spcPts val="0"/>
+              </a:spcBef>
+              <a:spcAft>
+                <a:spcPts val="1200"/>
+              </a:spcAft>
+              <a:buNone/>
+            </a:pPr>
+            <a:r>
+              <a:rPr lang="en-US" sz="1800" i="0" u="none" strike="noStrike" dirty="0">
+                <a:solidFill>
+                  <a:srgbClr val="4285F4"/>
+                </a:solidFill>
+                <a:effectLst/>
+                <a:latin typeface="Arial" panose="020B0604020202020204" pitchFamily="34" charset="0"/>
+              </a:rPr>
+              <a:t>        }</a:t>
+            </a:r>
+            <a:endParaRPr lang="en-US" dirty="0">
+              <a:effectLst/>
+            </a:endParaRPr>
+          </a:p>
+          <a:p>
+            <a:pPr marL="0" indent="0" rtl="0">
+              <a:spcBef>
+                <a:spcPts val="0"/>
+              </a:spcBef>
+              <a:spcAft>
+                <a:spcPts val="1200"/>
+              </a:spcAft>
+              <a:buNone/>
+            </a:pPr>
+            <a:r>
+              <a:rPr lang="en-US" sz="1800" i="0" u="none" strike="noStrike" dirty="0">
+                <a:solidFill>
+                  <a:srgbClr val="595959"/>
+                </a:solidFill>
+                <a:effectLst/>
+                <a:latin typeface="Arial" panose="020B0604020202020204" pitchFamily="34" charset="0"/>
+              </a:rPr>
+              <a:t>        try {</a:t>
+            </a:r>
+            <a:endParaRPr lang="en-US" dirty="0">
+              <a:effectLst/>
+            </a:endParaRPr>
+          </a:p>
+          <a:p>
+            <a:pPr marL="0" indent="0" rtl="0">
+              <a:spcBef>
+                <a:spcPts val="0"/>
+              </a:spcBef>
+              <a:spcAft>
+                <a:spcPts val="1200"/>
+              </a:spcAft>
+              <a:buNone/>
+            </a:pPr>
+            <a:r>
+              <a:rPr lang="en-US" sz="1800" i="0" u="none" strike="noStrike" dirty="0">
+                <a:solidFill>
+                  <a:srgbClr val="595959"/>
+                </a:solidFill>
+                <a:effectLst/>
+                <a:latin typeface="Arial" panose="020B0604020202020204" pitchFamily="34" charset="0"/>
+              </a:rPr>
+              <a:t>    </a:t>
+            </a:r>
+            <a:r>
+              <a:rPr lang="en-US" sz="1800" i="0" u="none" strike="noStrike" dirty="0">
+                <a:solidFill>
+                  <a:srgbClr val="4285F4"/>
+                </a:solidFill>
+                <a:effectLst/>
+                <a:latin typeface="Arial" panose="020B0604020202020204" pitchFamily="34" charset="0"/>
+              </a:rPr>
+              <a:t>        COUNTER++;</a:t>
+            </a:r>
+            <a:endParaRPr lang="en-US" dirty="0">
+              <a:effectLst/>
+            </a:endParaRPr>
+          </a:p>
+          <a:p>
+            <a:pPr marL="0" indent="0" rtl="0">
+              <a:spcBef>
+                <a:spcPts val="0"/>
+              </a:spcBef>
+              <a:spcAft>
+                <a:spcPts val="1200"/>
+              </a:spcAft>
+              <a:buNone/>
+            </a:pPr>
+            <a:r>
+              <a:rPr lang="en-US" sz="1800" i="0" u="none" strike="noStrike" dirty="0">
+                <a:solidFill>
+                  <a:srgbClr val="4285F4"/>
+                </a:solidFill>
+                <a:effectLst/>
+                <a:latin typeface="Arial" panose="020B0604020202020204" pitchFamily="34" charset="0"/>
+              </a:rPr>
+              <a:t>            </a:t>
+            </a:r>
+            <a:r>
+              <a:rPr lang="en-US" sz="1800" i="0" u="none" strike="noStrike" dirty="0" err="1">
+                <a:solidFill>
+                  <a:srgbClr val="4285F4"/>
+                </a:solidFill>
+                <a:effectLst/>
+                <a:latin typeface="Arial" panose="020B0604020202020204" pitchFamily="34" charset="0"/>
+              </a:rPr>
+              <a:t>InputStream</a:t>
+            </a:r>
+            <a:r>
+              <a:rPr lang="en-US" sz="1800" i="0" u="none" strike="noStrike" dirty="0">
+                <a:solidFill>
+                  <a:srgbClr val="4285F4"/>
+                </a:solidFill>
+                <a:effectLst/>
+                <a:latin typeface="Arial" panose="020B0604020202020204" pitchFamily="34" charset="0"/>
+              </a:rPr>
+              <a:t> in = </a:t>
+            </a:r>
+            <a:r>
+              <a:rPr lang="en-US" sz="1800" i="0" u="none" strike="noStrike" dirty="0" err="1">
+                <a:solidFill>
+                  <a:srgbClr val="4285F4"/>
+                </a:solidFill>
+                <a:effectLst/>
+                <a:latin typeface="Arial" panose="020B0604020202020204" pitchFamily="34" charset="0"/>
+              </a:rPr>
+              <a:t>getSystemResourceAsStream</a:t>
+            </a:r>
+            <a:r>
+              <a:rPr lang="en-US" sz="1800" i="0" u="none" strike="noStrike" dirty="0">
+                <a:solidFill>
+                  <a:srgbClr val="4285F4"/>
+                </a:solidFill>
+                <a:effectLst/>
+                <a:latin typeface="Arial" panose="020B0604020202020204" pitchFamily="34" charset="0"/>
+              </a:rPr>
+              <a:t>(</a:t>
+            </a:r>
+            <a:r>
+              <a:rPr lang="en-US" sz="1800" i="0" u="none" strike="noStrike" dirty="0" err="1">
+                <a:solidFill>
+                  <a:srgbClr val="4285F4"/>
+                </a:solidFill>
+                <a:effectLst/>
+                <a:latin typeface="Arial" panose="020B0604020202020204" pitchFamily="34" charset="0"/>
+              </a:rPr>
+              <a:t>name.replace</a:t>
+            </a:r>
+            <a:r>
+              <a:rPr lang="en-US" sz="1800" i="0" u="none" strike="noStrike" dirty="0">
+                <a:solidFill>
+                  <a:srgbClr val="4285F4"/>
+                </a:solidFill>
+                <a:effectLst/>
+                <a:latin typeface="Arial" panose="020B0604020202020204" pitchFamily="34" charset="0"/>
+              </a:rPr>
+              <a:t>('.', </a:t>
+            </a:r>
+            <a:r>
+              <a:rPr lang="en-US" sz="1800" i="0" u="none" strike="noStrike" dirty="0" err="1">
+                <a:solidFill>
+                  <a:srgbClr val="4285F4"/>
+                </a:solidFill>
+                <a:effectLst/>
+                <a:latin typeface="Arial" panose="020B0604020202020204" pitchFamily="34" charset="0"/>
+              </a:rPr>
+              <a:t>File.separatorChar</a:t>
+            </a:r>
+            <a:r>
+              <a:rPr lang="en-US" sz="1800" i="0" u="none" strike="noStrike" dirty="0">
+                <a:solidFill>
+                  <a:srgbClr val="4285F4"/>
+                </a:solidFill>
+                <a:effectLst/>
+                <a:latin typeface="Arial" panose="020B0604020202020204" pitchFamily="34" charset="0"/>
+              </a:rPr>
+              <a:t>) + ".class");</a:t>
+            </a:r>
+            <a:endParaRPr lang="en-US" dirty="0">
+              <a:effectLst/>
+            </a:endParaRPr>
+          </a:p>
+          <a:p>
+            <a:pPr marL="0" indent="0" rtl="0">
+              <a:spcBef>
+                <a:spcPts val="0"/>
+              </a:spcBef>
+              <a:spcAft>
+                <a:spcPts val="1200"/>
+              </a:spcAft>
+              <a:buNone/>
+            </a:pPr>
+            <a:r>
+              <a:rPr lang="en-US" sz="1800" i="0" u="none" strike="noStrike" dirty="0">
+                <a:solidFill>
+                  <a:srgbClr val="4285F4"/>
+                </a:solidFill>
+                <a:effectLst/>
+                <a:latin typeface="Arial" panose="020B0604020202020204" pitchFamily="34" charset="0"/>
+              </a:rPr>
+              <a:t>            byte[] </a:t>
+            </a:r>
+            <a:r>
+              <a:rPr lang="en-US" sz="1800" i="0" u="none" strike="noStrike" dirty="0" err="1">
+                <a:solidFill>
+                  <a:srgbClr val="4285F4"/>
+                </a:solidFill>
+                <a:effectLst/>
+                <a:latin typeface="Arial" panose="020B0604020202020204" pitchFamily="34" charset="0"/>
+              </a:rPr>
+              <a:t>buf</a:t>
+            </a:r>
+            <a:r>
+              <a:rPr lang="en-US" sz="1800" i="0" u="none" strike="noStrike" dirty="0">
+                <a:solidFill>
+                  <a:srgbClr val="4285F4"/>
+                </a:solidFill>
+                <a:effectLst/>
+                <a:latin typeface="Arial" panose="020B0604020202020204" pitchFamily="34" charset="0"/>
+              </a:rPr>
+              <a:t> = in .</a:t>
+            </a:r>
+            <a:r>
+              <a:rPr lang="en-US" sz="1800" i="0" u="none" strike="noStrike" dirty="0" err="1">
+                <a:solidFill>
+                  <a:srgbClr val="4285F4"/>
+                </a:solidFill>
+                <a:effectLst/>
+                <a:latin typeface="Arial" panose="020B0604020202020204" pitchFamily="34" charset="0"/>
+              </a:rPr>
+              <a:t>readAllBytes</a:t>
+            </a:r>
+            <a:r>
+              <a:rPr lang="en-US" sz="1800" i="0" u="none" strike="noStrike" dirty="0">
+                <a:solidFill>
+                  <a:srgbClr val="4285F4"/>
+                </a:solidFill>
+                <a:effectLst/>
+                <a:latin typeface="Arial" panose="020B0604020202020204" pitchFamily="34" charset="0"/>
+              </a:rPr>
+              <a:t>();</a:t>
+            </a:r>
+            <a:endParaRPr lang="en-US" dirty="0">
+              <a:effectLst/>
+            </a:endParaRPr>
+          </a:p>
+          <a:p>
+            <a:pPr marL="0" indent="0" rtl="0">
+              <a:spcBef>
+                <a:spcPts val="0"/>
+              </a:spcBef>
+              <a:spcAft>
+                <a:spcPts val="1200"/>
+              </a:spcAft>
+              <a:buNone/>
+            </a:pPr>
+            <a:r>
+              <a:rPr lang="en-US" sz="1800" i="0" u="none" strike="noStrike" dirty="0">
+                <a:solidFill>
+                  <a:srgbClr val="4285F4"/>
+                </a:solidFill>
+                <a:effectLst/>
+                <a:latin typeface="Arial" panose="020B0604020202020204" pitchFamily="34" charset="0"/>
+              </a:rPr>
+              <a:t>            return </a:t>
+            </a:r>
+            <a:r>
+              <a:rPr lang="en-US" sz="1800" i="0" u="none" strike="noStrike" dirty="0" err="1">
+                <a:solidFill>
+                  <a:srgbClr val="4285F4"/>
+                </a:solidFill>
+                <a:effectLst/>
+                <a:latin typeface="Arial" panose="020B0604020202020204" pitchFamily="34" charset="0"/>
+              </a:rPr>
+              <a:t>defineClass</a:t>
+            </a:r>
+            <a:r>
+              <a:rPr lang="en-US" sz="1800" i="0" u="none" strike="noStrike" dirty="0">
+                <a:solidFill>
+                  <a:srgbClr val="4285F4"/>
+                </a:solidFill>
+                <a:effectLst/>
+                <a:latin typeface="Arial" panose="020B0604020202020204" pitchFamily="34" charset="0"/>
+              </a:rPr>
+              <a:t>(name, </a:t>
+            </a:r>
+            <a:r>
+              <a:rPr lang="en-US" sz="1800" i="0" u="none" strike="noStrike" dirty="0" err="1">
+                <a:solidFill>
+                  <a:srgbClr val="4285F4"/>
+                </a:solidFill>
+                <a:effectLst/>
+                <a:latin typeface="Arial" panose="020B0604020202020204" pitchFamily="34" charset="0"/>
+              </a:rPr>
+              <a:t>buf</a:t>
+            </a:r>
+            <a:r>
+              <a:rPr lang="en-US" sz="1800" i="0" u="none" strike="noStrike" dirty="0">
+                <a:solidFill>
+                  <a:srgbClr val="4285F4"/>
+                </a:solidFill>
+                <a:effectLst/>
+                <a:latin typeface="Arial" panose="020B0604020202020204" pitchFamily="34" charset="0"/>
+              </a:rPr>
+              <a:t>, 0, </a:t>
+            </a:r>
+            <a:r>
+              <a:rPr lang="en-US" sz="1800" i="0" u="none" strike="noStrike" dirty="0" err="1">
+                <a:solidFill>
+                  <a:srgbClr val="4285F4"/>
+                </a:solidFill>
+                <a:effectLst/>
+                <a:latin typeface="Arial" panose="020B0604020202020204" pitchFamily="34" charset="0"/>
+              </a:rPr>
+              <a:t>buf.length</a:t>
+            </a:r>
+            <a:r>
+              <a:rPr lang="en-US" sz="1800" i="0" u="none" strike="noStrike" dirty="0">
+                <a:solidFill>
+                  <a:srgbClr val="4285F4"/>
+                </a:solidFill>
+                <a:effectLst/>
+                <a:latin typeface="Arial" panose="020B0604020202020204" pitchFamily="34" charset="0"/>
+              </a:rPr>
+              <a:t>);</a:t>
+            </a:r>
+            <a:endParaRPr lang="en-US" dirty="0">
+              <a:effectLst/>
+            </a:endParaRPr>
+          </a:p>
+          <a:p>
+            <a:pPr marL="0" indent="0" rtl="0">
+              <a:spcBef>
+                <a:spcPts val="0"/>
+              </a:spcBef>
+              <a:spcAft>
+                <a:spcPts val="1200"/>
+              </a:spcAft>
+              <a:buNone/>
+            </a:pPr>
+            <a:r>
+              <a:rPr lang="en-US" sz="1800" i="0" u="none" strike="noStrike" dirty="0">
+                <a:solidFill>
+                  <a:srgbClr val="595959"/>
+                </a:solidFill>
+                <a:effectLst/>
+                <a:latin typeface="Arial" panose="020B0604020202020204" pitchFamily="34" charset="0"/>
+              </a:rPr>
+              <a:t>        } catch (</a:t>
+            </a:r>
+            <a:r>
+              <a:rPr lang="en-US" sz="1800" i="0" u="none" strike="noStrike" dirty="0" err="1">
+                <a:solidFill>
+                  <a:srgbClr val="595959"/>
+                </a:solidFill>
+                <a:effectLst/>
+                <a:latin typeface="Arial" panose="020B0604020202020204" pitchFamily="34" charset="0"/>
+              </a:rPr>
+              <a:t>IOException</a:t>
+            </a:r>
+            <a:r>
+              <a:rPr lang="en-US" sz="1800" i="0" u="none" strike="noStrike" dirty="0">
+                <a:solidFill>
+                  <a:srgbClr val="595959"/>
+                </a:solidFill>
+                <a:effectLst/>
+                <a:latin typeface="Arial" panose="020B0604020202020204" pitchFamily="34" charset="0"/>
+              </a:rPr>
+              <a:t> e) {</a:t>
+            </a:r>
+            <a:endParaRPr lang="en-US" dirty="0">
+              <a:effectLst/>
+            </a:endParaRPr>
+          </a:p>
+          <a:p>
+            <a:pPr marL="0" indent="0" rtl="0">
+              <a:spcBef>
+                <a:spcPts val="0"/>
+              </a:spcBef>
+              <a:spcAft>
+                <a:spcPts val="1200"/>
+              </a:spcAft>
+              <a:buNone/>
+            </a:pPr>
+            <a:r>
+              <a:rPr lang="en-US" sz="1800" i="0" u="none" strike="noStrike" dirty="0">
+                <a:solidFill>
+                  <a:srgbClr val="595959"/>
+                </a:solidFill>
+                <a:effectLst/>
+                <a:latin typeface="Arial" panose="020B0604020202020204" pitchFamily="34" charset="0"/>
+              </a:rPr>
+              <a:t>            throw new </a:t>
+            </a:r>
+            <a:r>
+              <a:rPr lang="en-US" sz="1800" i="0" u="none" strike="noStrike" dirty="0" err="1">
+                <a:solidFill>
+                  <a:srgbClr val="595959"/>
+                </a:solidFill>
+                <a:effectLst/>
+                <a:latin typeface="Arial" panose="020B0604020202020204" pitchFamily="34" charset="0"/>
+              </a:rPr>
+              <a:t>ClassNotFoundException</a:t>
+            </a:r>
+            <a:r>
+              <a:rPr lang="en-US" sz="1800" i="0" u="none" strike="noStrike" dirty="0">
+                <a:solidFill>
+                  <a:srgbClr val="595959"/>
+                </a:solidFill>
+                <a:effectLst/>
+                <a:latin typeface="Arial" panose="020B0604020202020204" pitchFamily="34" charset="0"/>
+              </a:rPr>
+              <a:t>(name);</a:t>
+            </a:r>
+            <a:endParaRPr lang="en-US" dirty="0">
+              <a:effectLst/>
+            </a:endParaRPr>
+          </a:p>
+          <a:p>
+            <a:pPr marL="0" indent="0" rtl="0">
+              <a:spcBef>
+                <a:spcPts val="0"/>
+              </a:spcBef>
+              <a:spcAft>
+                <a:spcPts val="1200"/>
+              </a:spcAft>
+              <a:buNone/>
+            </a:pPr>
+            <a:r>
+              <a:rPr lang="en-US" sz="1800" i="0" u="none" strike="noStrike" dirty="0">
+                <a:solidFill>
+                  <a:srgbClr val="595959"/>
+                </a:solidFill>
+                <a:effectLst/>
+                <a:latin typeface="Arial" panose="020B0604020202020204" pitchFamily="34" charset="0"/>
+              </a:rPr>
+              <a:t>        }</a:t>
+            </a:r>
+            <a:endParaRPr lang="en-US" dirty="0">
+              <a:effectLst/>
+            </a:endParaRPr>
+          </a:p>
+          <a:p>
+            <a:pPr marL="0" indent="0" rtl="0">
+              <a:spcBef>
+                <a:spcPts val="0"/>
+              </a:spcBef>
+              <a:spcAft>
+                <a:spcPts val="1200"/>
+              </a:spcAft>
+              <a:buNone/>
+            </a:pPr>
+            <a:r>
+              <a:rPr lang="en-US" sz="1800" i="0" u="none" strike="noStrike" dirty="0">
+                <a:solidFill>
+                  <a:srgbClr val="4285F4"/>
+                </a:solidFill>
+                <a:effectLst/>
+                <a:latin typeface="Arial" panose="020B0604020202020204" pitchFamily="34" charset="0"/>
+              </a:rPr>
+              <a:t>    }</a:t>
+            </a:r>
+            <a:endParaRPr lang="en-US" dirty="0">
+              <a:effectLst/>
+            </a:endParaRPr>
+          </a:p>
+          <a:p>
+            <a:pPr marL="0" indent="0" rtl="0">
+              <a:spcBef>
+                <a:spcPts val="0"/>
+              </a:spcBef>
+              <a:spcAft>
+                <a:spcPts val="1200"/>
+              </a:spcAft>
+              <a:buNone/>
+            </a:pPr>
+            <a:r>
+              <a:rPr lang="en-US" sz="1800" i="0" u="none" strike="noStrike" dirty="0">
+                <a:solidFill>
+                  <a:srgbClr val="4285F4"/>
+                </a:solidFill>
+                <a:effectLst/>
+                <a:latin typeface="Arial" panose="020B0604020202020204" pitchFamily="34" charset="0"/>
+              </a:rPr>
+              <a:t>    return </a:t>
+            </a:r>
+            <a:r>
+              <a:rPr lang="en-US" sz="1800" i="0" u="none" strike="noStrike" dirty="0" err="1">
+                <a:solidFill>
+                  <a:srgbClr val="4285F4"/>
+                </a:solidFill>
+                <a:effectLst/>
+                <a:latin typeface="Arial" panose="020B0604020202020204" pitchFamily="34" charset="0"/>
+              </a:rPr>
+              <a:t>super.loadClass</a:t>
+            </a:r>
+            <a:r>
+              <a:rPr lang="en-US" sz="1800" i="0" u="none" strike="noStrike" dirty="0">
+                <a:solidFill>
+                  <a:srgbClr val="4285F4"/>
+                </a:solidFill>
+                <a:effectLst/>
+                <a:latin typeface="Arial" panose="020B0604020202020204" pitchFamily="34" charset="0"/>
+              </a:rPr>
+              <a:t>(name, resolve);</a:t>
+            </a:r>
+            <a:endParaRPr lang="en-US" dirty="0">
+              <a:effectLst/>
+            </a:endParaRPr>
+          </a:p>
+          <a:p>
+            <a:pPr marL="0" indent="0" rtl="0">
+              <a:spcBef>
+                <a:spcPts val="0"/>
+              </a:spcBef>
+              <a:spcAft>
+                <a:spcPts val="1200"/>
+              </a:spcAft>
+              <a:buNone/>
+            </a:pPr>
+            <a:r>
+              <a:rPr lang="en-US" sz="1800" i="0" u="none" strike="noStrike" dirty="0">
+                <a:solidFill>
+                  <a:srgbClr val="595959"/>
+                </a:solidFill>
+                <a:effectLst/>
+                <a:latin typeface="Arial" panose="020B0604020202020204" pitchFamily="34" charset="0"/>
+              </a:rPr>
+              <a:t>}</a:t>
+            </a:r>
+            <a:endParaRPr lang="en-US" dirty="0"/>
           </a:p>
         </p:txBody>
       </p:sp>
-      <p:pic>
-        <p:nvPicPr>
-          <p:cNvPr id="5" name="Content Placeholder 4" descr="A screenshot of a computer&#10;&#10;Description automatically generated with medium confidence">
-            <a:extLst>
-              <a:ext uri="{FF2B5EF4-FFF2-40B4-BE49-F238E27FC236}">
-                <a16:creationId xmlns:a16="http://schemas.microsoft.com/office/drawing/2014/main" id="{2449A7AD-FCF3-4C5B-0021-B73B54D4BCCC}"/>
-              </a:ext>
-            </a:extLst>
-          </p:cNvPr>
-          <p:cNvPicPr>
-            <a:picLocks noGrp="1" noChangeAspect="1"/>
-          </p:cNvPicPr>
-          <p:nvPr>
-            <p:ph idx="1"/>
-          </p:nvPr>
-        </p:nvPicPr>
-        <p:blipFill>
-          <a:blip r:embed="rId2"/>
-          <a:stretch>
-            <a:fillRect/>
-          </a:stretch>
-        </p:blipFill>
+      <p:sp>
+        <p:nvSpPr>
+          <p:cNvPr id="4" name="Display 3">
+            <a:extLst>
+              <a:ext uri="{FF2B5EF4-FFF2-40B4-BE49-F238E27FC236}">
+                <a16:creationId xmlns:a16="http://schemas.microsoft.com/office/drawing/2014/main" id="{F83E4795-AB06-6948-F837-5A388D858DAA}"/>
+              </a:ext>
+            </a:extLst>
+          </p:cNvPr>
+          <p:cNvSpPr/>
+          <p:nvPr/>
+        </p:nvSpPr>
         <p:spPr>
           <a:xfrm>
-            <a:off x="838200" y="2384147"/>
-            <a:ext cx="10515600" cy="3234293"/>
-          </a:xfrm>
-        </p:spPr>
-      </p:pic>
+            <a:off x="5331822" y="780506"/>
+            <a:ext cx="1136470" cy="191587"/>
+          </a:xfrm>
+          <a:prstGeom prst="flowChartDisplay">
+            <a:avLst/>
+          </a:prstGeom>
+          <a:solidFill>
+            <a:schemeClr val="bg2"/>
+          </a:solidFill>
+        </p:spPr>
+        <p:style>
+          <a:lnRef idx="2">
+            <a:schemeClr val="accent1">
+              <a:shade val="15000"/>
+            </a:schemeClr>
+          </a:lnRef>
+          <a:fillRef idx="1">
+            <a:schemeClr val="accent1"/>
+          </a:fillRef>
+          <a:effectRef idx="0">
+            <a:schemeClr val="accent1"/>
+          </a:effectRef>
+          <a:fontRef idx="minor">
+            <a:schemeClr val="lt1"/>
+          </a:fontRef>
+        </p:style>
+        <p:txBody>
+          <a:bodyPr rtlCol="0" anchor="ctr"/>
+          <a:lstStyle/>
+          <a:p>
+            <a:pPr algn="ctr"/>
+            <a:r>
+              <a:rPr lang="en-US" sz="1200" dirty="0">
+                <a:solidFill>
+                  <a:schemeClr val="tx1"/>
+                </a:solidFill>
+              </a:rPr>
+              <a:t>0.01</a:t>
+            </a:r>
+          </a:p>
+        </p:txBody>
+      </p:sp>
+      <p:sp>
+        <p:nvSpPr>
+          <p:cNvPr id="7" name="Display 6">
+            <a:extLst>
+              <a:ext uri="{FF2B5EF4-FFF2-40B4-BE49-F238E27FC236}">
+                <a16:creationId xmlns:a16="http://schemas.microsoft.com/office/drawing/2014/main" id="{4C54A608-1E08-5C01-51C6-B99A8BB0B1E3}"/>
+              </a:ext>
+            </a:extLst>
+          </p:cNvPr>
+          <p:cNvSpPr/>
+          <p:nvPr/>
+        </p:nvSpPr>
+        <p:spPr>
+          <a:xfrm>
+            <a:off x="5331822" y="1101634"/>
+            <a:ext cx="1136470" cy="191587"/>
+          </a:xfrm>
+          <a:prstGeom prst="flowChartDisplay">
+            <a:avLst/>
+          </a:prstGeom>
+          <a:solidFill>
+            <a:schemeClr val="bg2"/>
+          </a:solidFill>
+        </p:spPr>
+        <p:style>
+          <a:lnRef idx="2">
+            <a:schemeClr val="accent1">
+              <a:shade val="15000"/>
+            </a:schemeClr>
+          </a:lnRef>
+          <a:fillRef idx="1">
+            <a:schemeClr val="accent1"/>
+          </a:fillRef>
+          <a:effectRef idx="0">
+            <a:schemeClr val="accent1"/>
+          </a:effectRef>
+          <a:fontRef idx="minor">
+            <a:schemeClr val="lt1"/>
+          </a:fontRef>
+        </p:style>
+        <p:txBody>
+          <a:bodyPr rtlCol="0" anchor="ctr"/>
+          <a:lstStyle/>
+          <a:p>
+            <a:pPr algn="ctr"/>
+            <a:r>
+              <a:rPr lang="en-US" sz="1200" dirty="0">
+                <a:solidFill>
+                  <a:schemeClr val="tx1"/>
+                </a:solidFill>
+              </a:rPr>
+              <a:t>0.04</a:t>
+            </a:r>
+          </a:p>
+        </p:txBody>
+      </p:sp>
+      <p:sp>
+        <p:nvSpPr>
+          <p:cNvPr id="8" name="Display 7">
+            <a:extLst>
+              <a:ext uri="{FF2B5EF4-FFF2-40B4-BE49-F238E27FC236}">
+                <a16:creationId xmlns:a16="http://schemas.microsoft.com/office/drawing/2014/main" id="{70CC49E4-A820-A32B-D6BD-723DCFB326C9}"/>
+              </a:ext>
+            </a:extLst>
+          </p:cNvPr>
+          <p:cNvSpPr/>
+          <p:nvPr/>
+        </p:nvSpPr>
+        <p:spPr>
+          <a:xfrm>
+            <a:off x="2971800" y="1456104"/>
+            <a:ext cx="1136470" cy="191587"/>
+          </a:xfrm>
+          <a:prstGeom prst="flowChartDisplay">
+            <a:avLst/>
+          </a:prstGeom>
+          <a:solidFill>
+            <a:schemeClr val="bg2"/>
+          </a:solidFill>
+        </p:spPr>
+        <p:style>
+          <a:lnRef idx="2">
+            <a:schemeClr val="accent1">
+              <a:shade val="15000"/>
+            </a:schemeClr>
+          </a:lnRef>
+          <a:fillRef idx="1">
+            <a:schemeClr val="accent1"/>
+          </a:fillRef>
+          <a:effectRef idx="0">
+            <a:schemeClr val="accent1"/>
+          </a:effectRef>
+          <a:fontRef idx="minor">
+            <a:schemeClr val="lt1"/>
+          </a:fontRef>
+        </p:style>
+        <p:txBody>
+          <a:bodyPr rtlCol="0" anchor="ctr"/>
+          <a:lstStyle/>
+          <a:p>
+            <a:pPr algn="ctr"/>
+            <a:r>
+              <a:rPr lang="en-US" sz="1200" dirty="0">
+                <a:solidFill>
+                  <a:schemeClr val="tx1"/>
+                </a:solidFill>
+              </a:rPr>
+              <a:t>- 0.008</a:t>
+            </a:r>
+          </a:p>
+        </p:txBody>
+      </p:sp>
+      <p:sp>
+        <p:nvSpPr>
+          <p:cNvPr id="9" name="Display 8">
+            <a:extLst>
+              <a:ext uri="{FF2B5EF4-FFF2-40B4-BE49-F238E27FC236}">
+                <a16:creationId xmlns:a16="http://schemas.microsoft.com/office/drawing/2014/main" id="{B780DDE8-AE2C-69BA-926A-54E7673A313F}"/>
+              </a:ext>
+            </a:extLst>
+          </p:cNvPr>
+          <p:cNvSpPr/>
+          <p:nvPr/>
+        </p:nvSpPr>
+        <p:spPr>
+          <a:xfrm>
+            <a:off x="2971800" y="1805397"/>
+            <a:ext cx="1136470" cy="191587"/>
+          </a:xfrm>
+          <a:prstGeom prst="flowChartDisplay">
+            <a:avLst/>
+          </a:prstGeom>
+          <a:solidFill>
+            <a:schemeClr val="bg2"/>
+          </a:solidFill>
+        </p:spPr>
+        <p:style>
+          <a:lnRef idx="2">
+            <a:schemeClr val="accent1">
+              <a:shade val="15000"/>
+            </a:schemeClr>
+          </a:lnRef>
+          <a:fillRef idx="1">
+            <a:schemeClr val="accent1"/>
+          </a:fillRef>
+          <a:effectRef idx="0">
+            <a:schemeClr val="accent1"/>
+          </a:effectRef>
+          <a:fontRef idx="minor">
+            <a:schemeClr val="lt1"/>
+          </a:fontRef>
+        </p:style>
+        <p:txBody>
+          <a:bodyPr rtlCol="0" anchor="ctr"/>
+          <a:lstStyle/>
+          <a:p>
+            <a:pPr algn="ctr"/>
+            <a:r>
+              <a:rPr lang="en-US" sz="1200" dirty="0">
+                <a:solidFill>
+                  <a:schemeClr val="tx1"/>
+                </a:solidFill>
+              </a:rPr>
+              <a:t>- 0.052</a:t>
+            </a:r>
+          </a:p>
+        </p:txBody>
+      </p:sp>
+      <p:sp>
+        <p:nvSpPr>
+          <p:cNvPr id="10" name="Display 9">
+            <a:extLst>
+              <a:ext uri="{FF2B5EF4-FFF2-40B4-BE49-F238E27FC236}">
+                <a16:creationId xmlns:a16="http://schemas.microsoft.com/office/drawing/2014/main" id="{1CFCEC85-30A6-E741-1FE0-3CD27DFA1799}"/>
+              </a:ext>
+            </a:extLst>
+          </p:cNvPr>
+          <p:cNvSpPr/>
+          <p:nvPr/>
+        </p:nvSpPr>
+        <p:spPr>
+          <a:xfrm>
+            <a:off x="2971800" y="2114006"/>
+            <a:ext cx="1136470" cy="191587"/>
+          </a:xfrm>
+          <a:prstGeom prst="flowChartDisplay">
+            <a:avLst/>
+          </a:prstGeom>
+          <a:solidFill>
+            <a:schemeClr val="bg2"/>
+          </a:solidFill>
+        </p:spPr>
+        <p:style>
+          <a:lnRef idx="2">
+            <a:schemeClr val="accent1">
+              <a:shade val="15000"/>
+            </a:schemeClr>
+          </a:lnRef>
+          <a:fillRef idx="1">
+            <a:schemeClr val="accent1"/>
+          </a:fillRef>
+          <a:effectRef idx="0">
+            <a:schemeClr val="accent1"/>
+          </a:effectRef>
+          <a:fontRef idx="minor">
+            <a:schemeClr val="lt1"/>
+          </a:fontRef>
+        </p:style>
+        <p:txBody>
+          <a:bodyPr rtlCol="0" anchor="ctr"/>
+          <a:lstStyle/>
+          <a:p>
+            <a:pPr algn="ctr"/>
+            <a:r>
+              <a:rPr lang="en-US" sz="1200" dirty="0">
+                <a:solidFill>
+                  <a:schemeClr val="tx1"/>
+                </a:solidFill>
+              </a:rPr>
+              <a:t>- 0.022</a:t>
+            </a:r>
+          </a:p>
+        </p:txBody>
+      </p:sp>
+      <p:sp>
+        <p:nvSpPr>
+          <p:cNvPr id="11" name="Display 10">
+            <a:extLst>
+              <a:ext uri="{FF2B5EF4-FFF2-40B4-BE49-F238E27FC236}">
+                <a16:creationId xmlns:a16="http://schemas.microsoft.com/office/drawing/2014/main" id="{7049FAA5-84CC-9626-2FE1-778FADEF3C3B}"/>
+              </a:ext>
+            </a:extLst>
+          </p:cNvPr>
+          <p:cNvSpPr/>
+          <p:nvPr/>
+        </p:nvSpPr>
+        <p:spPr>
+          <a:xfrm>
+            <a:off x="2971800" y="2761706"/>
+            <a:ext cx="1136470" cy="191587"/>
+          </a:xfrm>
+          <a:prstGeom prst="flowChartDisplay">
+            <a:avLst/>
+          </a:prstGeom>
+          <a:solidFill>
+            <a:schemeClr val="bg2"/>
+          </a:solidFill>
+        </p:spPr>
+        <p:style>
+          <a:lnRef idx="2">
+            <a:schemeClr val="accent1">
+              <a:shade val="15000"/>
+            </a:schemeClr>
+          </a:lnRef>
+          <a:fillRef idx="1">
+            <a:schemeClr val="accent1"/>
+          </a:fillRef>
+          <a:effectRef idx="0">
+            <a:schemeClr val="accent1"/>
+          </a:effectRef>
+          <a:fontRef idx="minor">
+            <a:schemeClr val="lt1"/>
+          </a:fontRef>
+        </p:style>
+        <p:txBody>
+          <a:bodyPr rtlCol="0" anchor="ctr"/>
+          <a:lstStyle/>
+          <a:p>
+            <a:pPr algn="ctr"/>
+            <a:r>
+              <a:rPr lang="en-US" sz="1200" dirty="0">
+                <a:solidFill>
+                  <a:schemeClr val="tx1"/>
+                </a:solidFill>
+              </a:rPr>
+              <a:t>0.012</a:t>
+            </a:r>
+          </a:p>
+        </p:txBody>
+      </p:sp>
+      <p:sp>
+        <p:nvSpPr>
+          <p:cNvPr id="12" name="Display 11">
+            <a:extLst>
+              <a:ext uri="{FF2B5EF4-FFF2-40B4-BE49-F238E27FC236}">
+                <a16:creationId xmlns:a16="http://schemas.microsoft.com/office/drawing/2014/main" id="{76F8923C-4ED1-C325-F456-852114518CC8}"/>
+              </a:ext>
+            </a:extLst>
+          </p:cNvPr>
+          <p:cNvSpPr/>
+          <p:nvPr/>
+        </p:nvSpPr>
+        <p:spPr>
+          <a:xfrm>
+            <a:off x="10785565" y="3098280"/>
+            <a:ext cx="1136470" cy="191587"/>
+          </a:xfrm>
+          <a:prstGeom prst="flowChartDisplay">
+            <a:avLst/>
+          </a:prstGeom>
+          <a:solidFill>
+            <a:schemeClr val="accent6">
+              <a:lumMod val="60000"/>
+              <a:lumOff val="40000"/>
+            </a:schemeClr>
+          </a:solidFill>
+        </p:spPr>
+        <p:style>
+          <a:lnRef idx="2">
+            <a:schemeClr val="accent1">
+              <a:shade val="15000"/>
+            </a:schemeClr>
+          </a:lnRef>
+          <a:fillRef idx="1">
+            <a:schemeClr val="accent1"/>
+          </a:fillRef>
+          <a:effectRef idx="0">
+            <a:schemeClr val="accent1"/>
+          </a:effectRef>
+          <a:fontRef idx="minor">
+            <a:schemeClr val="lt1"/>
+          </a:fontRef>
+        </p:style>
+        <p:txBody>
+          <a:bodyPr rtlCol="0" anchor="ctr"/>
+          <a:lstStyle/>
+          <a:p>
+            <a:pPr algn="ctr"/>
+            <a:r>
+              <a:rPr lang="en-US" sz="1200" dirty="0">
+                <a:solidFill>
+                  <a:schemeClr val="tx1"/>
+                </a:solidFill>
+              </a:rPr>
+              <a:t>0.329</a:t>
+            </a:r>
+          </a:p>
+        </p:txBody>
+      </p:sp>
+      <p:sp>
+        <p:nvSpPr>
+          <p:cNvPr id="13" name="Display 12">
+            <a:extLst>
+              <a:ext uri="{FF2B5EF4-FFF2-40B4-BE49-F238E27FC236}">
+                <a16:creationId xmlns:a16="http://schemas.microsoft.com/office/drawing/2014/main" id="{41C8AA20-FAF7-AA10-7687-2D4E34785CA1}"/>
+              </a:ext>
+            </a:extLst>
+          </p:cNvPr>
+          <p:cNvSpPr/>
+          <p:nvPr/>
+        </p:nvSpPr>
+        <p:spPr>
+          <a:xfrm>
+            <a:off x="5791200" y="3799320"/>
+            <a:ext cx="1136470" cy="191587"/>
+          </a:xfrm>
+          <a:prstGeom prst="flowChartDisplay">
+            <a:avLst/>
+          </a:prstGeom>
+          <a:solidFill>
+            <a:schemeClr val="bg2"/>
+          </a:solidFill>
+        </p:spPr>
+        <p:style>
+          <a:lnRef idx="2">
+            <a:schemeClr val="accent1">
+              <a:shade val="15000"/>
+            </a:schemeClr>
+          </a:lnRef>
+          <a:fillRef idx="1">
+            <a:schemeClr val="accent1"/>
+          </a:fillRef>
+          <a:effectRef idx="0">
+            <a:schemeClr val="accent1"/>
+          </a:effectRef>
+          <a:fontRef idx="minor">
+            <a:schemeClr val="lt1"/>
+          </a:fontRef>
+        </p:style>
+        <p:txBody>
+          <a:bodyPr rtlCol="0" anchor="ctr"/>
+          <a:lstStyle/>
+          <a:p>
+            <a:pPr algn="ctr"/>
+            <a:r>
+              <a:rPr lang="en-US" sz="1200" dirty="0">
+                <a:solidFill>
+                  <a:schemeClr val="tx1"/>
+                </a:solidFill>
+              </a:rPr>
+              <a:t>6.94e-05</a:t>
+            </a:r>
+          </a:p>
+        </p:txBody>
+      </p:sp>
+      <p:sp>
+        <p:nvSpPr>
+          <p:cNvPr id="14" name="Display 13">
+            <a:extLst>
+              <a:ext uri="{FF2B5EF4-FFF2-40B4-BE49-F238E27FC236}">
+                <a16:creationId xmlns:a16="http://schemas.microsoft.com/office/drawing/2014/main" id="{8F9FF546-1DC7-7750-76D2-D23C30FFBB48}"/>
+              </a:ext>
+            </a:extLst>
+          </p:cNvPr>
+          <p:cNvSpPr/>
+          <p:nvPr/>
+        </p:nvSpPr>
+        <p:spPr>
+          <a:xfrm>
+            <a:off x="4800600" y="5123906"/>
+            <a:ext cx="1136470" cy="191587"/>
+          </a:xfrm>
+          <a:prstGeom prst="flowChartDisplay">
+            <a:avLst/>
+          </a:prstGeom>
+          <a:solidFill>
+            <a:schemeClr val="bg2"/>
+          </a:solidFill>
+        </p:spPr>
+        <p:style>
+          <a:lnRef idx="2">
+            <a:schemeClr val="accent1">
+              <a:shade val="15000"/>
+            </a:schemeClr>
+          </a:lnRef>
+          <a:fillRef idx="1">
+            <a:schemeClr val="accent1"/>
+          </a:fillRef>
+          <a:effectRef idx="0">
+            <a:schemeClr val="accent1"/>
+          </a:effectRef>
+          <a:fontRef idx="minor">
+            <a:schemeClr val="lt1"/>
+          </a:fontRef>
+        </p:style>
+        <p:txBody>
+          <a:bodyPr rtlCol="0" anchor="ctr"/>
+          <a:lstStyle/>
+          <a:p>
+            <a:pPr algn="ctr"/>
+            <a:r>
+              <a:rPr lang="en-US" sz="1200" dirty="0">
+                <a:solidFill>
+                  <a:schemeClr val="tx1"/>
+                </a:solidFill>
+              </a:rPr>
+              <a:t>0.029</a:t>
+            </a:r>
+          </a:p>
+        </p:txBody>
+      </p:sp>
+      <p:sp>
+        <p:nvSpPr>
+          <p:cNvPr id="15" name="Display 14">
+            <a:extLst>
+              <a:ext uri="{FF2B5EF4-FFF2-40B4-BE49-F238E27FC236}">
+                <a16:creationId xmlns:a16="http://schemas.microsoft.com/office/drawing/2014/main" id="{A4BB367B-F4C7-5BA2-8F12-423C255AEF1B}"/>
+              </a:ext>
+            </a:extLst>
+          </p:cNvPr>
+          <p:cNvSpPr/>
+          <p:nvPr/>
+        </p:nvSpPr>
+        <p:spPr>
+          <a:xfrm>
+            <a:off x="4800600" y="5453949"/>
+            <a:ext cx="1136470" cy="191587"/>
+          </a:xfrm>
+          <a:prstGeom prst="flowChartDisplay">
+            <a:avLst/>
+          </a:prstGeom>
+          <a:solidFill>
+            <a:schemeClr val="bg2"/>
+          </a:solidFill>
+        </p:spPr>
+        <p:style>
+          <a:lnRef idx="2">
+            <a:schemeClr val="accent1">
+              <a:shade val="15000"/>
+            </a:schemeClr>
+          </a:lnRef>
+          <a:fillRef idx="1">
+            <a:schemeClr val="accent1"/>
+          </a:fillRef>
+          <a:effectRef idx="0">
+            <a:schemeClr val="accent1"/>
+          </a:effectRef>
+          <a:fontRef idx="minor">
+            <a:schemeClr val="lt1"/>
+          </a:fontRef>
+        </p:style>
+        <p:txBody>
+          <a:bodyPr rtlCol="0" anchor="ctr"/>
+          <a:lstStyle/>
+          <a:p>
+            <a:pPr algn="ctr"/>
+            <a:r>
+              <a:rPr lang="en-US" sz="1200" dirty="0">
+                <a:solidFill>
+                  <a:schemeClr val="tx1"/>
+                </a:solidFill>
+              </a:rPr>
+              <a:t>- 0.011</a:t>
+            </a:r>
+          </a:p>
+        </p:txBody>
+      </p:sp>
+      <p:sp>
+        <p:nvSpPr>
+          <p:cNvPr id="16" name="Display 15">
+            <a:extLst>
+              <a:ext uri="{FF2B5EF4-FFF2-40B4-BE49-F238E27FC236}">
+                <a16:creationId xmlns:a16="http://schemas.microsoft.com/office/drawing/2014/main" id="{8FFB9D86-9E42-6504-7053-EBD27F774FFC}"/>
+              </a:ext>
+            </a:extLst>
+          </p:cNvPr>
+          <p:cNvSpPr/>
+          <p:nvPr/>
+        </p:nvSpPr>
+        <p:spPr>
+          <a:xfrm>
+            <a:off x="5791200" y="3457511"/>
+            <a:ext cx="1136470" cy="191587"/>
+          </a:xfrm>
+          <a:prstGeom prst="flowChartDisplay">
+            <a:avLst/>
+          </a:prstGeom>
+          <a:solidFill>
+            <a:schemeClr val="accent6">
+              <a:lumMod val="20000"/>
+              <a:lumOff val="80000"/>
+            </a:schemeClr>
+          </a:solidFill>
+        </p:spPr>
+        <p:style>
+          <a:lnRef idx="2">
+            <a:schemeClr val="accent1">
+              <a:shade val="15000"/>
+            </a:schemeClr>
+          </a:lnRef>
+          <a:fillRef idx="1">
+            <a:schemeClr val="accent1"/>
+          </a:fillRef>
+          <a:effectRef idx="0">
+            <a:schemeClr val="accent1"/>
+          </a:effectRef>
+          <a:fontRef idx="minor">
+            <a:schemeClr val="lt1"/>
+          </a:fontRef>
+        </p:style>
+        <p:txBody>
+          <a:bodyPr rtlCol="0" anchor="ctr"/>
+          <a:lstStyle/>
+          <a:p>
+            <a:pPr algn="ctr"/>
+            <a:r>
+              <a:rPr lang="en-US" sz="1200" dirty="0">
+                <a:solidFill>
+                  <a:schemeClr val="tx1"/>
+                </a:solidFill>
+              </a:rPr>
+              <a:t>0.076</a:t>
+            </a:r>
+          </a:p>
+        </p:txBody>
+      </p:sp>
     </p:spTree>
     <p:extLst>
       <p:ext uri="{BB962C8B-B14F-4D97-AF65-F5344CB8AC3E}">
-        <p14:creationId xmlns:p14="http://schemas.microsoft.com/office/powerpoint/2010/main" val="1968197997"/>
+        <p14:creationId xmlns:p14="http://schemas.microsoft.com/office/powerpoint/2010/main" val="1463177340"/>
       </p:ext>
     </p:extLst>
   </p:cSld>
@@ -33234,7 +36533,7 @@
           <p:cNvPr id="2" name="Title 1">
             <a:extLst>
               <a:ext uri="{FF2B5EF4-FFF2-40B4-BE49-F238E27FC236}">
-                <a16:creationId xmlns:a16="http://schemas.microsoft.com/office/drawing/2014/main" id="{C09DE15C-1E64-1B20-AB29-84DC33DE4D3D}"/>
+                <a16:creationId xmlns:a16="http://schemas.microsoft.com/office/drawing/2014/main" id="{940DF05C-5B2D-8994-4608-4D21659114C3}"/>
               </a:ext>
             </a:extLst>
           </p:cNvPr>
@@ -33252,7 +36551,7 @@
           <a:p>
             <a:r>
               <a:rPr lang="en-US" dirty="0"/>
-              <a:t>Task3</a:t>
+              <a:t>Task1</a:t>
             </a:r>
           </a:p>
         </p:txBody>
@@ -33262,7 +36561,7 @@
           <p:cNvPr id="5" name="Content Placeholder 4" descr="A screenshot of a computer&#10;&#10;Description automatically generated with medium confidence">
             <a:extLst>
               <a:ext uri="{FF2B5EF4-FFF2-40B4-BE49-F238E27FC236}">
-                <a16:creationId xmlns:a16="http://schemas.microsoft.com/office/drawing/2014/main" id="{DEF280A6-4471-43CF-385C-FDDFF19C62C4}"/>
+                <a16:creationId xmlns:a16="http://schemas.microsoft.com/office/drawing/2014/main" id="{CA1C305C-FF0E-C043-287F-1584D687E86F}"/>
               </a:ext>
             </a:extLst>
           </p:cNvPr>
@@ -33281,15 +36580,15 @@
         </p:blipFill>
         <p:spPr>
           <a:xfrm>
-            <a:off x="838200" y="1998323"/>
-            <a:ext cx="10515600" cy="4005942"/>
+            <a:off x="1377288" y="1825625"/>
+            <a:ext cx="9437423" cy="4351338"/>
           </a:xfrm>
         </p:spPr>
       </p:pic>
     </p:spTree>
     <p:extLst>
       <p:ext uri="{BB962C8B-B14F-4D97-AF65-F5344CB8AC3E}">
-        <p14:creationId xmlns:p14="http://schemas.microsoft.com/office/powerpoint/2010/main" val="3130643905"/>
+        <p14:creationId xmlns:p14="http://schemas.microsoft.com/office/powerpoint/2010/main" val="970385712"/>
       </p:ext>
     </p:extLst>
   </p:cSld>
@@ -33318,1810 +36617,65 @@
       </p:grpSpPr>
       <p:sp>
         <p:nvSpPr>
-          <p:cNvPr id="8" name="Rectangle 7">
-            <a:extLst>
-              <a:ext uri="{FF2B5EF4-FFF2-40B4-BE49-F238E27FC236}">
-                <a16:creationId xmlns:a16="http://schemas.microsoft.com/office/drawing/2014/main" id="{E0764D15-284F-D747-F86A-F78DF302AB8F}"/>
-              </a:ext>
-            </a:extLst>
-          </p:cNvPr>
-          <p:cNvSpPr/>
-          <p:nvPr/>
+          <p:cNvPr id="2" name="Title 1">
+            <a:extLst>
+              <a:ext uri="{FF2B5EF4-FFF2-40B4-BE49-F238E27FC236}">
+                <a16:creationId xmlns:a16="http://schemas.microsoft.com/office/drawing/2014/main" id="{C88AF574-F931-90FE-8B26-698B9339F0CE}"/>
+              </a:ext>
+            </a:extLst>
+          </p:cNvPr>
+          <p:cNvSpPr>
+            <a:spLocks noGrp="1"/>
+          </p:cNvSpPr>
+          <p:nvPr>
+            <p:ph type="title"/>
+          </p:nvPr>
         </p:nvSpPr>
-        <p:spPr>
-          <a:xfrm>
-            <a:off x="1058091" y="1132114"/>
-            <a:ext cx="9479281" cy="3762103"/>
-          </a:xfrm>
-          <a:prstGeom prst="rect">
-            <a:avLst/>
-          </a:prstGeom>
-        </p:spPr>
-        <p:style>
-          <a:lnRef idx="2">
-            <a:schemeClr val="dk1"/>
-          </a:lnRef>
-          <a:fillRef idx="1">
-            <a:schemeClr val="lt1"/>
-          </a:fillRef>
-          <a:effectRef idx="0">
-            <a:schemeClr val="dk1"/>
-          </a:effectRef>
-          <a:fontRef idx="minor">
-            <a:schemeClr val="dk1"/>
-          </a:fontRef>
-        </p:style>
+        <p:spPr/>
         <p:txBody>
-          <a:bodyPr rtlCol="0" anchor="ctr"/>
+          <a:bodyPr/>
           <a:lstStyle/>
           <a:p>
-            <a:pPr algn="ctr"/>
-            <a:endParaRPr lang="en-US"/>
+            <a:r>
+              <a:rPr lang="en-US" dirty="0"/>
+              <a:t>Task2</a:t>
+            </a:r>
           </a:p>
         </p:txBody>
       </p:sp>
-      <p:grpSp>
-        <p:nvGrpSpPr>
-          <p:cNvPr id="28" name="Group 27">
-            <a:extLst>
-              <a:ext uri="{FF2B5EF4-FFF2-40B4-BE49-F238E27FC236}">
-                <a16:creationId xmlns:a16="http://schemas.microsoft.com/office/drawing/2014/main" id="{6D968B27-6E59-16A0-632A-3B85F9FBC49D}"/>
-              </a:ext>
-            </a:extLst>
-          </p:cNvPr>
-          <p:cNvGrpSpPr/>
-          <p:nvPr/>
-        </p:nvGrpSpPr>
-        <p:grpSpPr>
+      <p:pic>
+        <p:nvPicPr>
+          <p:cNvPr id="5" name="Content Placeholder 4" descr="A screenshot of a computer&#10;&#10;Description automatically generated with medium confidence">
+            <a:extLst>
+              <a:ext uri="{FF2B5EF4-FFF2-40B4-BE49-F238E27FC236}">
+                <a16:creationId xmlns:a16="http://schemas.microsoft.com/office/drawing/2014/main" id="{2449A7AD-FCF3-4C5B-0021-B73B54D4BCCC}"/>
+              </a:ext>
+            </a:extLst>
+          </p:cNvPr>
+          <p:cNvPicPr>
+            <a:picLocks noGrp="1" noChangeAspect="1"/>
+          </p:cNvPicPr>
+          <p:nvPr>
+            <p:ph idx="1"/>
+          </p:nvPr>
+        </p:nvPicPr>
+        <p:blipFill>
+          <a:blip r:embed="rId2"/>
+          <a:stretch>
+            <a:fillRect/>
+          </a:stretch>
+        </p:blipFill>
+        <p:spPr>
           <a:xfrm>
-            <a:off x="2263766" y="5093794"/>
-            <a:ext cx="183960" cy="12600"/>
-            <a:chOff x="2263766" y="5093794"/>
-            <a:chExt cx="183960" cy="12600"/>
-          </a:xfrm>
-        </p:grpSpPr>
-        <mc:AlternateContent xmlns:mc="http://schemas.openxmlformats.org/markup-compatibility/2006" xmlns:p14="http://schemas.microsoft.com/office/powerpoint/2010/main">
-          <mc:Choice Requires="p14">
-            <p:contentPart p14:bwMode="auto" r:id="rId2">
-              <p14:nvContentPartPr>
-                <p14:cNvPr id="14" name="Ink 13">
-                  <a:extLst>
-                    <a:ext uri="{FF2B5EF4-FFF2-40B4-BE49-F238E27FC236}">
-                      <a16:creationId xmlns:a16="http://schemas.microsoft.com/office/drawing/2014/main" id="{DB5735CC-1BBC-E10C-25D0-CF1DF3C92B26}"/>
-                    </a:ext>
-                  </a:extLst>
-                </p14:cNvPr>
-                <p14:cNvContentPartPr/>
-                <p14:nvPr/>
-              </p14:nvContentPartPr>
-              <p14:xfrm>
-                <a:off x="2263766" y="5093794"/>
-                <a:ext cx="55080" cy="12600"/>
-              </p14:xfrm>
-            </p:contentPart>
-          </mc:Choice>
-          <mc:Fallback xmlns="">
-            <p:pic>
-              <p:nvPicPr>
-                <p:cNvPr id="14" name="Ink 13">
-                  <a:extLst>
-                    <a:ext uri="{FF2B5EF4-FFF2-40B4-BE49-F238E27FC236}">
-                      <a16:creationId xmlns:a16="http://schemas.microsoft.com/office/drawing/2014/main" id="{DB5735CC-1BBC-E10C-25D0-CF1DF3C92B26}"/>
-                    </a:ext>
-                  </a:extLst>
-                </p:cNvPr>
-                <p:cNvPicPr/>
-                <p:nvPr/>
-              </p:nvPicPr>
-              <p:blipFill>
-                <a:blip r:embed="rId3"/>
-                <a:stretch>
-                  <a:fillRect/>
-                </a:stretch>
-              </p:blipFill>
-              <p:spPr>
-                <a:xfrm>
-                  <a:off x="2255126" y="5085154"/>
-                  <a:ext cx="72720" cy="30240"/>
-                </a:xfrm>
-                <a:prstGeom prst="rect">
-                  <a:avLst/>
-                </a:prstGeom>
-              </p:spPr>
-            </p:pic>
-          </mc:Fallback>
-        </mc:AlternateContent>
-        <mc:AlternateContent xmlns:mc="http://schemas.openxmlformats.org/markup-compatibility/2006" xmlns:p14="http://schemas.microsoft.com/office/powerpoint/2010/main">
-          <mc:Choice Requires="p14">
-            <p:contentPart p14:bwMode="auto" r:id="rId4">
-              <p14:nvContentPartPr>
-                <p14:cNvPr id="15" name="Ink 14">
-                  <a:extLst>
-                    <a:ext uri="{FF2B5EF4-FFF2-40B4-BE49-F238E27FC236}">
-                      <a16:creationId xmlns:a16="http://schemas.microsoft.com/office/drawing/2014/main" id="{7DB89137-F12A-1362-5BB6-B29617087904}"/>
-                    </a:ext>
-                  </a:extLst>
-                </p14:cNvPr>
-                <p14:cNvContentPartPr/>
-                <p14:nvPr/>
-              </p14:nvContentPartPr>
-              <p14:xfrm>
-                <a:off x="2395886" y="5099194"/>
-                <a:ext cx="51840" cy="2520"/>
-              </p14:xfrm>
-            </p:contentPart>
-          </mc:Choice>
-          <mc:Fallback xmlns="">
-            <p:pic>
-              <p:nvPicPr>
-                <p:cNvPr id="15" name="Ink 14">
-                  <a:extLst>
-                    <a:ext uri="{FF2B5EF4-FFF2-40B4-BE49-F238E27FC236}">
-                      <a16:creationId xmlns:a16="http://schemas.microsoft.com/office/drawing/2014/main" id="{7DB89137-F12A-1362-5BB6-B29617087904}"/>
-                    </a:ext>
-                  </a:extLst>
-                </p:cNvPr>
-                <p:cNvPicPr/>
-                <p:nvPr/>
-              </p:nvPicPr>
-              <p:blipFill>
-                <a:blip r:embed="rId5"/>
-                <a:stretch>
-                  <a:fillRect/>
-                </a:stretch>
-              </p:blipFill>
-              <p:spPr>
-                <a:xfrm>
-                  <a:off x="2387246" y="5090194"/>
-                  <a:ext cx="69480" cy="20160"/>
-                </a:xfrm>
-                <a:prstGeom prst="rect">
-                  <a:avLst/>
-                </a:prstGeom>
-              </p:spPr>
-            </p:pic>
-          </mc:Fallback>
-        </mc:AlternateContent>
-      </p:grpSp>
-      <mc:AlternateContent xmlns:mc="http://schemas.openxmlformats.org/markup-compatibility/2006" xmlns:p14="http://schemas.microsoft.com/office/powerpoint/2010/main">
-        <mc:Choice Requires="p14">
-          <p:contentPart p14:bwMode="auto" r:id="rId6">
-            <p14:nvContentPartPr>
-              <p14:cNvPr id="16" name="Ink 15">
-                <a:extLst>
-                  <a:ext uri="{FF2B5EF4-FFF2-40B4-BE49-F238E27FC236}">
-                    <a16:creationId xmlns:a16="http://schemas.microsoft.com/office/drawing/2014/main" id="{48D27BA2-E4A6-8CDA-EC5D-171C61A0C713}"/>
-                  </a:ext>
-                </a:extLst>
-              </p14:cNvPr>
-              <p14:cNvContentPartPr/>
-              <p14:nvPr/>
-            </p14:nvContentPartPr>
-            <p14:xfrm>
-              <a:off x="2618726" y="5074714"/>
-              <a:ext cx="70200" cy="19440"/>
-            </p14:xfrm>
-          </p:contentPart>
-        </mc:Choice>
-        <mc:Fallback xmlns="">
-          <p:pic>
-            <p:nvPicPr>
-              <p:cNvPr id="16" name="Ink 15">
-                <a:extLst>
-                  <a:ext uri="{FF2B5EF4-FFF2-40B4-BE49-F238E27FC236}">
-                    <a16:creationId xmlns:a16="http://schemas.microsoft.com/office/drawing/2014/main" id="{48D27BA2-E4A6-8CDA-EC5D-171C61A0C713}"/>
-                  </a:ext>
-                </a:extLst>
-              </p:cNvPr>
-              <p:cNvPicPr/>
-              <p:nvPr/>
-            </p:nvPicPr>
-            <p:blipFill>
-              <a:blip r:embed="rId7"/>
-              <a:stretch>
-                <a:fillRect/>
-              </a:stretch>
-            </p:blipFill>
-            <p:spPr>
-              <a:xfrm>
-                <a:off x="2609726" y="5066074"/>
-                <a:ext cx="87840" cy="37080"/>
-              </a:xfrm>
-              <a:prstGeom prst="rect">
-                <a:avLst/>
-              </a:prstGeom>
-            </p:spPr>
-          </p:pic>
-        </mc:Fallback>
-      </mc:AlternateContent>
-      <p:grpSp>
-        <p:nvGrpSpPr>
-          <p:cNvPr id="27" name="Group 26">
-            <a:extLst>
-              <a:ext uri="{FF2B5EF4-FFF2-40B4-BE49-F238E27FC236}">
-                <a16:creationId xmlns:a16="http://schemas.microsoft.com/office/drawing/2014/main" id="{6836ACAF-CDC6-D0E6-6FDD-6CB7D50B5016}"/>
-              </a:ext>
-            </a:extLst>
-          </p:cNvPr>
-          <p:cNvGrpSpPr/>
-          <p:nvPr/>
-        </p:nvGrpSpPr>
-        <p:grpSpPr>
-          <a:xfrm>
-            <a:off x="2956406" y="5046634"/>
-            <a:ext cx="455760" cy="152640"/>
-            <a:chOff x="2956406" y="5046634"/>
-            <a:chExt cx="455760" cy="152640"/>
-          </a:xfrm>
-        </p:grpSpPr>
-        <mc:AlternateContent xmlns:mc="http://schemas.openxmlformats.org/markup-compatibility/2006" xmlns:p14="http://schemas.microsoft.com/office/powerpoint/2010/main">
-          <mc:Choice Requires="p14">
-            <p:contentPart p14:bwMode="auto" r:id="rId8">
-              <p14:nvContentPartPr>
-                <p14:cNvPr id="17" name="Ink 16">
-                  <a:extLst>
-                    <a:ext uri="{FF2B5EF4-FFF2-40B4-BE49-F238E27FC236}">
-                      <a16:creationId xmlns:a16="http://schemas.microsoft.com/office/drawing/2014/main" id="{477DED46-39EA-2611-31C0-44281B32E94D}"/>
-                    </a:ext>
-                  </a:extLst>
-                </p14:cNvPr>
-                <p14:cNvContentPartPr/>
-                <p14:nvPr/>
-              </p14:nvContentPartPr>
-              <p14:xfrm>
-                <a:off x="2956406" y="5075434"/>
-                <a:ext cx="11520" cy="1080"/>
-              </p14:xfrm>
-            </p:contentPart>
-          </mc:Choice>
-          <mc:Fallback xmlns="">
-            <p:pic>
-              <p:nvPicPr>
-                <p:cNvPr id="17" name="Ink 16">
-                  <a:extLst>
-                    <a:ext uri="{FF2B5EF4-FFF2-40B4-BE49-F238E27FC236}">
-                      <a16:creationId xmlns:a16="http://schemas.microsoft.com/office/drawing/2014/main" id="{477DED46-39EA-2611-31C0-44281B32E94D}"/>
-                    </a:ext>
-                  </a:extLst>
-                </p:cNvPr>
-                <p:cNvPicPr/>
-                <p:nvPr/>
-              </p:nvPicPr>
-              <p:blipFill>
-                <a:blip r:embed="rId9"/>
-                <a:stretch>
-                  <a:fillRect/>
-                </a:stretch>
-              </p:blipFill>
-              <p:spPr>
-                <a:xfrm>
-                  <a:off x="2947406" y="5066434"/>
-                  <a:ext cx="29160" cy="18720"/>
-                </a:xfrm>
-                <a:prstGeom prst="rect">
-                  <a:avLst/>
-                </a:prstGeom>
-              </p:spPr>
-            </p:pic>
-          </mc:Fallback>
-        </mc:AlternateContent>
-        <mc:AlternateContent xmlns:mc="http://schemas.openxmlformats.org/markup-compatibility/2006" xmlns:p14="http://schemas.microsoft.com/office/powerpoint/2010/main">
-          <mc:Choice Requires="p14">
-            <p:contentPart p14:bwMode="auto" r:id="rId10">
-              <p14:nvContentPartPr>
-                <p14:cNvPr id="18" name="Ink 17">
-                  <a:extLst>
-                    <a:ext uri="{FF2B5EF4-FFF2-40B4-BE49-F238E27FC236}">
-                      <a16:creationId xmlns:a16="http://schemas.microsoft.com/office/drawing/2014/main" id="{B45E6A8B-6421-63DC-3CD4-5565AC1922E0}"/>
-                    </a:ext>
-                  </a:extLst>
-                </p14:cNvPr>
-                <p14:cNvContentPartPr/>
-                <p14:nvPr/>
-              </p14:nvContentPartPr>
-              <p14:xfrm>
-                <a:off x="3096086" y="5046634"/>
-                <a:ext cx="163080" cy="137520"/>
-              </p14:xfrm>
-            </p:contentPart>
-          </mc:Choice>
-          <mc:Fallback xmlns="">
-            <p:pic>
-              <p:nvPicPr>
-                <p:cNvPr id="18" name="Ink 17">
-                  <a:extLst>
-                    <a:ext uri="{FF2B5EF4-FFF2-40B4-BE49-F238E27FC236}">
-                      <a16:creationId xmlns:a16="http://schemas.microsoft.com/office/drawing/2014/main" id="{B45E6A8B-6421-63DC-3CD4-5565AC1922E0}"/>
-                    </a:ext>
-                  </a:extLst>
-                </p:cNvPr>
-                <p:cNvPicPr/>
-                <p:nvPr/>
-              </p:nvPicPr>
-              <p:blipFill>
-                <a:blip r:embed="rId11"/>
-                <a:stretch>
-                  <a:fillRect/>
-                </a:stretch>
-              </p:blipFill>
-              <p:spPr>
-                <a:xfrm>
-                  <a:off x="3087446" y="5037634"/>
-                  <a:ext cx="180720" cy="155160"/>
-                </a:xfrm>
-                <a:prstGeom prst="rect">
-                  <a:avLst/>
-                </a:prstGeom>
-              </p:spPr>
-            </p:pic>
-          </mc:Fallback>
-        </mc:AlternateContent>
-        <mc:AlternateContent xmlns:mc="http://schemas.openxmlformats.org/markup-compatibility/2006" xmlns:p14="http://schemas.microsoft.com/office/powerpoint/2010/main">
-          <mc:Choice Requires="p14">
-            <p:contentPart p14:bwMode="auto" r:id="rId12">
-              <p14:nvContentPartPr>
-                <p14:cNvPr id="19" name="Ink 18">
-                  <a:extLst>
-                    <a:ext uri="{FF2B5EF4-FFF2-40B4-BE49-F238E27FC236}">
-                      <a16:creationId xmlns:a16="http://schemas.microsoft.com/office/drawing/2014/main" id="{8581CE7B-AB1F-CD5E-427A-B3E9073B2509}"/>
-                    </a:ext>
-                  </a:extLst>
-                </p14:cNvPr>
-                <p14:cNvContentPartPr/>
-                <p14:nvPr/>
-              </p14:nvContentPartPr>
-              <p14:xfrm>
-                <a:off x="3355286" y="5052034"/>
-                <a:ext cx="56880" cy="147240"/>
-              </p14:xfrm>
-            </p:contentPart>
-          </mc:Choice>
-          <mc:Fallback xmlns="">
-            <p:pic>
-              <p:nvPicPr>
-                <p:cNvPr id="19" name="Ink 18">
-                  <a:extLst>
-                    <a:ext uri="{FF2B5EF4-FFF2-40B4-BE49-F238E27FC236}">
-                      <a16:creationId xmlns:a16="http://schemas.microsoft.com/office/drawing/2014/main" id="{8581CE7B-AB1F-CD5E-427A-B3E9073B2509}"/>
-                    </a:ext>
-                  </a:extLst>
-                </p:cNvPr>
-                <p:cNvPicPr/>
-                <p:nvPr/>
-              </p:nvPicPr>
-              <p:blipFill>
-                <a:blip r:embed="rId13"/>
-                <a:stretch>
-                  <a:fillRect/>
-                </a:stretch>
-              </p:blipFill>
-              <p:spPr>
-                <a:xfrm>
-                  <a:off x="3346286" y="5043394"/>
-                  <a:ext cx="74520" cy="164880"/>
-                </a:xfrm>
-                <a:prstGeom prst="rect">
-                  <a:avLst/>
-                </a:prstGeom>
-              </p:spPr>
-            </p:pic>
-          </mc:Fallback>
-        </mc:AlternateContent>
-      </p:grpSp>
-      <p:grpSp>
-        <p:nvGrpSpPr>
-          <p:cNvPr id="26" name="Group 25">
-            <a:extLst>
-              <a:ext uri="{FF2B5EF4-FFF2-40B4-BE49-F238E27FC236}">
-                <a16:creationId xmlns:a16="http://schemas.microsoft.com/office/drawing/2014/main" id="{6A2BF483-CA5D-4CEA-AD59-0C89750B4C5E}"/>
-              </a:ext>
-            </a:extLst>
-          </p:cNvPr>
-          <p:cNvGrpSpPr/>
-          <p:nvPr/>
-        </p:nvGrpSpPr>
-        <p:grpSpPr>
-          <a:xfrm>
-            <a:off x="3552566" y="5038714"/>
-            <a:ext cx="308160" cy="168120"/>
-            <a:chOff x="3552566" y="5038714"/>
-            <a:chExt cx="308160" cy="168120"/>
-          </a:xfrm>
-        </p:grpSpPr>
-        <mc:AlternateContent xmlns:mc="http://schemas.openxmlformats.org/markup-compatibility/2006" xmlns:p14="http://schemas.microsoft.com/office/powerpoint/2010/main">
-          <mc:Choice Requires="p14">
-            <p:contentPart p14:bwMode="auto" r:id="rId14">
-              <p14:nvContentPartPr>
-                <p14:cNvPr id="20" name="Ink 19">
-                  <a:extLst>
-                    <a:ext uri="{FF2B5EF4-FFF2-40B4-BE49-F238E27FC236}">
-                      <a16:creationId xmlns:a16="http://schemas.microsoft.com/office/drawing/2014/main" id="{FC5F905B-EB14-64F2-67C9-6AC0CE3568D6}"/>
-                    </a:ext>
-                  </a:extLst>
-                </p14:cNvPr>
-                <p14:cNvContentPartPr/>
-                <p14:nvPr/>
-              </p14:nvContentPartPr>
-              <p14:xfrm>
-                <a:off x="3552566" y="5038714"/>
-                <a:ext cx="101880" cy="131400"/>
-              </p14:xfrm>
-            </p:contentPart>
-          </mc:Choice>
-          <mc:Fallback xmlns="">
-            <p:pic>
-              <p:nvPicPr>
-                <p:cNvPr id="20" name="Ink 19">
-                  <a:extLst>
-                    <a:ext uri="{FF2B5EF4-FFF2-40B4-BE49-F238E27FC236}">
-                      <a16:creationId xmlns:a16="http://schemas.microsoft.com/office/drawing/2014/main" id="{FC5F905B-EB14-64F2-67C9-6AC0CE3568D6}"/>
-                    </a:ext>
-                  </a:extLst>
-                </p:cNvPr>
-                <p:cNvPicPr/>
-                <p:nvPr/>
-              </p:nvPicPr>
-              <p:blipFill>
-                <a:blip r:embed="rId15"/>
-                <a:stretch>
-                  <a:fillRect/>
-                </a:stretch>
-              </p:blipFill>
-              <p:spPr>
-                <a:xfrm>
-                  <a:off x="3543926" y="5030074"/>
-                  <a:ext cx="119520" cy="149040"/>
-                </a:xfrm>
-                <a:prstGeom prst="rect">
-                  <a:avLst/>
-                </a:prstGeom>
-              </p:spPr>
-            </p:pic>
-          </mc:Fallback>
-        </mc:AlternateContent>
-        <mc:AlternateContent xmlns:mc="http://schemas.openxmlformats.org/markup-compatibility/2006" xmlns:p14="http://schemas.microsoft.com/office/powerpoint/2010/main">
-          <mc:Choice Requires="p14">
-            <p:contentPart p14:bwMode="auto" r:id="rId16">
-              <p14:nvContentPartPr>
-                <p14:cNvPr id="21" name="Ink 20">
-                  <a:extLst>
-                    <a:ext uri="{FF2B5EF4-FFF2-40B4-BE49-F238E27FC236}">
-                      <a16:creationId xmlns:a16="http://schemas.microsoft.com/office/drawing/2014/main" id="{52E4067F-986D-CD36-5656-7378E9E6BBDF}"/>
-                    </a:ext>
-                  </a:extLst>
-                </p14:cNvPr>
-                <p14:cNvContentPartPr/>
-                <p14:nvPr/>
-              </p14:nvContentPartPr>
-              <p14:xfrm>
-                <a:off x="3782606" y="5053474"/>
-                <a:ext cx="78120" cy="153360"/>
-              </p14:xfrm>
-            </p:contentPart>
-          </mc:Choice>
-          <mc:Fallback xmlns="">
-            <p:pic>
-              <p:nvPicPr>
-                <p:cNvPr id="21" name="Ink 20">
-                  <a:extLst>
-                    <a:ext uri="{FF2B5EF4-FFF2-40B4-BE49-F238E27FC236}">
-                      <a16:creationId xmlns:a16="http://schemas.microsoft.com/office/drawing/2014/main" id="{52E4067F-986D-CD36-5656-7378E9E6BBDF}"/>
-                    </a:ext>
-                  </a:extLst>
-                </p:cNvPr>
-                <p:cNvPicPr/>
-                <p:nvPr/>
-              </p:nvPicPr>
-              <p:blipFill>
-                <a:blip r:embed="rId17"/>
-                <a:stretch>
-                  <a:fillRect/>
-                </a:stretch>
-              </p:blipFill>
-              <p:spPr>
-                <a:xfrm>
-                  <a:off x="3773606" y="5044474"/>
-                  <a:ext cx="95760" cy="171000"/>
-                </a:xfrm>
-                <a:prstGeom prst="rect">
-                  <a:avLst/>
-                </a:prstGeom>
-              </p:spPr>
-            </p:pic>
-          </mc:Fallback>
-        </mc:AlternateContent>
-      </p:grpSp>
-      <p:grpSp>
-        <p:nvGrpSpPr>
-          <p:cNvPr id="25" name="Group 24">
-            <a:extLst>
-              <a:ext uri="{FF2B5EF4-FFF2-40B4-BE49-F238E27FC236}">
-                <a16:creationId xmlns:a16="http://schemas.microsoft.com/office/drawing/2014/main" id="{63BFF0FD-3D15-A810-4D52-71542F6EBBC1}"/>
-              </a:ext>
-            </a:extLst>
-          </p:cNvPr>
-          <p:cNvGrpSpPr/>
-          <p:nvPr/>
-        </p:nvGrpSpPr>
-        <p:grpSpPr>
-          <a:xfrm>
-            <a:off x="1050566" y="4689874"/>
-            <a:ext cx="909360" cy="523800"/>
-            <a:chOff x="1050566" y="4689874"/>
-            <a:chExt cx="909360" cy="523800"/>
-          </a:xfrm>
-        </p:grpSpPr>
-        <mc:AlternateContent xmlns:mc="http://schemas.openxmlformats.org/markup-compatibility/2006" xmlns:p14="http://schemas.microsoft.com/office/powerpoint/2010/main">
-          <mc:Choice Requires="p14">
-            <p:contentPart p14:bwMode="auto" r:id="rId18">
-              <p14:nvContentPartPr>
-                <p14:cNvPr id="9" name="Ink 8">
-                  <a:extLst>
-                    <a:ext uri="{FF2B5EF4-FFF2-40B4-BE49-F238E27FC236}">
-                      <a16:creationId xmlns:a16="http://schemas.microsoft.com/office/drawing/2014/main" id="{4F64B4E5-EB54-3F2A-C8D6-0160B6D86014}"/>
-                    </a:ext>
-                  </a:extLst>
-                </p14:cNvPr>
-                <p14:cNvContentPartPr/>
-                <p14:nvPr/>
-              </p14:nvContentPartPr>
-              <p14:xfrm>
-                <a:off x="1050566" y="5009194"/>
-                <a:ext cx="199440" cy="204480"/>
-              </p14:xfrm>
-            </p:contentPart>
-          </mc:Choice>
-          <mc:Fallback xmlns="">
-            <p:pic>
-              <p:nvPicPr>
-                <p:cNvPr id="9" name="Ink 8">
-                  <a:extLst>
-                    <a:ext uri="{FF2B5EF4-FFF2-40B4-BE49-F238E27FC236}">
-                      <a16:creationId xmlns:a16="http://schemas.microsoft.com/office/drawing/2014/main" id="{4F64B4E5-EB54-3F2A-C8D6-0160B6D86014}"/>
-                    </a:ext>
-                  </a:extLst>
-                </p:cNvPr>
-                <p:cNvPicPr/>
-                <p:nvPr/>
-              </p:nvPicPr>
-              <p:blipFill>
-                <a:blip r:embed="rId19"/>
-                <a:stretch>
-                  <a:fillRect/>
-                </a:stretch>
-              </p:blipFill>
-              <p:spPr>
-                <a:xfrm>
-                  <a:off x="1041566" y="5000194"/>
-                  <a:ext cx="217080" cy="222120"/>
-                </a:xfrm>
-                <a:prstGeom prst="rect">
-                  <a:avLst/>
-                </a:prstGeom>
-              </p:spPr>
-            </p:pic>
-          </mc:Fallback>
-        </mc:AlternateContent>
-        <mc:AlternateContent xmlns:mc="http://schemas.openxmlformats.org/markup-compatibility/2006" xmlns:p14="http://schemas.microsoft.com/office/powerpoint/2010/main">
-          <mc:Choice Requires="p14">
-            <p:contentPart p14:bwMode="auto" r:id="rId20">
-              <p14:nvContentPartPr>
-                <p14:cNvPr id="10" name="Ink 9">
-                  <a:extLst>
-                    <a:ext uri="{FF2B5EF4-FFF2-40B4-BE49-F238E27FC236}">
-                      <a16:creationId xmlns:a16="http://schemas.microsoft.com/office/drawing/2014/main" id="{9AA190CE-B9AF-8013-7F94-D38387307064}"/>
-                    </a:ext>
-                  </a:extLst>
-                </p14:cNvPr>
-                <p14:cNvContentPartPr/>
-                <p14:nvPr/>
-              </p14:nvContentPartPr>
-              <p14:xfrm>
-                <a:off x="1312646" y="5060314"/>
-                <a:ext cx="54720" cy="85680"/>
-              </p14:xfrm>
-            </p:contentPart>
-          </mc:Choice>
-          <mc:Fallback xmlns="">
-            <p:pic>
-              <p:nvPicPr>
-                <p:cNvPr id="10" name="Ink 9">
-                  <a:extLst>
-                    <a:ext uri="{FF2B5EF4-FFF2-40B4-BE49-F238E27FC236}">
-                      <a16:creationId xmlns:a16="http://schemas.microsoft.com/office/drawing/2014/main" id="{9AA190CE-B9AF-8013-7F94-D38387307064}"/>
-                    </a:ext>
-                  </a:extLst>
-                </p:cNvPr>
-                <p:cNvPicPr/>
-                <p:nvPr/>
-              </p:nvPicPr>
-              <p:blipFill>
-                <a:blip r:embed="rId21"/>
-                <a:stretch>
-                  <a:fillRect/>
-                </a:stretch>
-              </p:blipFill>
-              <p:spPr>
-                <a:xfrm>
-                  <a:off x="1303646" y="5051674"/>
-                  <a:ext cx="72360" cy="103320"/>
-                </a:xfrm>
-                <a:prstGeom prst="rect">
-                  <a:avLst/>
-                </a:prstGeom>
-              </p:spPr>
-            </p:pic>
-          </mc:Fallback>
-        </mc:AlternateContent>
-        <mc:AlternateContent xmlns:mc="http://schemas.openxmlformats.org/markup-compatibility/2006" xmlns:p14="http://schemas.microsoft.com/office/powerpoint/2010/main">
-          <mc:Choice Requires="p14">
-            <p:contentPart p14:bwMode="auto" r:id="rId22">
-              <p14:nvContentPartPr>
-                <p14:cNvPr id="11" name="Ink 10">
-                  <a:extLst>
-                    <a:ext uri="{FF2B5EF4-FFF2-40B4-BE49-F238E27FC236}">
-                      <a16:creationId xmlns:a16="http://schemas.microsoft.com/office/drawing/2014/main" id="{EAA66E25-1559-E188-E235-85029A941EA3}"/>
-                    </a:ext>
-                  </a:extLst>
-                </p14:cNvPr>
-                <p14:cNvContentPartPr/>
-                <p14:nvPr/>
-              </p14:nvContentPartPr>
-              <p14:xfrm>
-                <a:off x="1436486" y="5049514"/>
-                <a:ext cx="149400" cy="74520"/>
-              </p14:xfrm>
-            </p:contentPart>
-          </mc:Choice>
-          <mc:Fallback xmlns="">
-            <p:pic>
-              <p:nvPicPr>
-                <p:cNvPr id="11" name="Ink 10">
-                  <a:extLst>
-                    <a:ext uri="{FF2B5EF4-FFF2-40B4-BE49-F238E27FC236}">
-                      <a16:creationId xmlns:a16="http://schemas.microsoft.com/office/drawing/2014/main" id="{EAA66E25-1559-E188-E235-85029A941EA3}"/>
-                    </a:ext>
-                  </a:extLst>
-                </p:cNvPr>
-                <p:cNvPicPr/>
-                <p:nvPr/>
-              </p:nvPicPr>
-              <p:blipFill>
-                <a:blip r:embed="rId23"/>
-                <a:stretch>
-                  <a:fillRect/>
-                </a:stretch>
-              </p:blipFill>
-              <p:spPr>
-                <a:xfrm>
-                  <a:off x="1427486" y="5040514"/>
-                  <a:ext cx="167040" cy="92160"/>
-                </a:xfrm>
-                <a:prstGeom prst="rect">
-                  <a:avLst/>
-                </a:prstGeom>
-              </p:spPr>
-            </p:pic>
-          </mc:Fallback>
-        </mc:AlternateContent>
-        <mc:AlternateContent xmlns:mc="http://schemas.openxmlformats.org/markup-compatibility/2006" xmlns:p14="http://schemas.microsoft.com/office/powerpoint/2010/main">
-          <mc:Choice Requires="p14">
-            <p:contentPart p14:bwMode="auto" r:id="rId24">
-              <p14:nvContentPartPr>
-                <p14:cNvPr id="12" name="Ink 11">
-                  <a:extLst>
-                    <a:ext uri="{FF2B5EF4-FFF2-40B4-BE49-F238E27FC236}">
-                      <a16:creationId xmlns:a16="http://schemas.microsoft.com/office/drawing/2014/main" id="{D62F3D9C-ACDF-F40E-36B4-031ED5BC5D3A}"/>
-                    </a:ext>
-                  </a:extLst>
-                </p14:cNvPr>
-                <p14:cNvContentPartPr/>
-                <p14:nvPr/>
-              </p14:nvContentPartPr>
-              <p14:xfrm>
-                <a:off x="1673006" y="4986874"/>
-                <a:ext cx="62640" cy="147240"/>
-              </p14:xfrm>
-            </p:contentPart>
-          </mc:Choice>
-          <mc:Fallback xmlns="">
-            <p:pic>
-              <p:nvPicPr>
-                <p:cNvPr id="12" name="Ink 11">
-                  <a:extLst>
-                    <a:ext uri="{FF2B5EF4-FFF2-40B4-BE49-F238E27FC236}">
-                      <a16:creationId xmlns:a16="http://schemas.microsoft.com/office/drawing/2014/main" id="{D62F3D9C-ACDF-F40E-36B4-031ED5BC5D3A}"/>
-                    </a:ext>
-                  </a:extLst>
-                </p:cNvPr>
-                <p:cNvPicPr/>
-                <p:nvPr/>
-              </p:nvPicPr>
-              <p:blipFill>
-                <a:blip r:embed="rId25"/>
-                <a:stretch>
-                  <a:fillRect/>
-                </a:stretch>
-              </p:blipFill>
-              <p:spPr>
-                <a:xfrm>
-                  <a:off x="1664006" y="4978234"/>
-                  <a:ext cx="80280" cy="164880"/>
-                </a:xfrm>
-                <a:prstGeom prst="rect">
-                  <a:avLst/>
-                </a:prstGeom>
-              </p:spPr>
-            </p:pic>
-          </mc:Fallback>
-        </mc:AlternateContent>
-        <mc:AlternateContent xmlns:mc="http://schemas.openxmlformats.org/markup-compatibility/2006" xmlns:p14="http://schemas.microsoft.com/office/powerpoint/2010/main">
-          <mc:Choice Requires="p14">
-            <p:contentPart p14:bwMode="auto" r:id="rId26">
-              <p14:nvContentPartPr>
-                <p14:cNvPr id="13" name="Ink 12">
-                  <a:extLst>
-                    <a:ext uri="{FF2B5EF4-FFF2-40B4-BE49-F238E27FC236}">
-                      <a16:creationId xmlns:a16="http://schemas.microsoft.com/office/drawing/2014/main" id="{72E51F6F-2D68-674C-8D9D-19510EB408C3}"/>
-                    </a:ext>
-                  </a:extLst>
-                </p14:cNvPr>
-                <p14:cNvContentPartPr/>
-                <p14:nvPr/>
-              </p14:nvContentPartPr>
-              <p14:xfrm>
-                <a:off x="1913486" y="5003434"/>
-                <a:ext cx="46440" cy="116640"/>
-              </p14:xfrm>
-            </p:contentPart>
-          </mc:Choice>
-          <mc:Fallback xmlns="">
-            <p:pic>
-              <p:nvPicPr>
-                <p:cNvPr id="13" name="Ink 12">
-                  <a:extLst>
-                    <a:ext uri="{FF2B5EF4-FFF2-40B4-BE49-F238E27FC236}">
-                      <a16:creationId xmlns:a16="http://schemas.microsoft.com/office/drawing/2014/main" id="{72E51F6F-2D68-674C-8D9D-19510EB408C3}"/>
-                    </a:ext>
-                  </a:extLst>
-                </p:cNvPr>
-                <p:cNvPicPr/>
-                <p:nvPr/>
-              </p:nvPicPr>
-              <p:blipFill>
-                <a:blip r:embed="rId27"/>
-                <a:stretch>
-                  <a:fillRect/>
-                </a:stretch>
-              </p:blipFill>
-              <p:spPr>
-                <a:xfrm>
-                  <a:off x="1904486" y="4994794"/>
-                  <a:ext cx="64080" cy="134280"/>
-                </a:xfrm>
-                <a:prstGeom prst="rect">
-                  <a:avLst/>
-                </a:prstGeom>
-              </p:spPr>
-            </p:pic>
-          </mc:Fallback>
-        </mc:AlternateContent>
-        <mc:AlternateContent xmlns:mc="http://schemas.openxmlformats.org/markup-compatibility/2006" xmlns:p14="http://schemas.microsoft.com/office/powerpoint/2010/main">
-          <mc:Choice Requires="p14">
-            <p:contentPart p14:bwMode="auto" r:id="rId28">
-              <p14:nvContentPartPr>
-                <p14:cNvPr id="22" name="Ink 21">
-                  <a:extLst>
-                    <a:ext uri="{FF2B5EF4-FFF2-40B4-BE49-F238E27FC236}">
-                      <a16:creationId xmlns:a16="http://schemas.microsoft.com/office/drawing/2014/main" id="{53A453C0-CE21-2A49-6303-4144871BA393}"/>
-                    </a:ext>
-                  </a:extLst>
-                </p14:cNvPr>
-                <p14:cNvContentPartPr/>
-                <p14:nvPr/>
-              </p14:nvContentPartPr>
-              <p14:xfrm>
-                <a:off x="1557086" y="4689874"/>
-                <a:ext cx="83160" cy="317880"/>
-              </p14:xfrm>
-            </p:contentPart>
-          </mc:Choice>
-          <mc:Fallback xmlns="">
-            <p:pic>
-              <p:nvPicPr>
-                <p:cNvPr id="22" name="Ink 21">
-                  <a:extLst>
-                    <a:ext uri="{FF2B5EF4-FFF2-40B4-BE49-F238E27FC236}">
-                      <a16:creationId xmlns:a16="http://schemas.microsoft.com/office/drawing/2014/main" id="{53A453C0-CE21-2A49-6303-4144871BA393}"/>
-                    </a:ext>
-                  </a:extLst>
-                </p:cNvPr>
-                <p:cNvPicPr/>
-                <p:nvPr/>
-              </p:nvPicPr>
-              <p:blipFill>
-                <a:blip r:embed="rId29"/>
-                <a:stretch>
-                  <a:fillRect/>
-                </a:stretch>
-              </p:blipFill>
-              <p:spPr>
-                <a:xfrm>
-                  <a:off x="1548086" y="4680874"/>
-                  <a:ext cx="100800" cy="335520"/>
-                </a:xfrm>
-                <a:prstGeom prst="rect">
-                  <a:avLst/>
-                </a:prstGeom>
-              </p:spPr>
-            </p:pic>
-          </mc:Fallback>
-        </mc:AlternateContent>
-        <mc:AlternateContent xmlns:mc="http://schemas.openxmlformats.org/markup-compatibility/2006" xmlns:p14="http://schemas.microsoft.com/office/powerpoint/2010/main">
-          <mc:Choice Requires="p14">
-            <p:contentPart p14:bwMode="auto" r:id="rId30">
-              <p14:nvContentPartPr>
-                <p14:cNvPr id="23" name="Ink 22">
-                  <a:extLst>
-                    <a:ext uri="{FF2B5EF4-FFF2-40B4-BE49-F238E27FC236}">
-                      <a16:creationId xmlns:a16="http://schemas.microsoft.com/office/drawing/2014/main" id="{DFF0CB6E-14F1-45C3-8B72-514412D8BD57}"/>
-                    </a:ext>
-                  </a:extLst>
-                </p14:cNvPr>
-                <p14:cNvContentPartPr/>
-                <p14:nvPr/>
-              </p14:nvContentPartPr>
-              <p14:xfrm>
-                <a:off x="1670486" y="4692394"/>
-                <a:ext cx="182880" cy="59760"/>
-              </p14:xfrm>
-            </p:contentPart>
-          </mc:Choice>
-          <mc:Fallback xmlns="">
-            <p:pic>
-              <p:nvPicPr>
-                <p:cNvPr id="23" name="Ink 22">
-                  <a:extLst>
-                    <a:ext uri="{FF2B5EF4-FFF2-40B4-BE49-F238E27FC236}">
-                      <a16:creationId xmlns:a16="http://schemas.microsoft.com/office/drawing/2014/main" id="{DFF0CB6E-14F1-45C3-8B72-514412D8BD57}"/>
-                    </a:ext>
-                  </a:extLst>
-                </p:cNvPr>
-                <p:cNvPicPr/>
-                <p:nvPr/>
-              </p:nvPicPr>
-              <p:blipFill>
-                <a:blip r:embed="rId31"/>
-                <a:stretch>
-                  <a:fillRect/>
-                </a:stretch>
-              </p:blipFill>
-              <p:spPr>
-                <a:xfrm>
-                  <a:off x="1661846" y="4683394"/>
-                  <a:ext cx="200520" cy="77400"/>
-                </a:xfrm>
-                <a:prstGeom prst="rect">
-                  <a:avLst/>
-                </a:prstGeom>
-              </p:spPr>
-            </p:pic>
-          </mc:Fallback>
-        </mc:AlternateContent>
-      </p:grpSp>
-      <mc:AlternateContent xmlns:mc="http://schemas.openxmlformats.org/markup-compatibility/2006" xmlns:p14="http://schemas.microsoft.com/office/powerpoint/2010/main">
-        <mc:Choice Requires="p14">
-          <p:contentPart p14:bwMode="auto" r:id="rId32">
-            <p14:nvContentPartPr>
-              <p14:cNvPr id="24" name="Ink 23">
-                <a:extLst>
-                  <a:ext uri="{FF2B5EF4-FFF2-40B4-BE49-F238E27FC236}">
-                    <a16:creationId xmlns:a16="http://schemas.microsoft.com/office/drawing/2014/main" id="{7F98725E-1A75-C517-5EEE-5B9DA49E41A6}"/>
-                  </a:ext>
-                </a:extLst>
-              </p14:cNvPr>
-              <p14:cNvContentPartPr/>
-              <p14:nvPr/>
-            </p14:nvContentPartPr>
-            <p14:xfrm>
-              <a:off x="3303086" y="4789594"/>
-              <a:ext cx="123120" cy="177840"/>
-            </p14:xfrm>
-          </p:contentPart>
-        </mc:Choice>
-        <mc:Fallback xmlns="">
-          <p:pic>
-            <p:nvPicPr>
-              <p:cNvPr id="24" name="Ink 23">
-                <a:extLst>
-                  <a:ext uri="{FF2B5EF4-FFF2-40B4-BE49-F238E27FC236}">
-                    <a16:creationId xmlns:a16="http://schemas.microsoft.com/office/drawing/2014/main" id="{7F98725E-1A75-C517-5EEE-5B9DA49E41A6}"/>
-                  </a:ext>
-                </a:extLst>
-              </p:cNvPr>
-              <p:cNvPicPr/>
-              <p:nvPr/>
-            </p:nvPicPr>
-            <p:blipFill>
-              <a:blip r:embed="rId33"/>
-              <a:stretch>
-                <a:fillRect/>
-              </a:stretch>
-            </p:blipFill>
-            <p:spPr>
-              <a:xfrm>
-                <a:off x="3294086" y="4780954"/>
-                <a:ext cx="140760" cy="195480"/>
-              </a:xfrm>
-              <a:prstGeom prst="rect">
-                <a:avLst/>
-              </a:prstGeom>
-            </p:spPr>
-          </p:pic>
-        </mc:Fallback>
-      </mc:AlternateContent>
-      <mc:AlternateContent xmlns:mc="http://schemas.openxmlformats.org/markup-compatibility/2006" xmlns:p14="http://schemas.microsoft.com/office/powerpoint/2010/main">
-        <mc:Choice Requires="p14">
-          <p:contentPart p14:bwMode="auto" r:id="rId34">
-            <p14:nvContentPartPr>
-              <p14:cNvPr id="31" name="Ink 30">
-                <a:extLst>
-                  <a:ext uri="{FF2B5EF4-FFF2-40B4-BE49-F238E27FC236}">
-                    <a16:creationId xmlns:a16="http://schemas.microsoft.com/office/drawing/2014/main" id="{518F5329-DA00-40C7-FDC0-AF4C89DD827C}"/>
-                  </a:ext>
-                </a:extLst>
-              </p14:cNvPr>
-              <p14:cNvContentPartPr/>
-              <p14:nvPr/>
-            </p14:nvContentPartPr>
-            <p14:xfrm>
-              <a:off x="3230366" y="1035154"/>
-              <a:ext cx="96480" cy="219240"/>
-            </p14:xfrm>
-          </p:contentPart>
-        </mc:Choice>
-        <mc:Fallback xmlns="">
-          <p:pic>
-            <p:nvPicPr>
-              <p:cNvPr id="31" name="Ink 30">
-                <a:extLst>
-                  <a:ext uri="{FF2B5EF4-FFF2-40B4-BE49-F238E27FC236}">
-                    <a16:creationId xmlns:a16="http://schemas.microsoft.com/office/drawing/2014/main" id="{518F5329-DA00-40C7-FDC0-AF4C89DD827C}"/>
-                  </a:ext>
-                </a:extLst>
-              </p:cNvPr>
-              <p:cNvPicPr/>
-              <p:nvPr/>
-            </p:nvPicPr>
-            <p:blipFill>
-              <a:blip r:embed="rId35"/>
-              <a:stretch>
-                <a:fillRect/>
-              </a:stretch>
-            </p:blipFill>
-            <p:spPr>
-              <a:xfrm>
-                <a:off x="3221366" y="1026154"/>
-                <a:ext cx="114120" cy="236880"/>
-              </a:xfrm>
-              <a:prstGeom prst="rect">
-                <a:avLst/>
-              </a:prstGeom>
-            </p:spPr>
-          </p:pic>
-        </mc:Fallback>
-      </mc:AlternateContent>
-      <mc:AlternateContent xmlns:mc="http://schemas.openxmlformats.org/markup-compatibility/2006" xmlns:p14="http://schemas.microsoft.com/office/powerpoint/2010/main">
-        <mc:Choice Requires="p14">
-          <p:contentPart p14:bwMode="auto" r:id="rId36">
-            <p14:nvContentPartPr>
-              <p14:cNvPr id="32" name="Ink 31">
-                <a:extLst>
-                  <a:ext uri="{FF2B5EF4-FFF2-40B4-BE49-F238E27FC236}">
-                    <a16:creationId xmlns:a16="http://schemas.microsoft.com/office/drawing/2014/main" id="{165F9865-B595-9F4E-452B-8791A9E2688D}"/>
-                  </a:ext>
-                </a:extLst>
-              </p14:cNvPr>
-              <p14:cNvContentPartPr/>
-              <p14:nvPr/>
-            </p14:nvContentPartPr>
-            <p14:xfrm>
-              <a:off x="3295886" y="1041634"/>
-              <a:ext cx="228600" cy="85320"/>
-            </p14:xfrm>
-          </p:contentPart>
-        </mc:Choice>
-        <mc:Fallback xmlns="">
-          <p:pic>
-            <p:nvPicPr>
-              <p:cNvPr id="32" name="Ink 31">
-                <a:extLst>
-                  <a:ext uri="{FF2B5EF4-FFF2-40B4-BE49-F238E27FC236}">
-                    <a16:creationId xmlns:a16="http://schemas.microsoft.com/office/drawing/2014/main" id="{165F9865-B595-9F4E-452B-8791A9E2688D}"/>
-                  </a:ext>
-                </a:extLst>
-              </p:cNvPr>
-              <p:cNvPicPr/>
-              <p:nvPr/>
-            </p:nvPicPr>
-            <p:blipFill>
-              <a:blip r:embed="rId37"/>
-              <a:stretch>
-                <a:fillRect/>
-              </a:stretch>
-            </p:blipFill>
-            <p:spPr>
-              <a:xfrm>
-                <a:off x="3287246" y="1032634"/>
-                <a:ext cx="246240" cy="102960"/>
-              </a:xfrm>
-              <a:prstGeom prst="rect">
-                <a:avLst/>
-              </a:prstGeom>
-            </p:spPr>
-          </p:pic>
-        </mc:Fallback>
-      </mc:AlternateContent>
-      <p:grpSp>
-        <p:nvGrpSpPr>
-          <p:cNvPr id="47" name="Group 46">
-            <a:extLst>
-              <a:ext uri="{FF2B5EF4-FFF2-40B4-BE49-F238E27FC236}">
-                <a16:creationId xmlns:a16="http://schemas.microsoft.com/office/drawing/2014/main" id="{3CE6CE0B-9BDD-66F9-FA81-C31F9E332BE8}"/>
-              </a:ext>
-            </a:extLst>
-          </p:cNvPr>
-          <p:cNvGrpSpPr/>
-          <p:nvPr/>
-        </p:nvGrpSpPr>
-        <p:grpSpPr>
-          <a:xfrm>
-            <a:off x="1233086" y="364834"/>
-            <a:ext cx="802800" cy="925200"/>
-            <a:chOff x="1233086" y="364834"/>
-            <a:chExt cx="802800" cy="925200"/>
-          </a:xfrm>
-        </p:grpSpPr>
-        <mc:AlternateContent xmlns:mc="http://schemas.openxmlformats.org/markup-compatibility/2006" xmlns:p14="http://schemas.microsoft.com/office/powerpoint/2010/main">
-          <mc:Choice Requires="p14">
-            <p:contentPart p14:bwMode="auto" r:id="rId38">
-              <p14:nvContentPartPr>
-                <p14:cNvPr id="29" name="Ink 28">
-                  <a:extLst>
-                    <a:ext uri="{FF2B5EF4-FFF2-40B4-BE49-F238E27FC236}">
-                      <a16:creationId xmlns:a16="http://schemas.microsoft.com/office/drawing/2014/main" id="{3F36606E-DB7C-9A01-742B-4A73B9146028}"/>
-                    </a:ext>
-                  </a:extLst>
-                </p14:cNvPr>
-                <p14:cNvContentPartPr/>
-                <p14:nvPr/>
-              </p14:nvContentPartPr>
-              <p14:xfrm>
-                <a:off x="1414166" y="1076194"/>
-                <a:ext cx="115560" cy="213840"/>
-              </p14:xfrm>
-            </p:contentPart>
-          </mc:Choice>
-          <mc:Fallback xmlns="">
-            <p:pic>
-              <p:nvPicPr>
-                <p:cNvPr id="29" name="Ink 28">
-                  <a:extLst>
-                    <a:ext uri="{FF2B5EF4-FFF2-40B4-BE49-F238E27FC236}">
-                      <a16:creationId xmlns:a16="http://schemas.microsoft.com/office/drawing/2014/main" id="{3F36606E-DB7C-9A01-742B-4A73B9146028}"/>
-                    </a:ext>
-                  </a:extLst>
-                </p:cNvPr>
-                <p:cNvPicPr/>
-                <p:nvPr/>
-              </p:nvPicPr>
-              <p:blipFill>
-                <a:blip r:embed="rId39"/>
-                <a:stretch>
-                  <a:fillRect/>
-                </a:stretch>
-              </p:blipFill>
-              <p:spPr>
-                <a:xfrm>
-                  <a:off x="1405166" y="1067194"/>
-                  <a:ext cx="133200" cy="231480"/>
-                </a:xfrm>
-                <a:prstGeom prst="rect">
-                  <a:avLst/>
-                </a:prstGeom>
-              </p:spPr>
-            </p:pic>
-          </mc:Fallback>
-        </mc:AlternateContent>
-        <mc:AlternateContent xmlns:mc="http://schemas.openxmlformats.org/markup-compatibility/2006" xmlns:p14="http://schemas.microsoft.com/office/powerpoint/2010/main">
-          <mc:Choice Requires="p14">
-            <p:contentPart p14:bwMode="auto" r:id="rId40">
-              <p14:nvContentPartPr>
-                <p14:cNvPr id="30" name="Ink 29">
-                  <a:extLst>
-                    <a:ext uri="{FF2B5EF4-FFF2-40B4-BE49-F238E27FC236}">
-                      <a16:creationId xmlns:a16="http://schemas.microsoft.com/office/drawing/2014/main" id="{68850487-EF2A-1AEB-EF47-EBFD2E6830F2}"/>
-                    </a:ext>
-                  </a:extLst>
-                </p14:cNvPr>
-                <p14:cNvContentPartPr/>
-                <p14:nvPr/>
-              </p14:nvContentPartPr>
-              <p14:xfrm>
-                <a:off x="1474286" y="1079074"/>
-                <a:ext cx="293040" cy="97920"/>
-              </p14:xfrm>
-            </p:contentPart>
-          </mc:Choice>
-          <mc:Fallback xmlns="">
-            <p:pic>
-              <p:nvPicPr>
-                <p:cNvPr id="30" name="Ink 29">
-                  <a:extLst>
-                    <a:ext uri="{FF2B5EF4-FFF2-40B4-BE49-F238E27FC236}">
-                      <a16:creationId xmlns:a16="http://schemas.microsoft.com/office/drawing/2014/main" id="{68850487-EF2A-1AEB-EF47-EBFD2E6830F2}"/>
-                    </a:ext>
-                  </a:extLst>
-                </p:cNvPr>
-                <p:cNvPicPr/>
-                <p:nvPr/>
-              </p:nvPicPr>
-              <p:blipFill>
-                <a:blip r:embed="rId41"/>
-                <a:stretch>
-                  <a:fillRect/>
-                </a:stretch>
-              </p:blipFill>
-              <p:spPr>
-                <a:xfrm>
-                  <a:off x="1465286" y="1070074"/>
-                  <a:ext cx="310680" cy="115560"/>
-                </a:xfrm>
-                <a:prstGeom prst="rect">
-                  <a:avLst/>
-                </a:prstGeom>
-              </p:spPr>
-            </p:pic>
-          </mc:Fallback>
-        </mc:AlternateContent>
-        <mc:AlternateContent xmlns:mc="http://schemas.openxmlformats.org/markup-compatibility/2006" xmlns:p14="http://schemas.microsoft.com/office/powerpoint/2010/main">
-          <mc:Choice Requires="p14">
-            <p:contentPart p14:bwMode="auto" r:id="rId42">
-              <p14:nvContentPartPr>
-                <p14:cNvPr id="39" name="Ink 38">
-                  <a:extLst>
-                    <a:ext uri="{FF2B5EF4-FFF2-40B4-BE49-F238E27FC236}">
-                      <a16:creationId xmlns:a16="http://schemas.microsoft.com/office/drawing/2014/main" id="{FB24C760-CAE8-1831-CB7F-45114743699B}"/>
-                    </a:ext>
-                  </a:extLst>
-                </p14:cNvPr>
-                <p14:cNvContentPartPr/>
-                <p14:nvPr/>
-              </p14:nvContentPartPr>
-              <p14:xfrm>
-                <a:off x="1379966" y="848674"/>
-                <a:ext cx="389520" cy="205200"/>
-              </p14:xfrm>
-            </p:contentPart>
-          </mc:Choice>
-          <mc:Fallback xmlns="">
-            <p:pic>
-              <p:nvPicPr>
-                <p:cNvPr id="39" name="Ink 38">
-                  <a:extLst>
-                    <a:ext uri="{FF2B5EF4-FFF2-40B4-BE49-F238E27FC236}">
-                      <a16:creationId xmlns:a16="http://schemas.microsoft.com/office/drawing/2014/main" id="{FB24C760-CAE8-1831-CB7F-45114743699B}"/>
-                    </a:ext>
-                  </a:extLst>
-                </p:cNvPr>
-                <p:cNvPicPr/>
-                <p:nvPr/>
-              </p:nvPicPr>
-              <p:blipFill>
-                <a:blip r:embed="rId43"/>
-                <a:stretch>
-                  <a:fillRect/>
-                </a:stretch>
-              </p:blipFill>
-              <p:spPr>
-                <a:xfrm>
-                  <a:off x="1371326" y="839674"/>
-                  <a:ext cx="407160" cy="222840"/>
-                </a:xfrm>
-                <a:prstGeom prst="rect">
-                  <a:avLst/>
-                </a:prstGeom>
-              </p:spPr>
-            </p:pic>
-          </mc:Fallback>
-        </mc:AlternateContent>
-        <mc:AlternateContent xmlns:mc="http://schemas.openxmlformats.org/markup-compatibility/2006" xmlns:p14="http://schemas.microsoft.com/office/powerpoint/2010/main">
-          <mc:Choice Requires="p14">
-            <p:contentPart p14:bwMode="auto" r:id="rId44">
-              <p14:nvContentPartPr>
-                <p14:cNvPr id="40" name="Ink 39">
-                  <a:extLst>
-                    <a:ext uri="{FF2B5EF4-FFF2-40B4-BE49-F238E27FC236}">
-                      <a16:creationId xmlns:a16="http://schemas.microsoft.com/office/drawing/2014/main" id="{93AF16BA-2562-69DA-06FF-A2E347D9C831}"/>
-                    </a:ext>
-                  </a:extLst>
-                </p14:cNvPr>
-                <p14:cNvContentPartPr/>
-                <p14:nvPr/>
-              </p14:nvContentPartPr>
-              <p14:xfrm>
-                <a:off x="1526846" y="806554"/>
-                <a:ext cx="88920" cy="246240"/>
-              </p14:xfrm>
-            </p:contentPart>
-          </mc:Choice>
-          <mc:Fallback xmlns="">
-            <p:pic>
-              <p:nvPicPr>
-                <p:cNvPr id="40" name="Ink 39">
-                  <a:extLst>
-                    <a:ext uri="{FF2B5EF4-FFF2-40B4-BE49-F238E27FC236}">
-                      <a16:creationId xmlns:a16="http://schemas.microsoft.com/office/drawing/2014/main" id="{93AF16BA-2562-69DA-06FF-A2E347D9C831}"/>
-                    </a:ext>
-                  </a:extLst>
-                </p:cNvPr>
-                <p:cNvPicPr/>
-                <p:nvPr/>
-              </p:nvPicPr>
-              <p:blipFill>
-                <a:blip r:embed="rId45"/>
-                <a:stretch>
-                  <a:fillRect/>
-                </a:stretch>
-              </p:blipFill>
-              <p:spPr>
-                <a:xfrm>
-                  <a:off x="1518206" y="797554"/>
-                  <a:ext cx="106560" cy="263880"/>
-                </a:xfrm>
-                <a:prstGeom prst="rect">
-                  <a:avLst/>
-                </a:prstGeom>
-              </p:spPr>
-            </p:pic>
-          </mc:Fallback>
-        </mc:AlternateContent>
-        <mc:AlternateContent xmlns:mc="http://schemas.openxmlformats.org/markup-compatibility/2006" xmlns:p14="http://schemas.microsoft.com/office/powerpoint/2010/main">
-          <mc:Choice Requires="p14">
-            <p:contentPart p14:bwMode="auto" r:id="rId46">
-              <p14:nvContentPartPr>
-                <p14:cNvPr id="41" name="Ink 40">
-                  <a:extLst>
-                    <a:ext uri="{FF2B5EF4-FFF2-40B4-BE49-F238E27FC236}">
-                      <a16:creationId xmlns:a16="http://schemas.microsoft.com/office/drawing/2014/main" id="{BB4B6BAC-AC10-4626-910E-4796ADDB2A01}"/>
-                    </a:ext>
-                  </a:extLst>
-                </p14:cNvPr>
-                <p14:cNvContentPartPr/>
-                <p14:nvPr/>
-              </p14:nvContentPartPr>
-              <p14:xfrm>
-                <a:off x="1687406" y="842914"/>
-                <a:ext cx="35280" cy="147240"/>
-              </p14:xfrm>
-            </p:contentPart>
-          </mc:Choice>
-          <mc:Fallback xmlns="">
-            <p:pic>
-              <p:nvPicPr>
-                <p:cNvPr id="41" name="Ink 40">
-                  <a:extLst>
-                    <a:ext uri="{FF2B5EF4-FFF2-40B4-BE49-F238E27FC236}">
-                      <a16:creationId xmlns:a16="http://schemas.microsoft.com/office/drawing/2014/main" id="{BB4B6BAC-AC10-4626-910E-4796ADDB2A01}"/>
-                    </a:ext>
-                  </a:extLst>
-                </p:cNvPr>
-                <p:cNvPicPr/>
-                <p:nvPr/>
-              </p:nvPicPr>
-              <p:blipFill>
-                <a:blip r:embed="rId47"/>
-                <a:stretch>
-                  <a:fillRect/>
-                </a:stretch>
-              </p:blipFill>
-              <p:spPr>
-                <a:xfrm>
-                  <a:off x="1678766" y="834274"/>
-                  <a:ext cx="52920" cy="164880"/>
-                </a:xfrm>
-                <a:prstGeom prst="rect">
-                  <a:avLst/>
-                </a:prstGeom>
-              </p:spPr>
-            </p:pic>
-          </mc:Fallback>
-        </mc:AlternateContent>
-        <mc:AlternateContent xmlns:mc="http://schemas.openxmlformats.org/markup-compatibility/2006" xmlns:p14="http://schemas.microsoft.com/office/powerpoint/2010/main">
-          <mc:Choice Requires="p14">
-            <p:contentPart p14:bwMode="auto" r:id="rId48">
-              <p14:nvContentPartPr>
-                <p14:cNvPr id="42" name="Ink 41">
-                  <a:extLst>
-                    <a:ext uri="{FF2B5EF4-FFF2-40B4-BE49-F238E27FC236}">
-                      <a16:creationId xmlns:a16="http://schemas.microsoft.com/office/drawing/2014/main" id="{31D5CDA1-A9FB-3D4A-D9EA-8468C1F72AD6}"/>
-                    </a:ext>
-                  </a:extLst>
-                </p14:cNvPr>
-                <p14:cNvContentPartPr/>
-                <p14:nvPr/>
-              </p14:nvContentPartPr>
-              <p14:xfrm>
-                <a:off x="1241726" y="532954"/>
-                <a:ext cx="107640" cy="209520"/>
-              </p14:xfrm>
-            </p:contentPart>
-          </mc:Choice>
-          <mc:Fallback xmlns="">
-            <p:pic>
-              <p:nvPicPr>
-                <p:cNvPr id="42" name="Ink 41">
-                  <a:extLst>
-                    <a:ext uri="{FF2B5EF4-FFF2-40B4-BE49-F238E27FC236}">
-                      <a16:creationId xmlns:a16="http://schemas.microsoft.com/office/drawing/2014/main" id="{31D5CDA1-A9FB-3D4A-D9EA-8468C1F72AD6}"/>
-                    </a:ext>
-                  </a:extLst>
-                </p:cNvPr>
-                <p:cNvPicPr/>
-                <p:nvPr/>
-              </p:nvPicPr>
-              <p:blipFill>
-                <a:blip r:embed="rId49"/>
-                <a:stretch>
-                  <a:fillRect/>
-                </a:stretch>
-              </p:blipFill>
-              <p:spPr>
-                <a:xfrm>
-                  <a:off x="1232726" y="523954"/>
-                  <a:ext cx="125280" cy="227160"/>
-                </a:xfrm>
-                <a:prstGeom prst="rect">
-                  <a:avLst/>
-                </a:prstGeom>
-              </p:spPr>
-            </p:pic>
-          </mc:Fallback>
-        </mc:AlternateContent>
-        <mc:AlternateContent xmlns:mc="http://schemas.openxmlformats.org/markup-compatibility/2006" xmlns:p14="http://schemas.microsoft.com/office/powerpoint/2010/main">
-          <mc:Choice Requires="p14">
-            <p:contentPart p14:bwMode="auto" r:id="rId50">
-              <p14:nvContentPartPr>
-                <p14:cNvPr id="43" name="Ink 42">
-                  <a:extLst>
-                    <a:ext uri="{FF2B5EF4-FFF2-40B4-BE49-F238E27FC236}">
-                      <a16:creationId xmlns:a16="http://schemas.microsoft.com/office/drawing/2014/main" id="{71DD90B2-7C6E-1215-7F79-189E3B5518A0}"/>
-                    </a:ext>
-                  </a:extLst>
-                </p14:cNvPr>
-                <p14:cNvContentPartPr/>
-                <p14:nvPr/>
-              </p14:nvContentPartPr>
-              <p14:xfrm>
-                <a:off x="1233086" y="541594"/>
-                <a:ext cx="42120" cy="137160"/>
-              </p14:xfrm>
-            </p:contentPart>
-          </mc:Choice>
-          <mc:Fallback xmlns="">
-            <p:pic>
-              <p:nvPicPr>
-                <p:cNvPr id="43" name="Ink 42">
-                  <a:extLst>
-                    <a:ext uri="{FF2B5EF4-FFF2-40B4-BE49-F238E27FC236}">
-                      <a16:creationId xmlns:a16="http://schemas.microsoft.com/office/drawing/2014/main" id="{71DD90B2-7C6E-1215-7F79-189E3B5518A0}"/>
-                    </a:ext>
-                  </a:extLst>
-                </p:cNvPr>
-                <p:cNvPicPr/>
-                <p:nvPr/>
-              </p:nvPicPr>
-              <p:blipFill>
-                <a:blip r:embed="rId51"/>
-                <a:stretch>
-                  <a:fillRect/>
-                </a:stretch>
-              </p:blipFill>
-              <p:spPr>
-                <a:xfrm>
-                  <a:off x="1224446" y="532594"/>
-                  <a:ext cx="59760" cy="154800"/>
-                </a:xfrm>
-                <a:prstGeom prst="rect">
-                  <a:avLst/>
-                </a:prstGeom>
-              </p:spPr>
-            </p:pic>
-          </mc:Fallback>
-        </mc:AlternateContent>
-        <mc:AlternateContent xmlns:mc="http://schemas.openxmlformats.org/markup-compatibility/2006" xmlns:p14="http://schemas.microsoft.com/office/powerpoint/2010/main">
-          <mc:Choice Requires="p14">
-            <p:contentPart p14:bwMode="auto" r:id="rId52">
-              <p14:nvContentPartPr>
-                <p14:cNvPr id="44" name="Ink 43">
-                  <a:extLst>
-                    <a:ext uri="{FF2B5EF4-FFF2-40B4-BE49-F238E27FC236}">
-                      <a16:creationId xmlns:a16="http://schemas.microsoft.com/office/drawing/2014/main" id="{C51D2085-89F5-B74D-F2E4-9B6914506BC1}"/>
-                    </a:ext>
-                  </a:extLst>
-                </p14:cNvPr>
-                <p14:cNvContentPartPr/>
-                <p14:nvPr/>
-              </p14:nvContentPartPr>
-              <p14:xfrm>
-                <a:off x="1275566" y="521434"/>
-                <a:ext cx="197280" cy="52920"/>
-              </p14:xfrm>
-            </p:contentPart>
-          </mc:Choice>
-          <mc:Fallback xmlns="">
-            <p:pic>
-              <p:nvPicPr>
-                <p:cNvPr id="44" name="Ink 43">
-                  <a:extLst>
-                    <a:ext uri="{FF2B5EF4-FFF2-40B4-BE49-F238E27FC236}">
-                      <a16:creationId xmlns:a16="http://schemas.microsoft.com/office/drawing/2014/main" id="{C51D2085-89F5-B74D-F2E4-9B6914506BC1}"/>
-                    </a:ext>
-                  </a:extLst>
-                </p:cNvPr>
-                <p:cNvPicPr/>
-                <p:nvPr/>
-              </p:nvPicPr>
-              <p:blipFill>
-                <a:blip r:embed="rId53"/>
-                <a:stretch>
-                  <a:fillRect/>
-                </a:stretch>
-              </p:blipFill>
-              <p:spPr>
-                <a:xfrm>
-                  <a:off x="1266566" y="512434"/>
-                  <a:ext cx="214920" cy="70560"/>
-                </a:xfrm>
-                <a:prstGeom prst="rect">
-                  <a:avLst/>
-                </a:prstGeom>
-              </p:spPr>
-            </p:pic>
-          </mc:Fallback>
-        </mc:AlternateContent>
-        <mc:AlternateContent xmlns:mc="http://schemas.openxmlformats.org/markup-compatibility/2006" xmlns:p14="http://schemas.microsoft.com/office/powerpoint/2010/main">
-          <mc:Choice Requires="p14">
-            <p:contentPart p14:bwMode="auto" r:id="rId54">
-              <p14:nvContentPartPr>
-                <p14:cNvPr id="45" name="Ink 44">
-                  <a:extLst>
-                    <a:ext uri="{FF2B5EF4-FFF2-40B4-BE49-F238E27FC236}">
-                      <a16:creationId xmlns:a16="http://schemas.microsoft.com/office/drawing/2014/main" id="{7B452254-60F8-5386-370F-36AFDC906A03}"/>
-                    </a:ext>
-                  </a:extLst>
-                </p14:cNvPr>
-                <p14:cNvContentPartPr/>
-                <p14:nvPr/>
-              </p14:nvContentPartPr>
-              <p14:xfrm>
-                <a:off x="1635566" y="370594"/>
-                <a:ext cx="336960" cy="412560"/>
-              </p14:xfrm>
-            </p:contentPart>
-          </mc:Choice>
-          <mc:Fallback xmlns="">
-            <p:pic>
-              <p:nvPicPr>
-                <p:cNvPr id="45" name="Ink 44">
-                  <a:extLst>
-                    <a:ext uri="{FF2B5EF4-FFF2-40B4-BE49-F238E27FC236}">
-                      <a16:creationId xmlns:a16="http://schemas.microsoft.com/office/drawing/2014/main" id="{7B452254-60F8-5386-370F-36AFDC906A03}"/>
-                    </a:ext>
-                  </a:extLst>
-                </p:cNvPr>
-                <p:cNvPicPr/>
-                <p:nvPr/>
-              </p:nvPicPr>
-              <p:blipFill>
-                <a:blip r:embed="rId55"/>
-                <a:stretch>
-                  <a:fillRect/>
-                </a:stretch>
-              </p:blipFill>
-              <p:spPr>
-                <a:xfrm>
-                  <a:off x="1626926" y="361954"/>
-                  <a:ext cx="354600" cy="430200"/>
-                </a:xfrm>
-                <a:prstGeom prst="rect">
-                  <a:avLst/>
-                </a:prstGeom>
-              </p:spPr>
-            </p:pic>
-          </mc:Fallback>
-        </mc:AlternateContent>
-        <mc:AlternateContent xmlns:mc="http://schemas.openxmlformats.org/markup-compatibility/2006" xmlns:p14="http://schemas.microsoft.com/office/powerpoint/2010/main">
-          <mc:Choice Requires="p14">
-            <p:contentPart p14:bwMode="auto" r:id="rId56">
-              <p14:nvContentPartPr>
-                <p14:cNvPr id="46" name="Ink 45">
-                  <a:extLst>
-                    <a:ext uri="{FF2B5EF4-FFF2-40B4-BE49-F238E27FC236}">
-                      <a16:creationId xmlns:a16="http://schemas.microsoft.com/office/drawing/2014/main" id="{14CA2337-D690-2C9B-AD87-5E3A642C87F7}"/>
-                    </a:ext>
-                  </a:extLst>
-                </p14:cNvPr>
-                <p14:cNvContentPartPr/>
-                <p14:nvPr/>
-              </p14:nvContentPartPr>
-              <p14:xfrm>
-                <a:off x="1884686" y="364834"/>
-                <a:ext cx="151200" cy="177120"/>
-              </p14:xfrm>
-            </p:contentPart>
-          </mc:Choice>
-          <mc:Fallback xmlns="">
-            <p:pic>
-              <p:nvPicPr>
-                <p:cNvPr id="46" name="Ink 45">
-                  <a:extLst>
-                    <a:ext uri="{FF2B5EF4-FFF2-40B4-BE49-F238E27FC236}">
-                      <a16:creationId xmlns:a16="http://schemas.microsoft.com/office/drawing/2014/main" id="{14CA2337-D690-2C9B-AD87-5E3A642C87F7}"/>
-                    </a:ext>
-                  </a:extLst>
-                </p:cNvPr>
-                <p:cNvPicPr/>
-                <p:nvPr/>
-              </p:nvPicPr>
-              <p:blipFill>
-                <a:blip r:embed="rId57"/>
-                <a:stretch>
-                  <a:fillRect/>
-                </a:stretch>
-              </p:blipFill>
-              <p:spPr>
-                <a:xfrm>
-                  <a:off x="1876046" y="356194"/>
-                  <a:ext cx="168840" cy="194760"/>
-                </a:xfrm>
-                <a:prstGeom prst="rect">
-                  <a:avLst/>
-                </a:prstGeom>
-              </p:spPr>
-            </p:pic>
-          </mc:Fallback>
-        </mc:AlternateContent>
-      </p:grpSp>
-      <p:grpSp>
-        <p:nvGrpSpPr>
-          <p:cNvPr id="52" name="Group 51">
-            <a:extLst>
-              <a:ext uri="{FF2B5EF4-FFF2-40B4-BE49-F238E27FC236}">
-                <a16:creationId xmlns:a16="http://schemas.microsoft.com/office/drawing/2014/main" id="{EDA1CB69-4BF4-2A94-8332-2C723A5FE304}"/>
-              </a:ext>
-            </a:extLst>
-          </p:cNvPr>
-          <p:cNvGrpSpPr/>
-          <p:nvPr/>
-        </p:nvGrpSpPr>
-        <p:grpSpPr>
-          <a:xfrm>
-            <a:off x="5778446" y="5090914"/>
-            <a:ext cx="580680" cy="200520"/>
-            <a:chOff x="5778446" y="5090914"/>
-            <a:chExt cx="580680" cy="200520"/>
-          </a:xfrm>
-        </p:grpSpPr>
-        <mc:AlternateContent xmlns:mc="http://schemas.openxmlformats.org/markup-compatibility/2006" xmlns:p14="http://schemas.microsoft.com/office/powerpoint/2010/main">
-          <mc:Choice Requires="p14">
-            <p:contentPart p14:bwMode="auto" r:id="rId58">
-              <p14:nvContentPartPr>
-                <p14:cNvPr id="48" name="Ink 47">
-                  <a:extLst>
-                    <a:ext uri="{FF2B5EF4-FFF2-40B4-BE49-F238E27FC236}">
-                      <a16:creationId xmlns:a16="http://schemas.microsoft.com/office/drawing/2014/main" id="{CF632D5D-768B-1564-4BFA-A5AC16E07EA7}"/>
-                    </a:ext>
-                  </a:extLst>
-                </p14:cNvPr>
-                <p14:cNvContentPartPr/>
-                <p14:nvPr/>
-              </p14:nvContentPartPr>
-              <p14:xfrm>
-                <a:off x="5778446" y="5109994"/>
-                <a:ext cx="178200" cy="181440"/>
-              </p14:xfrm>
-            </p:contentPart>
-          </mc:Choice>
-          <mc:Fallback xmlns="">
-            <p:pic>
-              <p:nvPicPr>
-                <p:cNvPr id="48" name="Ink 47">
-                  <a:extLst>
-                    <a:ext uri="{FF2B5EF4-FFF2-40B4-BE49-F238E27FC236}">
-                      <a16:creationId xmlns:a16="http://schemas.microsoft.com/office/drawing/2014/main" id="{CF632D5D-768B-1564-4BFA-A5AC16E07EA7}"/>
-                    </a:ext>
-                  </a:extLst>
-                </p:cNvPr>
-                <p:cNvPicPr/>
-                <p:nvPr/>
-              </p:nvPicPr>
-              <p:blipFill>
-                <a:blip r:embed="rId59"/>
-                <a:stretch>
-                  <a:fillRect/>
-                </a:stretch>
-              </p:blipFill>
-              <p:spPr>
-                <a:xfrm>
-                  <a:off x="5769446" y="5100994"/>
-                  <a:ext cx="195840" cy="199080"/>
-                </a:xfrm>
-                <a:prstGeom prst="rect">
-                  <a:avLst/>
-                </a:prstGeom>
-              </p:spPr>
-            </p:pic>
-          </mc:Fallback>
-        </mc:AlternateContent>
-        <mc:AlternateContent xmlns:mc="http://schemas.openxmlformats.org/markup-compatibility/2006" xmlns:p14="http://schemas.microsoft.com/office/powerpoint/2010/main">
-          <mc:Choice Requires="p14">
-            <p:contentPart p14:bwMode="auto" r:id="rId60">
-              <p14:nvContentPartPr>
-                <p14:cNvPr id="49" name="Ink 48">
-                  <a:extLst>
-                    <a:ext uri="{FF2B5EF4-FFF2-40B4-BE49-F238E27FC236}">
-                      <a16:creationId xmlns:a16="http://schemas.microsoft.com/office/drawing/2014/main" id="{F86E5D60-66A2-4DA7-D766-C539BAD41CFE}"/>
-                    </a:ext>
-                  </a:extLst>
-                </p14:cNvPr>
-                <p14:cNvContentPartPr/>
-                <p14:nvPr/>
-              </p14:nvContentPartPr>
-              <p14:xfrm>
-                <a:off x="5956286" y="5090914"/>
-                <a:ext cx="60840" cy="144720"/>
-              </p14:xfrm>
-            </p:contentPart>
-          </mc:Choice>
-          <mc:Fallback xmlns="">
-            <p:pic>
-              <p:nvPicPr>
-                <p:cNvPr id="49" name="Ink 48">
-                  <a:extLst>
-                    <a:ext uri="{FF2B5EF4-FFF2-40B4-BE49-F238E27FC236}">
-                      <a16:creationId xmlns:a16="http://schemas.microsoft.com/office/drawing/2014/main" id="{F86E5D60-66A2-4DA7-D766-C539BAD41CFE}"/>
-                    </a:ext>
-                  </a:extLst>
-                </p:cNvPr>
-                <p:cNvPicPr/>
-                <p:nvPr/>
-              </p:nvPicPr>
-              <p:blipFill>
-                <a:blip r:embed="rId61"/>
-                <a:stretch>
-                  <a:fillRect/>
-                </a:stretch>
-              </p:blipFill>
-              <p:spPr>
-                <a:xfrm>
-                  <a:off x="5947646" y="5081914"/>
-                  <a:ext cx="78480" cy="162360"/>
-                </a:xfrm>
-                <a:prstGeom prst="rect">
-                  <a:avLst/>
-                </a:prstGeom>
-              </p:spPr>
-            </p:pic>
-          </mc:Fallback>
-        </mc:AlternateContent>
-        <mc:AlternateContent xmlns:mc="http://schemas.openxmlformats.org/markup-compatibility/2006" xmlns:p14="http://schemas.microsoft.com/office/powerpoint/2010/main">
-          <mc:Choice Requires="p14">
-            <p:contentPart p14:bwMode="auto" r:id="rId62">
-              <p14:nvContentPartPr>
-                <p14:cNvPr id="50" name="Ink 49">
-                  <a:extLst>
-                    <a:ext uri="{FF2B5EF4-FFF2-40B4-BE49-F238E27FC236}">
-                      <a16:creationId xmlns:a16="http://schemas.microsoft.com/office/drawing/2014/main" id="{084C33E9-0646-5A98-5B9B-6E1EFE46CFA9}"/>
-                    </a:ext>
-                  </a:extLst>
-                </p14:cNvPr>
-                <p14:cNvContentPartPr/>
-                <p14:nvPr/>
-              </p14:nvContentPartPr>
-              <p14:xfrm>
-                <a:off x="6076886" y="5149954"/>
-                <a:ext cx="71280" cy="116280"/>
-              </p14:xfrm>
-            </p:contentPart>
-          </mc:Choice>
-          <mc:Fallback xmlns="">
-            <p:pic>
-              <p:nvPicPr>
-                <p:cNvPr id="50" name="Ink 49">
-                  <a:extLst>
-                    <a:ext uri="{FF2B5EF4-FFF2-40B4-BE49-F238E27FC236}">
-                      <a16:creationId xmlns:a16="http://schemas.microsoft.com/office/drawing/2014/main" id="{084C33E9-0646-5A98-5B9B-6E1EFE46CFA9}"/>
-                    </a:ext>
-                  </a:extLst>
-                </p:cNvPr>
-                <p:cNvPicPr/>
-                <p:nvPr/>
-              </p:nvPicPr>
-              <p:blipFill>
-                <a:blip r:embed="rId63"/>
-                <a:stretch>
-                  <a:fillRect/>
-                </a:stretch>
-              </p:blipFill>
-              <p:spPr>
-                <a:xfrm>
-                  <a:off x="6067886" y="5140954"/>
-                  <a:ext cx="88920" cy="133920"/>
-                </a:xfrm>
-                <a:prstGeom prst="rect">
-                  <a:avLst/>
-                </a:prstGeom>
-              </p:spPr>
-            </p:pic>
-          </mc:Fallback>
-        </mc:AlternateContent>
-        <mc:AlternateContent xmlns:mc="http://schemas.openxmlformats.org/markup-compatibility/2006" xmlns:p14="http://schemas.microsoft.com/office/powerpoint/2010/main">
-          <mc:Choice Requires="p14">
-            <p:contentPart p14:bwMode="auto" r:id="rId64">
-              <p14:nvContentPartPr>
-                <p14:cNvPr id="51" name="Ink 50">
-                  <a:extLst>
-                    <a:ext uri="{FF2B5EF4-FFF2-40B4-BE49-F238E27FC236}">
-                      <a16:creationId xmlns:a16="http://schemas.microsoft.com/office/drawing/2014/main" id="{06B07D77-CCEB-EBF3-58A9-4734C14BEF32}"/>
-                    </a:ext>
-                  </a:extLst>
-                </p14:cNvPr>
-                <p14:cNvContentPartPr/>
-                <p14:nvPr/>
-              </p14:nvContentPartPr>
-              <p14:xfrm>
-                <a:off x="6246806" y="5102074"/>
-                <a:ext cx="112320" cy="160920"/>
-              </p14:xfrm>
-            </p:contentPart>
-          </mc:Choice>
-          <mc:Fallback xmlns="">
-            <p:pic>
-              <p:nvPicPr>
-                <p:cNvPr id="51" name="Ink 50">
-                  <a:extLst>
-                    <a:ext uri="{FF2B5EF4-FFF2-40B4-BE49-F238E27FC236}">
-                      <a16:creationId xmlns:a16="http://schemas.microsoft.com/office/drawing/2014/main" id="{06B07D77-CCEB-EBF3-58A9-4734C14BEF32}"/>
-                    </a:ext>
-                  </a:extLst>
-                </p:cNvPr>
-                <p:cNvPicPr/>
-                <p:nvPr/>
-              </p:nvPicPr>
-              <p:blipFill>
-                <a:blip r:embed="rId65"/>
-                <a:stretch>
-                  <a:fillRect/>
-                </a:stretch>
-              </p:blipFill>
-              <p:spPr>
-                <a:xfrm>
-                  <a:off x="6237806" y="5093074"/>
-                  <a:ext cx="129960" cy="178560"/>
-                </a:xfrm>
-                <a:prstGeom prst="rect">
-                  <a:avLst/>
-                </a:prstGeom>
-              </p:spPr>
-            </p:pic>
-          </mc:Fallback>
-        </mc:AlternateContent>
-      </p:grpSp>
+            <a:off x="838200" y="2384147"/>
+            <a:ext cx="10515600" cy="3234293"/>
+          </a:xfrm>
+        </p:spPr>
+      </p:pic>
     </p:spTree>
     <p:extLst>
       <p:ext uri="{BB962C8B-B14F-4D97-AF65-F5344CB8AC3E}">
-        <p14:creationId xmlns:p14="http://schemas.microsoft.com/office/powerpoint/2010/main" val="1490420219"/>
+        <p14:creationId xmlns:p14="http://schemas.microsoft.com/office/powerpoint/2010/main" val="1968197997"/>
       </p:ext>
     </p:extLst>
   </p:cSld>

--- a/EH-figures.pptx
+++ b/EH-figures.pptx
@@ -119,12 +119,12 @@
   <p:extLst>
     <p:ext uri="{EFAFB233-063F-42B5-8137-9DF3F51BA10A}">
       <p15:sldGuideLst xmlns:p15="http://schemas.microsoft.com/office/powerpoint/2012/main">
-        <p15:guide id="1" orient="horz" pos="3504" userDrawn="1">
+        <p15:guide id="1" orient="horz" pos="984" userDrawn="1">
           <p15:clr>
             <a:srgbClr val="A4A3A4"/>
           </p15:clr>
         </p15:guide>
-        <p15:guide id="2" pos="3024" userDrawn="1">
+        <p15:guide id="2" pos="816" userDrawn="1">
           <p15:clr>
             <a:srgbClr val="A4A3A4"/>
           </p15:clr>
@@ -35090,76 +35090,64 @@
             </a:pPr>
             <a:r>
               <a:rPr lang="en-US" sz="1800" i="0" u="none" strike="noStrike" dirty="0">
-                <a:solidFill>
-                  <a:srgbClr val="595959"/>
-                </a:solidFill>
                 <a:effectLst/>
                 <a:latin typeface="Arial" panose="020B0604020202020204" pitchFamily="34" charset="0"/>
+                <a:cs typeface="Arial" panose="020B0604020202020204" pitchFamily="34" charset="0"/>
               </a:rPr>
               <a:t>protected Class &lt;&lt; ? &gt; </a:t>
             </a:r>
             <a:r>
               <a:rPr lang="en-US" sz="1800" i="0" u="none" strike="noStrike" dirty="0" err="1">
-                <a:solidFill>
-                  <a:srgbClr val="595959"/>
-                </a:solidFill>
                 <a:effectLst/>
                 <a:latin typeface="Arial" panose="020B0604020202020204" pitchFamily="34" charset="0"/>
+                <a:cs typeface="Arial" panose="020B0604020202020204" pitchFamily="34" charset="0"/>
               </a:rPr>
               <a:t>loadClass</a:t>
             </a:r>
             <a:r>
               <a:rPr lang="en-US" sz="1800" i="0" u="none" strike="noStrike" dirty="0">
-                <a:solidFill>
-                  <a:srgbClr val="595959"/>
-                </a:solidFill>
                 <a:effectLst/>
                 <a:latin typeface="Arial" panose="020B0604020202020204" pitchFamily="34" charset="0"/>
+                <a:cs typeface="Arial" panose="020B0604020202020204" pitchFamily="34" charset="0"/>
               </a:rPr>
               <a:t>(String name, </a:t>
             </a:r>
             <a:r>
               <a:rPr lang="en-US" sz="1800" i="0" u="none" strike="noStrike" dirty="0" err="1">
-                <a:solidFill>
-                  <a:srgbClr val="595959"/>
-                </a:solidFill>
                 <a:effectLst/>
                 <a:latin typeface="Arial" panose="020B0604020202020204" pitchFamily="34" charset="0"/>
+                <a:cs typeface="Arial" panose="020B0604020202020204" pitchFamily="34" charset="0"/>
               </a:rPr>
               <a:t>boolean</a:t>
             </a:r>
             <a:r>
               <a:rPr lang="en-US" sz="1800" i="0" u="none" strike="noStrike" dirty="0">
-                <a:solidFill>
-                  <a:srgbClr val="595959"/>
-                </a:solidFill>
                 <a:effectLst/>
                 <a:latin typeface="Arial" panose="020B0604020202020204" pitchFamily="34" charset="0"/>
+                <a:cs typeface="Arial" panose="020B0604020202020204" pitchFamily="34" charset="0"/>
               </a:rPr>
               <a:t> resolve) throws </a:t>
             </a:r>
             <a:r>
               <a:rPr lang="en-US" sz="1800" i="0" u="none" strike="noStrike" dirty="0" err="1">
-                <a:solidFill>
-                  <a:srgbClr val="595959"/>
-                </a:solidFill>
                 <a:effectLst/>
                 <a:latin typeface="Arial" panose="020B0604020202020204" pitchFamily="34" charset="0"/>
+                <a:cs typeface="Arial" panose="020B0604020202020204" pitchFamily="34" charset="0"/>
               </a:rPr>
               <a:t>ClassNotFoundException</a:t>
             </a:r>
             <a:r>
               <a:rPr lang="en-US" sz="1800" i="0" u="none" strike="noStrike" dirty="0">
-                <a:solidFill>
-                  <a:srgbClr val="595959"/>
-                </a:solidFill>
                 <a:effectLst/>
                 <a:latin typeface="Arial" panose="020B0604020202020204" pitchFamily="34" charset="0"/>
+                <a:cs typeface="Arial" panose="020B0604020202020204" pitchFamily="34" charset="0"/>
               </a:rPr>
               <a:t> {</a:t>
             </a:r>
             <a:endParaRPr lang="en-US" dirty="0">
               <a:effectLst/>
+              <a:latin typeface="Arial" panose="020B0604020202020204" pitchFamily="34" charset="0"/>
+              <a:cs typeface="Arial" panose="020B0604020202020204" pitchFamily="34" charset="0"/>
             </a:endParaRPr>
           </a:p>
           <a:p>
@@ -35173,47 +35161,66 @@
               <a:buNone/>
             </a:pPr>
             <a:r>
-              <a:rPr lang="en-US" sz="1800" i="0" u="none" strike="noStrike" dirty="0">
+              <a:rPr lang="zh-CN" altLang="en-US" sz="1800" i="0" u="none" strike="noStrike" dirty="0">
                 <a:solidFill>
-                  <a:srgbClr val="595959"/>
+                  <a:schemeClr val="accent5">
+                    <a:lumMod val="75000"/>
+                  </a:schemeClr>
                 </a:solidFill>
                 <a:effectLst/>
                 <a:latin typeface="Arial" panose="020B0604020202020204" pitchFamily="34" charset="0"/>
+                <a:cs typeface="Arial" panose="020B0604020202020204" pitchFamily="34" charset="0"/>
               </a:rPr>
-              <a:t>   </a:t>
+              <a:t> </a:t>
             </a:r>
             <a:r>
               <a:rPr lang="en-US" sz="1800" i="0" u="none" strike="noStrike" dirty="0">
                 <a:solidFill>
-                  <a:srgbClr val="4285F4"/>
+                  <a:schemeClr val="accent5">
+                    <a:lumMod val="75000"/>
+                  </a:schemeClr>
                 </a:solidFill>
                 <a:effectLst/>
                 <a:latin typeface="Arial" panose="020B0604020202020204" pitchFamily="34" charset="0"/>
+                <a:cs typeface="Arial" panose="020B0604020202020204" pitchFamily="34" charset="0"/>
               </a:rPr>
-              <a:t> if (</a:t>
+              <a:t>   if (</a:t>
             </a:r>
             <a:r>
               <a:rPr lang="en-US" sz="1800" i="0" u="none" strike="noStrike" dirty="0" err="1">
                 <a:solidFill>
-                  <a:srgbClr val="4285F4"/>
+                  <a:schemeClr val="accent5">
+                    <a:lumMod val="75000"/>
+                  </a:schemeClr>
                 </a:solidFill>
                 <a:effectLst/>
                 <a:latin typeface="Arial" panose="020B0604020202020204" pitchFamily="34" charset="0"/>
+                <a:cs typeface="Arial" panose="020B0604020202020204" pitchFamily="34" charset="0"/>
               </a:rPr>
               <a:t>name.startsWith</a:t>
             </a:r>
             <a:r>
               <a:rPr lang="en-US" sz="1800" i="0" u="none" strike="noStrike" dirty="0">
                 <a:solidFill>
-                  <a:srgbClr val="4285F4"/>
+                  <a:schemeClr val="accent5">
+                    <a:lumMod val="75000"/>
+                  </a:schemeClr>
                 </a:solidFill>
                 <a:effectLst/>
                 <a:latin typeface="Arial" panose="020B0604020202020204" pitchFamily="34" charset="0"/>
+                <a:cs typeface="Arial" panose="020B0604020202020204" pitchFamily="34" charset="0"/>
               </a:rPr>
               <a:t>(Test.class.getName())) {</a:t>
             </a:r>
             <a:endParaRPr lang="en-US" dirty="0">
+              <a:solidFill>
+                <a:schemeClr val="accent5">
+                  <a:lumMod val="75000"/>
+                </a:schemeClr>
+              </a:solidFill>
               <a:effectLst/>
+              <a:latin typeface="Arial" panose="020B0604020202020204" pitchFamily="34" charset="0"/>
+              <a:cs typeface="Arial" panose="020B0604020202020204" pitchFamily="34" charset="0"/>
             </a:endParaRPr>
           </a:p>
           <a:p>
@@ -35227,47 +35234,66 @@
               <a:buNone/>
             </a:pPr>
             <a:r>
-              <a:rPr lang="en-US" sz="1800" i="0" u="none" strike="noStrike" dirty="0">
+              <a:rPr lang="zh-CN" altLang="en-US" sz="1800" i="0" u="none" strike="noStrike" dirty="0">
                 <a:solidFill>
-                  <a:srgbClr val="595959"/>
+                  <a:schemeClr val="accent5">
+                    <a:lumMod val="75000"/>
+                  </a:schemeClr>
                 </a:solidFill>
                 <a:effectLst/>
                 <a:latin typeface="Arial" panose="020B0604020202020204" pitchFamily="34" charset="0"/>
+                <a:cs typeface="Arial" panose="020B0604020202020204" pitchFamily="34" charset="0"/>
               </a:rPr>
-              <a:t>        </a:t>
+              <a:t>  </a:t>
             </a:r>
             <a:r>
               <a:rPr lang="en-US" sz="1800" i="0" u="none" strike="noStrike" dirty="0">
                 <a:solidFill>
-                  <a:srgbClr val="4285F4"/>
+                  <a:schemeClr val="accent5">
+                    <a:lumMod val="75000"/>
+                  </a:schemeClr>
                 </a:solidFill>
                 <a:effectLst/>
                 <a:latin typeface="Arial" panose="020B0604020202020204" pitchFamily="34" charset="0"/>
+                <a:cs typeface="Arial" panose="020B0604020202020204" pitchFamily="34" charset="0"/>
               </a:rPr>
-              <a:t>Class &lt;&lt; ? &gt; c = </a:t>
+              <a:t>      Class &lt;&lt; ? &gt; c = </a:t>
             </a:r>
             <a:r>
               <a:rPr lang="en-US" sz="1800" i="0" u="none" strike="noStrike" dirty="0" err="1">
                 <a:solidFill>
-                  <a:srgbClr val="4285F4"/>
+                  <a:schemeClr val="accent5">
+                    <a:lumMod val="75000"/>
+                  </a:schemeClr>
                 </a:solidFill>
                 <a:effectLst/>
                 <a:latin typeface="Arial" panose="020B0604020202020204" pitchFamily="34" charset="0"/>
+                <a:cs typeface="Arial" panose="020B0604020202020204" pitchFamily="34" charset="0"/>
               </a:rPr>
               <a:t>findLoadedClass</a:t>
             </a:r>
             <a:r>
               <a:rPr lang="en-US" sz="1800" i="0" u="none" strike="noStrike" dirty="0">
                 <a:solidFill>
-                  <a:srgbClr val="4285F4"/>
+                  <a:schemeClr val="accent5">
+                    <a:lumMod val="75000"/>
+                  </a:schemeClr>
                 </a:solidFill>
                 <a:effectLst/>
                 <a:latin typeface="Arial" panose="020B0604020202020204" pitchFamily="34" charset="0"/>
+                <a:cs typeface="Arial" panose="020B0604020202020204" pitchFamily="34" charset="0"/>
               </a:rPr>
               <a:t>(name);</a:t>
             </a:r>
             <a:endParaRPr lang="en-US" dirty="0">
+              <a:solidFill>
+                <a:schemeClr val="accent5">
+                  <a:lumMod val="75000"/>
+                </a:schemeClr>
+              </a:solidFill>
               <a:effectLst/>
+              <a:latin typeface="Arial" panose="020B0604020202020204" pitchFamily="34" charset="0"/>
+              <a:cs typeface="Arial" panose="020B0604020202020204" pitchFamily="34" charset="0"/>
             </a:endParaRPr>
           </a:p>
           <a:p>
@@ -35281,27 +35307,40 @@
               <a:buNone/>
             </a:pPr>
             <a:r>
-              <a:rPr lang="en-US" sz="1800" i="0" u="none" strike="noStrike" dirty="0">
+              <a:rPr lang="zh-CN" altLang="en-US" sz="1800" i="0" u="none" strike="noStrike" dirty="0">
                 <a:solidFill>
-                  <a:srgbClr val="595959"/>
+                  <a:schemeClr val="accent5">
+                    <a:lumMod val="75000"/>
+                  </a:schemeClr>
                 </a:solidFill>
                 <a:effectLst/>
                 <a:latin typeface="Arial" panose="020B0604020202020204" pitchFamily="34" charset="0"/>
+                <a:cs typeface="Arial" panose="020B0604020202020204" pitchFamily="34" charset="0"/>
               </a:rPr>
-              <a:t>      </a:t>
+              <a:t>  </a:t>
             </a:r>
             <a:r>
               <a:rPr lang="en-US" sz="1800" i="0" u="none" strike="noStrike" dirty="0">
                 <a:solidFill>
-                  <a:srgbClr val="4285F4"/>
+                  <a:schemeClr val="accent5">
+                    <a:lumMod val="75000"/>
+                  </a:schemeClr>
                 </a:solidFill>
                 <a:effectLst/>
                 <a:latin typeface="Arial" panose="020B0604020202020204" pitchFamily="34" charset="0"/>
+                <a:cs typeface="Arial" panose="020B0604020202020204" pitchFamily="34" charset="0"/>
               </a:rPr>
-              <a:t>  if (c != null) {</a:t>
+              <a:t>      if (c != null) {</a:t>
             </a:r>
             <a:endParaRPr lang="en-US" dirty="0">
+              <a:solidFill>
+                <a:schemeClr val="accent5">
+                  <a:lumMod val="75000"/>
+                </a:schemeClr>
+              </a:solidFill>
               <a:effectLst/>
+              <a:latin typeface="Arial" panose="020B0604020202020204" pitchFamily="34" charset="0"/>
+              <a:cs typeface="Arial" panose="020B0604020202020204" pitchFamily="34" charset="0"/>
             </a:endParaRPr>
           </a:p>
           <a:p>
@@ -35315,27 +35354,40 @@
               <a:buNone/>
             </a:pPr>
             <a:r>
-              <a:rPr lang="en-US" sz="1800" i="0" u="none" strike="noStrike" dirty="0">
+              <a:rPr lang="zh-CN" altLang="en-US" sz="1800" i="0" u="none" strike="noStrike" dirty="0">
                 <a:solidFill>
-                  <a:srgbClr val="595959"/>
+                  <a:schemeClr val="accent5">
+                    <a:lumMod val="75000"/>
+                  </a:schemeClr>
                 </a:solidFill>
                 <a:effectLst/>
                 <a:latin typeface="Arial" panose="020B0604020202020204" pitchFamily="34" charset="0"/>
+                <a:cs typeface="Arial" panose="020B0604020202020204" pitchFamily="34" charset="0"/>
               </a:rPr>
-              <a:t>            </a:t>
+              <a:t>  </a:t>
             </a:r>
             <a:r>
               <a:rPr lang="en-US" sz="1800" i="0" u="none" strike="noStrike" dirty="0">
                 <a:solidFill>
-                  <a:srgbClr val="4285F4"/>
+                  <a:schemeClr val="accent5">
+                    <a:lumMod val="75000"/>
+                  </a:schemeClr>
                 </a:solidFill>
                 <a:effectLst/>
                 <a:latin typeface="Arial" panose="020B0604020202020204" pitchFamily="34" charset="0"/>
+                <a:cs typeface="Arial" panose="020B0604020202020204" pitchFamily="34" charset="0"/>
               </a:rPr>
-              <a:t>return c;</a:t>
+              <a:t>          return c;</a:t>
             </a:r>
             <a:endParaRPr lang="en-US" dirty="0">
+              <a:solidFill>
+                <a:schemeClr val="accent5">
+                  <a:lumMod val="75000"/>
+                </a:schemeClr>
+              </a:solidFill>
               <a:effectLst/>
+              <a:latin typeface="Arial" panose="020B0604020202020204" pitchFamily="34" charset="0"/>
+              <a:cs typeface="Arial" panose="020B0604020202020204" pitchFamily="34" charset="0"/>
             </a:endParaRPr>
           </a:p>
           <a:p>
@@ -35349,17 +35401,40 @@
               <a:buNone/>
             </a:pPr>
             <a:r>
-              <a:rPr lang="en-US" sz="1800" i="0" u="none" strike="noStrike" dirty="0">
+              <a:rPr lang="zh-CN" altLang="en-US" sz="1800" i="0" u="none" strike="noStrike" dirty="0">
                 <a:solidFill>
-                  <a:srgbClr val="4285F4"/>
+                  <a:schemeClr val="accent5">
+                    <a:lumMod val="75000"/>
+                  </a:schemeClr>
                 </a:solidFill>
                 <a:effectLst/>
                 <a:latin typeface="Arial" panose="020B0604020202020204" pitchFamily="34" charset="0"/>
+                <a:cs typeface="Arial" panose="020B0604020202020204" pitchFamily="34" charset="0"/>
               </a:rPr>
-              <a:t>        }</a:t>
+              <a:t>  </a:t>
+            </a:r>
+            <a:r>
+              <a:rPr lang="en-US" sz="1800" i="0" u="none" strike="noStrike" dirty="0">
+                <a:solidFill>
+                  <a:schemeClr val="accent5">
+                    <a:lumMod val="75000"/>
+                  </a:schemeClr>
+                </a:solidFill>
+                <a:effectLst/>
+                <a:latin typeface="Arial" panose="020B0604020202020204" pitchFamily="34" charset="0"/>
+                <a:cs typeface="Arial" panose="020B0604020202020204" pitchFamily="34" charset="0"/>
+              </a:rPr>
+              <a:t>      }</a:t>
             </a:r>
             <a:endParaRPr lang="en-US" dirty="0">
+              <a:solidFill>
+                <a:schemeClr val="accent5">
+                  <a:lumMod val="75000"/>
+                </a:schemeClr>
+              </a:solidFill>
               <a:effectLst/>
+              <a:latin typeface="Arial" panose="020B0604020202020204" pitchFamily="34" charset="0"/>
+              <a:cs typeface="Arial" panose="020B0604020202020204" pitchFamily="34" charset="0"/>
             </a:endParaRPr>
           </a:p>
           <a:p>
@@ -35373,17 +35448,60 @@
               <a:buNone/>
             </a:pPr>
             <a:r>
+              <a:rPr lang="zh-CN" altLang="en-US" sz="1800" dirty="0">
+                <a:latin typeface="Arial" panose="020B0604020202020204" pitchFamily="34" charset="0"/>
+                <a:cs typeface="Arial" panose="020B0604020202020204" pitchFamily="34" charset="0"/>
+              </a:rPr>
+              <a:t> </a:t>
+            </a:r>
+            <a:r>
+              <a:rPr lang="zh-CN" altLang="en-US" sz="1800" dirty="0">
+                <a:solidFill>
+                  <a:schemeClr val="accent2">
+                    <a:lumMod val="75000"/>
+                  </a:schemeClr>
+                </a:solidFill>
+                <a:latin typeface="Arial" panose="020B0604020202020204" pitchFamily="34" charset="0"/>
+                <a:cs typeface="Arial" panose="020B0604020202020204" pitchFamily="34" charset="0"/>
+              </a:rPr>
+              <a:t> </a:t>
+            </a:r>
+            <a:r>
+              <a:rPr lang="en-US" sz="1800" i="0" u="none" strike="noStrike" dirty="0">
+                <a:solidFill>
+                  <a:schemeClr val="accent2">
+                    <a:lumMod val="75000"/>
+                  </a:schemeClr>
+                </a:solidFill>
+                <a:effectLst/>
+                <a:latin typeface="Arial" panose="020B0604020202020204" pitchFamily="34" charset="0"/>
+                <a:cs typeface="Arial" panose="020B0604020202020204" pitchFamily="34" charset="0"/>
+              </a:rPr>
+              <a:t> </a:t>
+            </a:r>
+            <a:r>
               <a:rPr lang="en-US" sz="1800" i="0" u="none" strike="noStrike" dirty="0">
                 <a:solidFill>
                   <a:srgbClr val="595959"/>
                 </a:solidFill>
                 <a:effectLst/>
                 <a:latin typeface="Arial" panose="020B0604020202020204" pitchFamily="34" charset="0"/>
+                <a:cs typeface="Arial" panose="020B0604020202020204" pitchFamily="34" charset="0"/>
               </a:rPr>
-              <a:t>        try {</a:t>
+              <a:t>    </a:t>
+            </a:r>
+            <a:r>
+              <a:rPr lang="en-US" sz="1800" i="0" u="none" strike="noStrike" dirty="0">
+                <a:effectLst/>
+                <a:latin typeface="Arial" panose="020B0604020202020204" pitchFamily="34" charset="0"/>
+                <a:cs typeface="Arial" panose="020B0604020202020204" pitchFamily="34" charset="0"/>
+              </a:rPr>
+              <a:t> try {</a:t>
             </a:r>
             <a:endParaRPr lang="en-US" dirty="0">
               <a:effectLst/>
+              <a:latin typeface="Arial" panose="020B0604020202020204" pitchFamily="34" charset="0"/>
+              <a:cs typeface="Arial" panose="020B0604020202020204" pitchFamily="34" charset="0"/>
             </a:endParaRPr>
           </a:p>
           <a:p>
@@ -35397,27 +35515,61 @@
               <a:buNone/>
             </a:pPr>
             <a:r>
-              <a:rPr lang="en-US" sz="1800" i="0" u="none" strike="noStrike" dirty="0">
+              <a:rPr lang="zh-CN" altLang="en-US" sz="1800" i="0" u="none" strike="noStrike" dirty="0">
+                <a:effectLst/>
+                <a:latin typeface="Arial" panose="020B0604020202020204" pitchFamily="34" charset="0"/>
+                <a:cs typeface="Arial" panose="020B0604020202020204" pitchFamily="34" charset="0"/>
+              </a:rPr>
+              <a:t> </a:t>
+            </a:r>
+            <a:r>
+              <a:rPr lang="zh-CN" altLang="en-US" sz="1800" i="0" u="none" strike="noStrike" dirty="0">
                 <a:solidFill>
-                  <a:srgbClr val="595959"/>
+                  <a:schemeClr val="accent2">
+                    <a:lumMod val="75000"/>
+                  </a:schemeClr>
                 </a:solidFill>
                 <a:effectLst/>
                 <a:latin typeface="Arial" panose="020B0604020202020204" pitchFamily="34" charset="0"/>
+                <a:cs typeface="Arial" panose="020B0604020202020204" pitchFamily="34" charset="0"/>
               </a:rPr>
-              <a:t>    </a:t>
+              <a:t> </a:t>
             </a:r>
             <a:r>
               <a:rPr lang="en-US" sz="1800" i="0" u="none" strike="noStrike" dirty="0">
                 <a:solidFill>
-                  <a:srgbClr val="4285F4"/>
+                  <a:schemeClr val="accent2">
+                    <a:lumMod val="75000"/>
+                  </a:schemeClr>
                 </a:solidFill>
                 <a:effectLst/>
                 <a:latin typeface="Arial" panose="020B0604020202020204" pitchFamily="34" charset="0"/>
+                <a:cs typeface="Arial" panose="020B0604020202020204" pitchFamily="34" charset="0"/>
               </a:rPr>
-              <a:t>        COUNTER++;</a:t>
+              <a:t>         </a:t>
+            </a:r>
+            <a:r>
+              <a:rPr lang="en-US" sz="1800" i="0" u="none" strike="noStrike" dirty="0">
+                <a:solidFill>
+                  <a:schemeClr val="accent5">
+                    <a:lumMod val="75000"/>
+                  </a:schemeClr>
+                </a:solidFill>
+                <a:effectLst/>
+                <a:latin typeface="Arial" panose="020B0604020202020204" pitchFamily="34" charset="0"/>
+                <a:cs typeface="Arial" panose="020B0604020202020204" pitchFamily="34" charset="0"/>
+              </a:rPr>
+              <a:t> COUNTER++;</a:t>
             </a:r>
             <a:endParaRPr lang="en-US" dirty="0">
+              <a:solidFill>
+                <a:schemeClr val="accent5">
+                  <a:lumMod val="75000"/>
+                </a:schemeClr>
+              </a:solidFill>
               <a:effectLst/>
+              <a:latin typeface="Arial" panose="020B0604020202020204" pitchFamily="34" charset="0"/>
+              <a:cs typeface="Arial" panose="020B0604020202020204" pitchFamily="34" charset="0"/>
             </a:endParaRPr>
           </a:p>
           <a:p>
@@ -35431,97 +35583,143 @@
               <a:buNone/>
             </a:pPr>
             <a:r>
-              <a:rPr lang="en-US" sz="1800" i="0" u="none" strike="noStrike" dirty="0">
+              <a:rPr lang="zh-CN" altLang="en-US" sz="1800" i="0" u="none" strike="noStrike" dirty="0">
                 <a:solidFill>
-                  <a:srgbClr val="4285F4"/>
+                  <a:schemeClr val="accent5">
+                    <a:lumMod val="75000"/>
+                  </a:schemeClr>
                 </a:solidFill>
                 <a:effectLst/>
                 <a:latin typeface="Arial" panose="020B0604020202020204" pitchFamily="34" charset="0"/>
+                <a:cs typeface="Arial" panose="020B0604020202020204" pitchFamily="34" charset="0"/>
               </a:rPr>
-              <a:t>            </a:t>
-            </a:r>
-            <a:r>
-              <a:rPr lang="en-US" sz="1800" i="0" u="none" strike="noStrike" dirty="0" err="1">
+              <a:t>  </a:t>
+            </a:r>
+            <a:r>
+              <a:rPr lang="en-US" sz="1800" i="0" u="none" strike="noStrike" dirty="0">
                 <a:solidFill>
-                  <a:srgbClr val="4285F4"/>
+                  <a:schemeClr val="accent5">
+                    <a:lumMod val="75000"/>
+                  </a:schemeClr>
                 </a:solidFill>
                 <a:effectLst/>
                 <a:latin typeface="Arial" panose="020B0604020202020204" pitchFamily="34" charset="0"/>
+                <a:cs typeface="Arial" panose="020B0604020202020204" pitchFamily="34" charset="0"/>
               </a:rPr>
-              <a:t>InputStream</a:t>
-            </a:r>
-            <a:r>
-              <a:rPr lang="en-US" sz="1800" i="0" u="none" strike="noStrike" dirty="0">
+              <a:t>          </a:t>
+            </a:r>
+            <a:r>
+              <a:rPr lang="en-US" sz="1800" i="0" u="none" strike="noStrike" dirty="0" err="1">
                 <a:solidFill>
-                  <a:srgbClr val="4285F4"/>
+                  <a:schemeClr val="accent5">
+                    <a:lumMod val="75000"/>
+                  </a:schemeClr>
                 </a:solidFill>
                 <a:effectLst/>
                 <a:latin typeface="Arial" panose="020B0604020202020204" pitchFamily="34" charset="0"/>
+                <a:cs typeface="Arial" panose="020B0604020202020204" pitchFamily="34" charset="0"/>
               </a:rPr>
-              <a:t> in = </a:t>
-            </a:r>
-            <a:r>
-              <a:rPr lang="en-US" sz="1800" i="0" u="none" strike="noStrike" dirty="0" err="1">
+              <a:t>InputStream</a:t>
+            </a:r>
+            <a:r>
+              <a:rPr lang="en-US" sz="1800" i="0" u="none" strike="noStrike" dirty="0">
                 <a:solidFill>
-                  <a:srgbClr val="4285F4"/>
+                  <a:schemeClr val="accent5">
+                    <a:lumMod val="75000"/>
+                  </a:schemeClr>
                 </a:solidFill>
                 <a:effectLst/>
                 <a:latin typeface="Arial" panose="020B0604020202020204" pitchFamily="34" charset="0"/>
+                <a:cs typeface="Arial" panose="020B0604020202020204" pitchFamily="34" charset="0"/>
               </a:rPr>
-              <a:t>getSystemResourceAsStream</a:t>
-            </a:r>
-            <a:r>
-              <a:rPr lang="en-US" sz="1800" i="0" u="none" strike="noStrike" dirty="0">
+              <a:t> in = </a:t>
+            </a:r>
+            <a:r>
+              <a:rPr lang="en-US" sz="1800" i="0" u="none" strike="noStrike" dirty="0" err="1">
                 <a:solidFill>
-                  <a:srgbClr val="4285F4"/>
+                  <a:schemeClr val="accent5">
+                    <a:lumMod val="75000"/>
+                  </a:schemeClr>
                 </a:solidFill>
                 <a:effectLst/>
                 <a:latin typeface="Arial" panose="020B0604020202020204" pitchFamily="34" charset="0"/>
+                <a:cs typeface="Arial" panose="020B0604020202020204" pitchFamily="34" charset="0"/>
               </a:rPr>
-              <a:t>(</a:t>
-            </a:r>
-            <a:r>
-              <a:rPr lang="en-US" sz="1800" i="0" u="none" strike="noStrike" dirty="0" err="1">
+              <a:t>getSystemResourceAsStream</a:t>
+            </a:r>
+            <a:r>
+              <a:rPr lang="en-US" sz="1800" i="0" u="none" strike="noStrike" dirty="0">
                 <a:solidFill>
-                  <a:srgbClr val="4285F4"/>
+                  <a:schemeClr val="accent5">
+                    <a:lumMod val="75000"/>
+                  </a:schemeClr>
                 </a:solidFill>
                 <a:effectLst/>
                 <a:latin typeface="Arial" panose="020B0604020202020204" pitchFamily="34" charset="0"/>
+                <a:cs typeface="Arial" panose="020B0604020202020204" pitchFamily="34" charset="0"/>
               </a:rPr>
-              <a:t>name.replace</a:t>
-            </a:r>
-            <a:r>
-              <a:rPr lang="en-US" sz="1800" i="0" u="none" strike="noStrike" dirty="0">
+              <a:t>(</a:t>
+            </a:r>
+            <a:r>
+              <a:rPr lang="en-US" sz="1800" i="0" u="none" strike="noStrike" dirty="0" err="1">
                 <a:solidFill>
-                  <a:srgbClr val="4285F4"/>
+                  <a:schemeClr val="accent5">
+                    <a:lumMod val="75000"/>
+                  </a:schemeClr>
                 </a:solidFill>
                 <a:effectLst/>
                 <a:latin typeface="Arial" panose="020B0604020202020204" pitchFamily="34" charset="0"/>
+                <a:cs typeface="Arial" panose="020B0604020202020204" pitchFamily="34" charset="0"/>
               </a:rPr>
-              <a:t>('.', </a:t>
-            </a:r>
-            <a:r>
-              <a:rPr lang="en-US" sz="1800" i="0" u="none" strike="noStrike" dirty="0" err="1">
+              <a:t>name.replace</a:t>
+            </a:r>
+            <a:r>
+              <a:rPr lang="en-US" sz="1800" i="0" u="none" strike="noStrike" dirty="0">
                 <a:solidFill>
-                  <a:srgbClr val="4285F4"/>
+                  <a:schemeClr val="accent5">
+                    <a:lumMod val="75000"/>
+                  </a:schemeClr>
                 </a:solidFill>
                 <a:effectLst/>
                 <a:latin typeface="Arial" panose="020B0604020202020204" pitchFamily="34" charset="0"/>
+                <a:cs typeface="Arial" panose="020B0604020202020204" pitchFamily="34" charset="0"/>
               </a:rPr>
-              <a:t>File.separatorChar</a:t>
-            </a:r>
-            <a:r>
-              <a:rPr lang="en-US" sz="1800" i="0" u="none" strike="noStrike" dirty="0">
+              <a:t>('.', </a:t>
+            </a:r>
+            <a:r>
+              <a:rPr lang="en-US" sz="1800" i="0" u="none" strike="noStrike" dirty="0" err="1">
                 <a:solidFill>
-                  <a:srgbClr val="4285F4"/>
+                  <a:schemeClr val="accent5">
+                    <a:lumMod val="75000"/>
+                  </a:schemeClr>
                 </a:solidFill>
                 <a:effectLst/>
                 <a:latin typeface="Arial" panose="020B0604020202020204" pitchFamily="34" charset="0"/>
+                <a:cs typeface="Arial" panose="020B0604020202020204" pitchFamily="34" charset="0"/>
+              </a:rPr>
+              <a:t>File.separatorChar</a:t>
+            </a:r>
+            <a:r>
+              <a:rPr lang="en-US" sz="1800" i="0" u="none" strike="noStrike" dirty="0">
+                <a:solidFill>
+                  <a:schemeClr val="accent5">
+                    <a:lumMod val="75000"/>
+                  </a:schemeClr>
+                </a:solidFill>
+                <a:effectLst/>
+                <a:latin typeface="Arial" panose="020B0604020202020204" pitchFamily="34" charset="0"/>
+                <a:cs typeface="Arial" panose="020B0604020202020204" pitchFamily="34" charset="0"/>
               </a:rPr>
               <a:t>) + ".class");</a:t>
             </a:r>
             <a:endParaRPr lang="en-US" dirty="0">
-              <a:effectLst/>
+              <a:solidFill>
+                <a:schemeClr val="accent5">
+                  <a:lumMod val="75000"/>
+                </a:schemeClr>
+              </a:solidFill>
+              <a:latin typeface="Arial" panose="020B0604020202020204" pitchFamily="34" charset="0"/>
+              <a:cs typeface="Arial" panose="020B0604020202020204" pitchFamily="34" charset="0"/>
             </a:endParaRPr>
           </a:p>
           <a:p>
@@ -35535,57 +35733,130 @@
               <a:buNone/>
             </a:pPr>
             <a:r>
-              <a:rPr lang="en-US" sz="1800" i="0" u="none" strike="noStrike" dirty="0">
+              <a:rPr lang="zh-CN" altLang="en-US" sz="1800" dirty="0">
                 <a:solidFill>
-                  <a:srgbClr val="4285F4"/>
+                  <a:schemeClr val="accent5">
+                    <a:lumMod val="75000"/>
+                  </a:schemeClr>
+                </a:solidFill>
+                <a:latin typeface="Arial" panose="020B0604020202020204" pitchFamily="34" charset="0"/>
+                <a:cs typeface="Arial" panose="020B0604020202020204" pitchFamily="34" charset="0"/>
+              </a:rPr>
+              <a:t> </a:t>
+            </a:r>
+            <a:r>
+              <a:rPr lang="zh-CN" altLang="en-US" sz="1800" i="0" u="none" strike="noStrike" dirty="0">
+                <a:solidFill>
+                  <a:schemeClr val="accent5">
+                    <a:lumMod val="75000"/>
+                  </a:schemeClr>
                 </a:solidFill>
                 <a:effectLst/>
                 <a:latin typeface="Arial" panose="020B0604020202020204" pitchFamily="34" charset="0"/>
+                <a:cs typeface="Arial" panose="020B0604020202020204" pitchFamily="34" charset="0"/>
               </a:rPr>
-              <a:t>            byte[] </a:t>
-            </a:r>
-            <a:r>
-              <a:rPr lang="en-US" sz="1800" i="0" u="none" strike="noStrike" dirty="0" err="1">
+              <a:t>  </a:t>
+            </a:r>
+            <a:r>
+              <a:rPr lang="en-US" sz="1800" i="0" u="none" strike="noStrike" dirty="0">
                 <a:solidFill>
-                  <a:srgbClr val="4285F4"/>
+                  <a:schemeClr val="accent5">
+                    <a:lumMod val="75000"/>
+                  </a:schemeClr>
                 </a:solidFill>
                 <a:effectLst/>
                 <a:latin typeface="Arial" panose="020B0604020202020204" pitchFamily="34" charset="0"/>
+                <a:cs typeface="Arial" panose="020B0604020202020204" pitchFamily="34" charset="0"/>
               </a:rPr>
-              <a:t>buf</a:t>
-            </a:r>
-            <a:r>
-              <a:rPr lang="en-US" sz="1800" i="0" u="none" strike="noStrike" dirty="0">
+              <a:t>        </a:t>
+            </a:r>
+            <a:r>
+              <a:rPr lang="zh-CN" altLang="en-US" sz="1800" i="0" u="none" strike="noStrike" dirty="0">
                 <a:solidFill>
-                  <a:srgbClr val="4285F4"/>
+                  <a:schemeClr val="accent5">
+                    <a:lumMod val="75000"/>
+                  </a:schemeClr>
                 </a:solidFill>
                 <a:effectLst/>
                 <a:latin typeface="Arial" panose="020B0604020202020204" pitchFamily="34" charset="0"/>
+                <a:cs typeface="Arial" panose="020B0604020202020204" pitchFamily="34" charset="0"/>
               </a:rPr>
-              <a:t> = in .</a:t>
-            </a:r>
-            <a:r>
-              <a:rPr lang="en-US" sz="1800" i="0" u="none" strike="noStrike" dirty="0" err="1">
+              <a:t> </a:t>
+            </a:r>
+            <a:r>
+              <a:rPr lang="en-US" sz="1800" i="0" u="none" strike="noStrike" dirty="0">
                 <a:solidFill>
-                  <a:srgbClr val="4285F4"/>
+                  <a:schemeClr val="accent5">
+                    <a:lumMod val="75000"/>
+                  </a:schemeClr>
                 </a:solidFill>
                 <a:effectLst/>
                 <a:latin typeface="Arial" panose="020B0604020202020204" pitchFamily="34" charset="0"/>
+                <a:cs typeface="Arial" panose="020B0604020202020204" pitchFamily="34" charset="0"/>
               </a:rPr>
-              <a:t>readAllBytes</a:t>
-            </a:r>
-            <a:r>
-              <a:rPr lang="en-US" sz="1800" i="0" u="none" strike="noStrike" dirty="0">
+              <a:t>byte[] </a:t>
+            </a:r>
+            <a:r>
+              <a:rPr lang="en-US" sz="1800" i="0" u="none" strike="noStrike" dirty="0" err="1">
                 <a:solidFill>
-                  <a:srgbClr val="4285F4"/>
+                  <a:schemeClr val="accent5">
+                    <a:lumMod val="75000"/>
+                  </a:schemeClr>
                 </a:solidFill>
                 <a:effectLst/>
                 <a:latin typeface="Arial" panose="020B0604020202020204" pitchFamily="34" charset="0"/>
+                <a:cs typeface="Arial" panose="020B0604020202020204" pitchFamily="34" charset="0"/>
+              </a:rPr>
+              <a:t>buf</a:t>
+            </a:r>
+            <a:r>
+              <a:rPr lang="en-US" sz="1800" i="0" u="none" strike="noStrike" dirty="0">
+                <a:solidFill>
+                  <a:schemeClr val="accent5">
+                    <a:lumMod val="75000"/>
+                  </a:schemeClr>
+                </a:solidFill>
+                <a:effectLst/>
+                <a:latin typeface="Arial" panose="020B0604020202020204" pitchFamily="34" charset="0"/>
+                <a:cs typeface="Arial" panose="020B0604020202020204" pitchFamily="34" charset="0"/>
+              </a:rPr>
+              <a:t> = in .</a:t>
+            </a:r>
+            <a:r>
+              <a:rPr lang="en-US" sz="1800" i="0" u="none" strike="noStrike" dirty="0" err="1">
+                <a:solidFill>
+                  <a:schemeClr val="accent5">
+                    <a:lumMod val="75000"/>
+                  </a:schemeClr>
+                </a:solidFill>
+                <a:effectLst/>
+                <a:latin typeface="Arial" panose="020B0604020202020204" pitchFamily="34" charset="0"/>
+                <a:cs typeface="Arial" panose="020B0604020202020204" pitchFamily="34" charset="0"/>
+              </a:rPr>
+              <a:t>readAllBytes</a:t>
+            </a:r>
+            <a:r>
+              <a:rPr lang="en-US" sz="1800" i="0" u="none" strike="noStrike" dirty="0">
+                <a:solidFill>
+                  <a:schemeClr val="accent5">
+                    <a:lumMod val="75000"/>
+                  </a:schemeClr>
+                </a:solidFill>
+                <a:effectLst/>
+                <a:latin typeface="Arial" panose="020B0604020202020204" pitchFamily="34" charset="0"/>
+                <a:cs typeface="Arial" panose="020B0604020202020204" pitchFamily="34" charset="0"/>
               </a:rPr>
               <a:t>();</a:t>
             </a:r>
             <a:endParaRPr lang="en-US" dirty="0">
+              <a:solidFill>
+                <a:schemeClr val="accent5">
+                  <a:lumMod val="75000"/>
+                </a:schemeClr>
+              </a:solidFill>
               <a:effectLst/>
+              <a:latin typeface="Arial" panose="020B0604020202020204" pitchFamily="34" charset="0"/>
+              <a:cs typeface="Arial" panose="020B0604020202020204" pitchFamily="34" charset="0"/>
             </a:endParaRPr>
           </a:p>
           <a:p>
@@ -35599,77 +35870,144 @@
               <a:buNone/>
             </a:pPr>
             <a:r>
-              <a:rPr lang="en-US" sz="1800" i="0" u="none" strike="noStrike" dirty="0">
+              <a:rPr lang="zh-CN" altLang="en-US" sz="1800" i="0" u="none" strike="noStrike" dirty="0">
                 <a:solidFill>
-                  <a:srgbClr val="4285F4"/>
+                  <a:schemeClr val="accent5">
+                    <a:lumMod val="75000"/>
+                  </a:schemeClr>
                 </a:solidFill>
                 <a:effectLst/>
                 <a:latin typeface="Arial" panose="020B0604020202020204" pitchFamily="34" charset="0"/>
+                <a:cs typeface="Arial" panose="020B0604020202020204" pitchFamily="34" charset="0"/>
               </a:rPr>
-              <a:t>            return </a:t>
-            </a:r>
-            <a:r>
-              <a:rPr lang="en-US" sz="1800" i="0" u="none" strike="noStrike" dirty="0" err="1">
+              <a:t>  </a:t>
+            </a:r>
+            <a:r>
+              <a:rPr lang="en-US" sz="1800" i="0" u="none" strike="noStrike" dirty="0">
                 <a:solidFill>
-                  <a:srgbClr val="4285F4"/>
+                  <a:schemeClr val="accent5">
+                    <a:lumMod val="75000"/>
+                  </a:schemeClr>
                 </a:solidFill>
                 <a:effectLst/>
                 <a:latin typeface="Arial" panose="020B0604020202020204" pitchFamily="34" charset="0"/>
+                <a:cs typeface="Arial" panose="020B0604020202020204" pitchFamily="34" charset="0"/>
               </a:rPr>
-              <a:t>defineClass</a:t>
-            </a:r>
-            <a:r>
-              <a:rPr lang="en-US" sz="1800" i="0" u="none" strike="noStrike" dirty="0">
+              <a:t>         </a:t>
+            </a:r>
+            <a:r>
+              <a:rPr lang="zh-CN" altLang="en-US" sz="1800" i="0" u="none" strike="noStrike" dirty="0">
                 <a:solidFill>
-                  <a:srgbClr val="4285F4"/>
+                  <a:schemeClr val="accent5">
+                    <a:lumMod val="75000"/>
+                  </a:schemeClr>
                 </a:solidFill>
                 <a:effectLst/>
                 <a:latin typeface="Arial" panose="020B0604020202020204" pitchFamily="34" charset="0"/>
+                <a:cs typeface="Arial" panose="020B0604020202020204" pitchFamily="34" charset="0"/>
               </a:rPr>
-              <a:t>(name, </a:t>
-            </a:r>
-            <a:r>
-              <a:rPr lang="en-US" sz="1800" i="0" u="none" strike="noStrike" dirty="0" err="1">
+              <a:t> </a:t>
+            </a:r>
+            <a:r>
+              <a:rPr lang="en-US" sz="1800" i="0" u="none" strike="noStrike" dirty="0">
                 <a:solidFill>
-                  <a:srgbClr val="4285F4"/>
+                  <a:schemeClr val="accent5">
+                    <a:lumMod val="75000"/>
+                  </a:schemeClr>
                 </a:solidFill>
                 <a:effectLst/>
                 <a:latin typeface="Arial" panose="020B0604020202020204" pitchFamily="34" charset="0"/>
+                <a:cs typeface="Arial" panose="020B0604020202020204" pitchFamily="34" charset="0"/>
               </a:rPr>
-              <a:t>buf</a:t>
-            </a:r>
-            <a:r>
-              <a:rPr lang="en-US" sz="1800" i="0" u="none" strike="noStrike" dirty="0">
+              <a:t>return </a:t>
+            </a:r>
+            <a:r>
+              <a:rPr lang="en-US" sz="1800" i="0" u="none" strike="noStrike" dirty="0" err="1">
                 <a:solidFill>
-                  <a:srgbClr val="4285F4"/>
+                  <a:schemeClr val="accent5">
+                    <a:lumMod val="75000"/>
+                  </a:schemeClr>
                 </a:solidFill>
                 <a:effectLst/>
                 <a:latin typeface="Arial" panose="020B0604020202020204" pitchFamily="34" charset="0"/>
+                <a:cs typeface="Arial" panose="020B0604020202020204" pitchFamily="34" charset="0"/>
               </a:rPr>
-              <a:t>, 0, </a:t>
-            </a:r>
-            <a:r>
-              <a:rPr lang="en-US" sz="1800" i="0" u="none" strike="noStrike" dirty="0" err="1">
+              <a:t>defineClass</a:t>
+            </a:r>
+            <a:r>
+              <a:rPr lang="en-US" sz="1800" i="0" u="none" strike="noStrike" dirty="0">
                 <a:solidFill>
-                  <a:srgbClr val="4285F4"/>
+                  <a:schemeClr val="accent5">
+                    <a:lumMod val="75000"/>
+                  </a:schemeClr>
                 </a:solidFill>
                 <a:effectLst/>
                 <a:latin typeface="Arial" panose="020B0604020202020204" pitchFamily="34" charset="0"/>
+                <a:cs typeface="Arial" panose="020B0604020202020204" pitchFamily="34" charset="0"/>
               </a:rPr>
-              <a:t>buf.length</a:t>
-            </a:r>
-            <a:r>
-              <a:rPr lang="en-US" sz="1800" i="0" u="none" strike="noStrike" dirty="0">
+              <a:t>(name, </a:t>
+            </a:r>
+            <a:r>
+              <a:rPr lang="en-US" sz="1800" i="0" u="none" strike="noStrike" dirty="0" err="1">
                 <a:solidFill>
-                  <a:srgbClr val="4285F4"/>
+                  <a:schemeClr val="accent5">
+                    <a:lumMod val="75000"/>
+                  </a:schemeClr>
                 </a:solidFill>
                 <a:effectLst/>
                 <a:latin typeface="Arial" panose="020B0604020202020204" pitchFamily="34" charset="0"/>
+                <a:cs typeface="Arial" panose="020B0604020202020204" pitchFamily="34" charset="0"/>
+              </a:rPr>
+              <a:t>buf</a:t>
+            </a:r>
+            <a:r>
+              <a:rPr lang="en-US" sz="1800" i="0" u="none" strike="noStrike" dirty="0">
+                <a:solidFill>
+                  <a:schemeClr val="accent5">
+                    <a:lumMod val="75000"/>
+                  </a:schemeClr>
+                </a:solidFill>
+                <a:effectLst/>
+                <a:latin typeface="Arial" panose="020B0604020202020204" pitchFamily="34" charset="0"/>
+                <a:cs typeface="Arial" panose="020B0604020202020204" pitchFamily="34" charset="0"/>
+              </a:rPr>
+              <a:t>, 0, </a:t>
+            </a:r>
+            <a:r>
+              <a:rPr lang="en-US" sz="1800" i="0" u="none" strike="noStrike" dirty="0" err="1">
+                <a:solidFill>
+                  <a:schemeClr val="accent5">
+                    <a:lumMod val="75000"/>
+                  </a:schemeClr>
+                </a:solidFill>
+                <a:effectLst/>
+                <a:latin typeface="Arial" panose="020B0604020202020204" pitchFamily="34" charset="0"/>
+                <a:cs typeface="Arial" panose="020B0604020202020204" pitchFamily="34" charset="0"/>
+              </a:rPr>
+              <a:t>buf.length</a:t>
+            </a:r>
+            <a:r>
+              <a:rPr lang="en-US" sz="1800" i="0" u="none" strike="noStrike" dirty="0">
+                <a:solidFill>
+                  <a:schemeClr val="accent5">
+                    <a:lumMod val="75000"/>
+                  </a:schemeClr>
+                </a:solidFill>
+                <a:effectLst/>
+                <a:latin typeface="Arial" panose="020B0604020202020204" pitchFamily="34" charset="0"/>
+                <a:cs typeface="Arial" panose="020B0604020202020204" pitchFamily="34" charset="0"/>
               </a:rPr>
               <a:t>);</a:t>
             </a:r>
             <a:endParaRPr lang="en-US" dirty="0">
+              <a:solidFill>
+                <a:schemeClr val="accent5">
+                  <a:lumMod val="75000"/>
+                </a:schemeClr>
+              </a:solidFill>
               <a:effectLst/>
+              <a:latin typeface="Arial" panose="020B0604020202020204" pitchFamily="34" charset="0"/>
+              <a:cs typeface="Arial" panose="020B0604020202020204" pitchFamily="34" charset="0"/>
             </a:endParaRPr>
           </a:p>
           <a:p>
@@ -35683,37 +36021,80 @@
               <a:buNone/>
             </a:pPr>
             <a:r>
-              <a:rPr lang="en-US" sz="1800" i="0" u="none" strike="noStrike" dirty="0">
+              <a:rPr lang="zh-CN" altLang="en-US" sz="1800" i="0" u="none" strike="noStrike" dirty="0">
+                <a:effectLst/>
+                <a:latin typeface="Arial" panose="020B0604020202020204" pitchFamily="34" charset="0"/>
+                <a:cs typeface="Arial" panose="020B0604020202020204" pitchFamily="34" charset="0"/>
+              </a:rPr>
+              <a:t> </a:t>
+            </a:r>
+            <a:r>
+              <a:rPr lang="zh-CN" altLang="en-US" sz="1800" i="0" u="none" strike="noStrike" dirty="0">
                 <a:solidFill>
-                  <a:srgbClr val="595959"/>
+                  <a:schemeClr val="accent2">
+                    <a:lumMod val="75000"/>
+                  </a:schemeClr>
                 </a:solidFill>
                 <a:effectLst/>
                 <a:latin typeface="Arial" panose="020B0604020202020204" pitchFamily="34" charset="0"/>
+                <a:cs typeface="Arial" panose="020B0604020202020204" pitchFamily="34" charset="0"/>
               </a:rPr>
-              <a:t>        } catch (</a:t>
-            </a:r>
-            <a:r>
-              <a:rPr lang="en-US" sz="1800" i="0" u="none" strike="noStrike" dirty="0" err="1">
+              <a:t> </a:t>
+            </a:r>
+            <a:r>
+              <a:rPr lang="en-US" sz="1800" i="0" u="none" strike="noStrike" dirty="0">
                 <a:solidFill>
-                  <a:srgbClr val="595959"/>
+                  <a:schemeClr val="accent2">
+                    <a:lumMod val="75000"/>
+                  </a:schemeClr>
                 </a:solidFill>
                 <a:effectLst/>
                 <a:latin typeface="Arial" panose="020B0604020202020204" pitchFamily="34" charset="0"/>
+                <a:cs typeface="Arial" panose="020B0604020202020204" pitchFamily="34" charset="0"/>
               </a:rPr>
-              <a:t>IOException</a:t>
-            </a:r>
-            <a:r>
-              <a:rPr lang="en-US" sz="1800" i="0" u="none" strike="noStrike" dirty="0">
+              <a:t>     </a:t>
+            </a:r>
+            <a:r>
+              <a:rPr lang="zh-CN" altLang="en-US" sz="1800" i="0" u="none" strike="noStrike" dirty="0">
                 <a:solidFill>
-                  <a:srgbClr val="595959"/>
+                  <a:schemeClr val="accent2">
+                    <a:lumMod val="75000"/>
+                  </a:schemeClr>
                 </a:solidFill>
                 <a:effectLst/>
                 <a:latin typeface="Arial" panose="020B0604020202020204" pitchFamily="34" charset="0"/>
+                <a:cs typeface="Arial" panose="020B0604020202020204" pitchFamily="34" charset="0"/>
+              </a:rPr>
+              <a:t> </a:t>
+            </a:r>
+            <a:r>
+              <a:rPr lang="en-US" sz="1800" i="0" u="none" strike="noStrike" dirty="0">
+                <a:effectLst/>
+                <a:latin typeface="Arial" panose="020B0604020202020204" pitchFamily="34" charset="0"/>
+                <a:cs typeface="Arial" panose="020B0604020202020204" pitchFamily="34" charset="0"/>
+              </a:rPr>
+              <a:t>} catch (</a:t>
+            </a:r>
+            <a:r>
+              <a:rPr lang="en-US" sz="1800" i="0" u="none" strike="noStrike" dirty="0" err="1">
+                <a:effectLst/>
+                <a:latin typeface="Arial" panose="020B0604020202020204" pitchFamily="34" charset="0"/>
+                <a:cs typeface="Arial" panose="020B0604020202020204" pitchFamily="34" charset="0"/>
+              </a:rPr>
+              <a:t>IOException</a:t>
+            </a:r>
+            <a:r>
+              <a:rPr lang="en-US" sz="1800" i="0" u="none" strike="noStrike" dirty="0">
+                <a:effectLst/>
+                <a:latin typeface="Arial" panose="020B0604020202020204" pitchFamily="34" charset="0"/>
+                <a:cs typeface="Arial" panose="020B0604020202020204" pitchFamily="34" charset="0"/>
               </a:rPr>
               <a:t> e) {</a:t>
             </a:r>
             <a:endParaRPr lang="en-US" dirty="0">
               <a:effectLst/>
+              <a:latin typeface="Arial" panose="020B0604020202020204" pitchFamily="34" charset="0"/>
+              <a:cs typeface="Arial" panose="020B0604020202020204" pitchFamily="34" charset="0"/>
             </a:endParaRPr>
           </a:p>
           <a:p>
@@ -35727,37 +36108,57 @@
               <a:buNone/>
             </a:pPr>
             <a:r>
-              <a:rPr lang="en-US" sz="1800" i="0" u="none" strike="noStrike" dirty="0">
-                <a:solidFill>
-                  <a:srgbClr val="595959"/>
-                </a:solidFill>
+              <a:rPr lang="zh-CN" altLang="en-US" sz="1800" i="0" u="none" strike="noStrike" dirty="0">
                 <a:effectLst/>
                 <a:latin typeface="Arial" panose="020B0604020202020204" pitchFamily="34" charset="0"/>
+                <a:cs typeface="Arial" panose="020B0604020202020204" pitchFamily="34" charset="0"/>
               </a:rPr>
-              <a:t>            throw new </a:t>
-            </a:r>
-            <a:r>
-              <a:rPr lang="en-US" sz="1800" i="0" u="none" strike="noStrike" dirty="0" err="1">
-                <a:solidFill>
-                  <a:srgbClr val="595959"/>
-                </a:solidFill>
+              <a:t>  </a:t>
+            </a:r>
+            <a:r>
+              <a:rPr lang="en-US" sz="1800" i="0" u="none" strike="noStrike" dirty="0">
                 <a:effectLst/>
                 <a:latin typeface="Arial" panose="020B0604020202020204" pitchFamily="34" charset="0"/>
+                <a:cs typeface="Arial" panose="020B0604020202020204" pitchFamily="34" charset="0"/>
+              </a:rPr>
+              <a:t>         </a:t>
+            </a:r>
+            <a:r>
+              <a:rPr lang="zh-CN" altLang="en-US" sz="1800" i="0" u="none" strike="noStrike" dirty="0">
+                <a:effectLst/>
+                <a:latin typeface="Arial" panose="020B0604020202020204" pitchFamily="34" charset="0"/>
+                <a:cs typeface="Arial" panose="020B0604020202020204" pitchFamily="34" charset="0"/>
+              </a:rPr>
+              <a:t> </a:t>
+            </a:r>
+            <a:r>
+              <a:rPr lang="en-US" sz="1800" i="0" u="none" strike="noStrike" dirty="0">
+                <a:effectLst/>
+                <a:latin typeface="Arial" panose="020B0604020202020204" pitchFamily="34" charset="0"/>
+                <a:cs typeface="Arial" panose="020B0604020202020204" pitchFamily="34" charset="0"/>
+              </a:rPr>
+              <a:t>throw new </a:t>
+            </a:r>
+            <a:r>
+              <a:rPr lang="en-US" sz="1800" i="0" u="none" strike="noStrike" dirty="0" err="1">
+                <a:effectLst/>
+                <a:latin typeface="Arial" panose="020B0604020202020204" pitchFamily="34" charset="0"/>
+                <a:cs typeface="Arial" panose="020B0604020202020204" pitchFamily="34" charset="0"/>
               </a:rPr>
               <a:t>ClassNotFoundException</a:t>
             </a:r>
             <a:r>
               <a:rPr lang="en-US" sz="1800" i="0" u="none" strike="noStrike" dirty="0">
-                <a:solidFill>
-                  <a:srgbClr val="595959"/>
-                </a:solidFill>
                 <a:effectLst/>
                 <a:latin typeface="Arial" panose="020B0604020202020204" pitchFamily="34" charset="0"/>
+                <a:cs typeface="Arial" panose="020B0604020202020204" pitchFamily="34" charset="0"/>
               </a:rPr>
               <a:t>(name);</a:t>
             </a:r>
             <a:endParaRPr lang="en-US" dirty="0">
               <a:effectLst/>
+              <a:latin typeface="Arial" panose="020B0604020202020204" pitchFamily="34" charset="0"/>
+              <a:cs typeface="Arial" panose="020B0604020202020204" pitchFamily="34" charset="0"/>
             </a:endParaRPr>
           </a:p>
           <a:p>
@@ -35771,17 +36172,41 @@
               <a:buNone/>
             </a:pPr>
             <a:r>
-              <a:rPr lang="en-US" sz="1800" i="0" u="none" strike="noStrike" dirty="0">
-                <a:solidFill>
-                  <a:srgbClr val="595959"/>
-                </a:solidFill>
+              <a:rPr lang="zh-CN" altLang="en-US" sz="1800" i="0" u="none" strike="noStrike" dirty="0">
                 <a:effectLst/>
                 <a:latin typeface="Arial" panose="020B0604020202020204" pitchFamily="34" charset="0"/>
+                <a:cs typeface="Arial" panose="020B0604020202020204" pitchFamily="34" charset="0"/>
               </a:rPr>
-              <a:t>        }</a:t>
+              <a:t>  </a:t>
+            </a:r>
+            <a:r>
+              <a:rPr lang="en-US" sz="1800" i="0" u="none" strike="noStrike" dirty="0">
+                <a:effectLst/>
+                <a:latin typeface="Arial" panose="020B0604020202020204" pitchFamily="34" charset="0"/>
+                <a:cs typeface="Arial" panose="020B0604020202020204" pitchFamily="34" charset="0"/>
+              </a:rPr>
+              <a:t>     </a:t>
+            </a:r>
+            <a:r>
+              <a:rPr lang="zh-CN" altLang="en-US" sz="1800" i="0" u="none" strike="noStrike" dirty="0">
+                <a:effectLst/>
+                <a:latin typeface="Arial" panose="020B0604020202020204" pitchFamily="34" charset="0"/>
+                <a:cs typeface="Arial" panose="020B0604020202020204" pitchFamily="34" charset="0"/>
+              </a:rPr>
+              <a:t> </a:t>
+            </a:r>
+            <a:r>
+              <a:rPr lang="en-US" sz="1800" i="0" u="none" strike="noStrike" dirty="0">
+                <a:effectLst/>
+                <a:latin typeface="Arial" panose="020B0604020202020204" pitchFamily="34" charset="0"/>
+                <a:cs typeface="Arial" panose="020B0604020202020204" pitchFamily="34" charset="0"/>
+              </a:rPr>
+              <a:t>}</a:t>
             </a:r>
             <a:endParaRPr lang="en-US" dirty="0">
               <a:effectLst/>
+              <a:latin typeface="Arial" panose="020B0604020202020204" pitchFamily="34" charset="0"/>
+              <a:cs typeface="Arial" panose="020B0604020202020204" pitchFamily="34" charset="0"/>
             </a:endParaRPr>
           </a:p>
           <a:p>
@@ -35795,17 +36220,74 @@
               <a:buNone/>
             </a:pPr>
             <a:r>
-              <a:rPr lang="en-US" sz="1800" i="0" u="none" strike="noStrike" dirty="0">
+              <a:rPr lang="zh-CN" altLang="en-US" sz="1800" i="0" u="none" strike="noStrike" dirty="0">
+                <a:effectLst/>
+                <a:latin typeface="Arial" panose="020B0604020202020204" pitchFamily="34" charset="0"/>
+                <a:cs typeface="Arial" panose="020B0604020202020204" pitchFamily="34" charset="0"/>
+              </a:rPr>
+              <a:t> </a:t>
+            </a:r>
+            <a:r>
+              <a:rPr lang="zh-CN" altLang="en-US" sz="1800" i="0" u="none" strike="noStrike" dirty="0">
                 <a:solidFill>
-                  <a:srgbClr val="4285F4"/>
+                  <a:schemeClr val="accent2">
+                    <a:lumMod val="75000"/>
+                  </a:schemeClr>
                 </a:solidFill>
                 <a:effectLst/>
                 <a:latin typeface="Arial" panose="020B0604020202020204" pitchFamily="34" charset="0"/>
+                <a:cs typeface="Arial" panose="020B0604020202020204" pitchFamily="34" charset="0"/>
               </a:rPr>
-              <a:t>    }</a:t>
+              <a:t> </a:t>
+            </a:r>
+            <a:r>
+              <a:rPr lang="en-US" sz="1800" i="0" u="none" strike="noStrike" dirty="0">
+                <a:solidFill>
+                  <a:schemeClr val="accent2">
+                    <a:lumMod val="75000"/>
+                  </a:schemeClr>
+                </a:solidFill>
+                <a:effectLst/>
+                <a:latin typeface="Arial" panose="020B0604020202020204" pitchFamily="34" charset="0"/>
+                <a:cs typeface="Arial" panose="020B0604020202020204" pitchFamily="34" charset="0"/>
+              </a:rPr>
+              <a:t> </a:t>
+            </a:r>
+            <a:r>
+              <a:rPr lang="zh-CN" altLang="en-US" sz="1800" i="0" u="none" strike="noStrike" dirty="0">
+                <a:solidFill>
+                  <a:schemeClr val="accent2">
+                    <a:lumMod val="75000"/>
+                  </a:schemeClr>
+                </a:solidFill>
+                <a:effectLst/>
+                <a:latin typeface="Arial" panose="020B0604020202020204" pitchFamily="34" charset="0"/>
+                <a:cs typeface="Arial" panose="020B0604020202020204" pitchFamily="34" charset="0"/>
+              </a:rPr>
+              <a:t> </a:t>
+            </a:r>
+            <a:r>
+              <a:rPr lang="en-US" sz="1800" i="0" u="none" strike="noStrike" dirty="0">
+                <a:solidFill>
+                  <a:schemeClr val="accent5">
+                    <a:lumMod val="75000"/>
+                  </a:schemeClr>
+                </a:solidFill>
+                <a:effectLst/>
+                <a:latin typeface="Arial" panose="020B0604020202020204" pitchFamily="34" charset="0"/>
+                <a:cs typeface="Arial" panose="020B0604020202020204" pitchFamily="34" charset="0"/>
+              </a:rPr>
+              <a:t>}</a:t>
             </a:r>
             <a:endParaRPr lang="en-US" dirty="0">
+              <a:solidFill>
+                <a:schemeClr val="accent5">
+                  <a:lumMod val="75000"/>
+                </a:schemeClr>
+              </a:solidFill>
               <a:effectLst/>
+              <a:latin typeface="Arial" panose="020B0604020202020204" pitchFamily="34" charset="0"/>
+              <a:cs typeface="Arial" panose="020B0604020202020204" pitchFamily="34" charset="0"/>
             </a:endParaRPr>
           </a:p>
           <a:p>
@@ -35819,37 +36301,92 @@
               <a:buNone/>
             </a:pPr>
             <a:r>
-              <a:rPr lang="en-US" sz="1800" i="0" u="none" strike="noStrike" dirty="0">
+              <a:rPr lang="zh-CN" altLang="en-US" sz="1800" i="0" u="none" strike="noStrike" dirty="0">
                 <a:solidFill>
-                  <a:srgbClr val="4285F4"/>
+                  <a:schemeClr val="accent2">
+                    <a:lumMod val="75000"/>
+                  </a:schemeClr>
                 </a:solidFill>
                 <a:effectLst/>
                 <a:latin typeface="Arial" panose="020B0604020202020204" pitchFamily="34" charset="0"/>
+                <a:cs typeface="Arial" panose="020B0604020202020204" pitchFamily="34" charset="0"/>
               </a:rPr>
-              <a:t>    return </a:t>
-            </a:r>
-            <a:r>
-              <a:rPr lang="en-US" sz="1800" i="0" u="none" strike="noStrike" dirty="0" err="1">
+              <a:t>  </a:t>
+            </a:r>
+            <a:r>
+              <a:rPr lang="en-US" sz="1800" i="0" u="none" strike="noStrike" dirty="0">
                 <a:solidFill>
-                  <a:srgbClr val="4285F4"/>
+                  <a:schemeClr val="accent2">
+                    <a:lumMod val="75000"/>
+                  </a:schemeClr>
                 </a:solidFill>
                 <a:effectLst/>
                 <a:latin typeface="Arial" panose="020B0604020202020204" pitchFamily="34" charset="0"/>
+                <a:cs typeface="Arial" panose="020B0604020202020204" pitchFamily="34" charset="0"/>
               </a:rPr>
-              <a:t>super.loadClass</a:t>
-            </a:r>
-            <a:r>
-              <a:rPr lang="en-US" sz="1800" i="0" u="none" strike="noStrike" dirty="0">
+              <a:t> </a:t>
+            </a:r>
+            <a:r>
+              <a:rPr lang="zh-CN" altLang="en-US" sz="1800" i="0" u="none" strike="noStrike" dirty="0">
                 <a:solidFill>
-                  <a:srgbClr val="4285F4"/>
+                  <a:schemeClr val="accent2">
+                    <a:lumMod val="75000"/>
+                  </a:schemeClr>
                 </a:solidFill>
                 <a:effectLst/>
                 <a:latin typeface="Arial" panose="020B0604020202020204" pitchFamily="34" charset="0"/>
+                <a:cs typeface="Arial" panose="020B0604020202020204" pitchFamily="34" charset="0"/>
+              </a:rPr>
+              <a:t> </a:t>
+            </a:r>
+            <a:r>
+              <a:rPr lang="en-US" sz="1800" i="0" u="none" strike="noStrike" dirty="0">
+                <a:solidFill>
+                  <a:schemeClr val="accent5">
+                    <a:lumMod val="75000"/>
+                  </a:schemeClr>
+                </a:solidFill>
+                <a:effectLst/>
+                <a:latin typeface="Arial" panose="020B0604020202020204" pitchFamily="34" charset="0"/>
+                <a:cs typeface="Arial" panose="020B0604020202020204" pitchFamily="34" charset="0"/>
+              </a:rPr>
+              <a:t>return </a:t>
+            </a:r>
+            <a:r>
+              <a:rPr lang="en-US" sz="1800" i="0" u="none" strike="noStrike" dirty="0" err="1">
+                <a:solidFill>
+                  <a:schemeClr val="accent5">
+                    <a:lumMod val="75000"/>
+                  </a:schemeClr>
+                </a:solidFill>
+                <a:effectLst/>
+                <a:latin typeface="Arial" panose="020B0604020202020204" pitchFamily="34" charset="0"/>
+                <a:cs typeface="Arial" panose="020B0604020202020204" pitchFamily="34" charset="0"/>
+              </a:rPr>
+              <a:t>super.loadClass</a:t>
+            </a:r>
+            <a:r>
+              <a:rPr lang="en-US" sz="1800" i="0" u="none" strike="noStrike" dirty="0">
+                <a:solidFill>
+                  <a:schemeClr val="accent5">
+                    <a:lumMod val="75000"/>
+                  </a:schemeClr>
+                </a:solidFill>
+                <a:effectLst/>
+                <a:latin typeface="Arial" panose="020B0604020202020204" pitchFamily="34" charset="0"/>
+                <a:cs typeface="Arial" panose="020B0604020202020204" pitchFamily="34" charset="0"/>
               </a:rPr>
               <a:t>(name, resolve);</a:t>
             </a:r>
             <a:endParaRPr lang="en-US" dirty="0">
+              <a:solidFill>
+                <a:schemeClr val="accent5">
+                  <a:lumMod val="75000"/>
+                </a:schemeClr>
+              </a:solidFill>
               <a:effectLst/>
+              <a:latin typeface="Arial" panose="020B0604020202020204" pitchFamily="34" charset="0"/>
+              <a:cs typeface="Arial" panose="020B0604020202020204" pitchFamily="34" charset="0"/>
             </a:endParaRPr>
           </a:p>
           <a:p>
@@ -35864,15 +36401,16 @@
             </a:pPr>
             <a:r>
               <a:rPr lang="en-US" sz="1800" i="0" u="none" strike="noStrike" dirty="0">
-                <a:solidFill>
-                  <a:srgbClr val="595959"/>
-                </a:solidFill>
                 <a:effectLst/>
                 <a:latin typeface="Arial" panose="020B0604020202020204" pitchFamily="34" charset="0"/>
+                <a:cs typeface="Arial" panose="020B0604020202020204" pitchFamily="34" charset="0"/>
               </a:rPr>
               <a:t>}</a:t>
             </a:r>
-            <a:endParaRPr lang="en-US" dirty="0"/>
+            <a:endParaRPr lang="en-US" dirty="0">
+              <a:latin typeface="Arial" panose="020B0604020202020204" pitchFamily="34" charset="0"/>
+              <a:cs typeface="Arial" panose="020B0604020202020204" pitchFamily="34" charset="0"/>
+            </a:endParaRPr>
           </a:p>
         </p:txBody>
       </p:sp>
@@ -35890,7 +36428,7 @@
         </p:nvSpPr>
         <p:spPr>
           <a:xfrm>
-            <a:off x="5331822" y="780506"/>
+            <a:off x="5105400" y="796426"/>
             <a:ext cx="1136470" cy="191587"/>
           </a:xfrm>
           <a:prstGeom prst="flowChartDisplay">
@@ -35946,7 +36484,7 @@
         </p:nvSpPr>
         <p:spPr>
           <a:xfrm>
-            <a:off x="5331822" y="1101634"/>
+            <a:off x="5105400" y="1116670"/>
             <a:ext cx="1136470" cy="191587"/>
           </a:xfrm>
           <a:prstGeom prst="flowChartDisplay">
@@ -36002,7 +36540,7 @@
         </p:nvSpPr>
         <p:spPr>
           <a:xfrm>
-            <a:off x="2971800" y="1456104"/>
+            <a:off x="2362200" y="1451069"/>
             <a:ext cx="1136470" cy="191587"/>
           </a:xfrm>
           <a:prstGeom prst="flowChartDisplay">
@@ -36034,12 +36572,20 @@
           <a:p>
             <a:pPr algn="ctr"/>
             <a:r>
+              <a:rPr lang="en-US" altLang="zh-CN" sz="1200" dirty="0">
+                <a:solidFill>
+                  <a:schemeClr val="tx1"/>
+                </a:solidFill>
+              </a:rPr>
+              <a:t>–</a:t>
+            </a:r>
+            <a:r>
               <a:rPr lang="en-US" sz="1200" dirty="0">
                 <a:solidFill>
                   <a:schemeClr val="tx1"/>
                 </a:solidFill>
               </a:rPr>
-              <a:t>- 0.008</a:t>
+              <a:t> 0.008</a:t>
             </a:r>
           </a:p>
         </p:txBody>
@@ -36058,7 +36604,7 @@
         </p:nvSpPr>
         <p:spPr>
           <a:xfrm>
-            <a:off x="2971800" y="1805397"/>
+            <a:off x="2362200" y="1779273"/>
             <a:ext cx="1136470" cy="191587"/>
           </a:xfrm>
           <a:prstGeom prst="flowChartDisplay">
@@ -36090,12 +36636,20 @@
           <a:p>
             <a:pPr algn="ctr"/>
             <a:r>
+              <a:rPr lang="en-US" altLang="zh-CN" sz="1200" dirty="0">
+                <a:solidFill>
+                  <a:schemeClr val="tx1"/>
+                </a:solidFill>
+              </a:rPr>
+              <a:t>–</a:t>
+            </a:r>
+            <a:r>
               <a:rPr lang="en-US" sz="1200" dirty="0">
                 <a:solidFill>
                   <a:schemeClr val="tx1"/>
                 </a:solidFill>
               </a:rPr>
-              <a:t>- 0.052</a:t>
+              <a:t> 0.052</a:t>
             </a:r>
           </a:p>
         </p:txBody>
@@ -36114,7 +36668,7 @@
         </p:nvSpPr>
         <p:spPr>
           <a:xfrm>
-            <a:off x="2971800" y="2114006"/>
+            <a:off x="2362200" y="2114006"/>
             <a:ext cx="1136470" cy="191587"/>
           </a:xfrm>
           <a:prstGeom prst="flowChartDisplay">
@@ -36146,12 +36700,20 @@
           <a:p>
             <a:pPr algn="ctr"/>
             <a:r>
+              <a:rPr lang="en-US" altLang="zh-CN" sz="1200" dirty="0">
+                <a:solidFill>
+                  <a:schemeClr val="tx1"/>
+                </a:solidFill>
+              </a:rPr>
+              <a:t>–</a:t>
+            </a:r>
+            <a:r>
               <a:rPr lang="en-US" sz="1200" dirty="0">
                 <a:solidFill>
                   <a:schemeClr val="tx1"/>
                 </a:solidFill>
               </a:rPr>
-              <a:t>- 0.022</a:t>
+              <a:t> 0.022</a:t>
             </a:r>
           </a:p>
         </p:txBody>
@@ -36170,7 +36732,7 @@
         </p:nvSpPr>
         <p:spPr>
           <a:xfrm>
-            <a:off x="2971800" y="2761706"/>
+            <a:off x="2743200" y="2770415"/>
             <a:ext cx="1136470" cy="191587"/>
           </a:xfrm>
           <a:prstGeom prst="flowChartDisplay">
@@ -36226,7 +36788,7 @@
         </p:nvSpPr>
         <p:spPr>
           <a:xfrm>
-            <a:off x="10785565" y="3098280"/>
+            <a:off x="10591800" y="3109166"/>
             <a:ext cx="1136470" cy="191587"/>
           </a:xfrm>
           <a:prstGeom prst="flowChartDisplay">
@@ -36285,7 +36847,7 @@
         </p:nvSpPr>
         <p:spPr>
           <a:xfrm>
-            <a:off x="5791200" y="3799320"/>
+            <a:off x="5562600" y="3790611"/>
             <a:ext cx="1136470" cy="191587"/>
           </a:xfrm>
           <a:prstGeom prst="flowChartDisplay">
@@ -36341,7 +36903,7 @@
         </p:nvSpPr>
         <p:spPr>
           <a:xfrm>
-            <a:off x="4800600" y="5123906"/>
+            <a:off x="914400" y="5132614"/>
             <a:ext cx="1136470" cy="191587"/>
           </a:xfrm>
           <a:prstGeom prst="flowChartDisplay">
@@ -36397,7 +36959,7 @@
         </p:nvSpPr>
         <p:spPr>
           <a:xfrm>
-            <a:off x="4800600" y="5453949"/>
+            <a:off x="4572000" y="5466806"/>
             <a:ext cx="1136470" cy="191587"/>
           </a:xfrm>
           <a:prstGeom prst="flowChartDisplay">
@@ -36429,12 +36991,20 @@
           <a:p>
             <a:pPr algn="ctr"/>
             <a:r>
+              <a:rPr lang="en-US" altLang="zh-CN" sz="1200" dirty="0">
+                <a:solidFill>
+                  <a:schemeClr val="tx1"/>
+                </a:solidFill>
+              </a:rPr>
+              <a:t>–</a:t>
+            </a:r>
+            <a:r>
               <a:rPr lang="en-US" sz="1200" dirty="0">
                 <a:solidFill>
                   <a:schemeClr val="tx1"/>
                 </a:solidFill>
               </a:rPr>
-              <a:t>- 0.011</a:t>
+              <a:t> 0.011</a:t>
             </a:r>
           </a:p>
         </p:txBody>
@@ -36453,7 +37023,7 @@
         </p:nvSpPr>
         <p:spPr>
           <a:xfrm>
-            <a:off x="5791200" y="3457511"/>
+            <a:off x="4191000" y="3447506"/>
             <a:ext cx="1136470" cy="191587"/>
           </a:xfrm>
           <a:prstGeom prst="flowChartDisplay">
